--- a/materials/slides/ch10-network.pptx
+++ b/materials/slides/ch10-network.pptx
@@ -13,6 +13,10 @@
     <p:sldId id="268" r:id="rId7"/>
     <p:sldId id="266" r:id="rId8"/>
     <p:sldId id="265" r:id="rId9"/>
+    <p:sldId id="269" r:id="rId10"/>
+    <p:sldId id="270" r:id="rId11"/>
+    <p:sldId id="271" r:id="rId12"/>
+    <p:sldId id="272" r:id="rId13"/>
   </p:sldIdLst>
   <p:sldSz cx="12192000" cy="6858000"/>
   <p:notesSz cx="6858000" cy="9144000"/>
@@ -274,7 +278,7 @@
           <a:p>
             <a:fld id="{02E60DA2-A0BC-48C9-AA88-75C78721B420}" type="datetimeFigureOut">
               <a:rPr lang="zh-CN" altLang="en-US" smtClean="0"/>
-              <a:t>2018/4/29</a:t>
+              <a:t>2018/5/1</a:t>
             </a:fld>
             <a:endParaRPr lang="zh-CN" altLang="en-US"/>
           </a:p>
@@ -496,7 +500,7 @@
           <a:p>
             <a:fld id="{02E60DA2-A0BC-48C9-AA88-75C78721B420}" type="datetimeFigureOut">
               <a:rPr lang="zh-CN" altLang="en-US" smtClean="0"/>
-              <a:t>2018/4/29</a:t>
+              <a:t>2018/5/1</a:t>
             </a:fld>
             <a:endParaRPr lang="zh-CN" altLang="en-US"/>
           </a:p>
@@ -728,7 +732,7 @@
           <a:p>
             <a:fld id="{02E60DA2-A0BC-48C9-AA88-75C78721B420}" type="datetimeFigureOut">
               <a:rPr lang="zh-CN" altLang="en-US" smtClean="0"/>
-              <a:t>2018/4/29</a:t>
+              <a:t>2018/5/1</a:t>
             </a:fld>
             <a:endParaRPr lang="zh-CN" altLang="en-US"/>
           </a:p>
@@ -978,7 +982,7 @@
           <a:p>
             <a:fld id="{02E60DA2-A0BC-48C9-AA88-75C78721B420}" type="datetimeFigureOut">
               <a:rPr lang="zh-CN" altLang="en-US" smtClean="0"/>
-              <a:t>2018/4/29</a:t>
+              <a:t>2018/5/1</a:t>
             </a:fld>
             <a:endParaRPr lang="zh-CN" altLang="en-US"/>
           </a:p>
@@ -1216,7 +1220,7 @@
           <a:p>
             <a:fld id="{02E60DA2-A0BC-48C9-AA88-75C78721B420}" type="datetimeFigureOut">
               <a:rPr lang="zh-CN" altLang="en-US" smtClean="0"/>
-              <a:t>2018/4/29</a:t>
+              <a:t>2018/5/1</a:t>
             </a:fld>
             <a:endParaRPr lang="zh-CN" altLang="en-US"/>
           </a:p>
@@ -1521,7 +1525,7 @@
           <a:p>
             <a:fld id="{02E60DA2-A0BC-48C9-AA88-75C78721B420}" type="datetimeFigureOut">
               <a:rPr lang="zh-CN" altLang="en-US" smtClean="0"/>
-              <a:t>2018/4/29</a:t>
+              <a:t>2018/5/1</a:t>
             </a:fld>
             <a:endParaRPr lang="zh-CN" altLang="en-US"/>
           </a:p>
@@ -1824,7 +1828,7 @@
           <a:p>
             <a:fld id="{02E60DA2-A0BC-48C9-AA88-75C78721B420}" type="datetimeFigureOut">
               <a:rPr lang="zh-CN" altLang="en-US" smtClean="0"/>
-              <a:t>2018/4/29</a:t>
+              <a:t>2018/5/1</a:t>
             </a:fld>
             <a:endParaRPr lang="zh-CN" altLang="en-US"/>
           </a:p>
@@ -2275,7 +2279,7 @@
           <a:p>
             <a:fld id="{02E60DA2-A0BC-48C9-AA88-75C78721B420}" type="datetimeFigureOut">
               <a:rPr lang="zh-CN" altLang="en-US" smtClean="0"/>
-              <a:t>2018/4/29</a:t>
+              <a:t>2018/5/1</a:t>
             </a:fld>
             <a:endParaRPr lang="zh-CN" altLang="en-US"/>
           </a:p>
@@ -2448,7 +2452,7 @@
           <a:p>
             <a:fld id="{02E60DA2-A0BC-48C9-AA88-75C78721B420}" type="datetimeFigureOut">
               <a:rPr lang="zh-CN" altLang="en-US" smtClean="0"/>
-              <a:t>2018/4/29</a:t>
+              <a:t>2018/5/1</a:t>
             </a:fld>
             <a:endParaRPr lang="zh-CN" altLang="en-US"/>
           </a:p>
@@ -2585,7 +2589,7 @@
           <a:p>
             <a:fld id="{02E60DA2-A0BC-48C9-AA88-75C78721B420}" type="datetimeFigureOut">
               <a:rPr lang="zh-CN" altLang="en-US" smtClean="0"/>
-              <a:t>2018/4/29</a:t>
+              <a:t>2018/5/1</a:t>
             </a:fld>
             <a:endParaRPr lang="zh-CN" altLang="en-US"/>
           </a:p>
@@ -2929,7 +2933,7 @@
           <a:p>
             <a:fld id="{02E60DA2-A0BC-48C9-AA88-75C78721B420}" type="datetimeFigureOut">
               <a:rPr lang="zh-CN" altLang="en-US" smtClean="0"/>
-              <a:t>2018/4/29</a:t>
+              <a:t>2018/5/1</a:t>
             </a:fld>
             <a:endParaRPr lang="zh-CN" altLang="en-US"/>
           </a:p>
@@ -3151,7 +3155,7 @@
           <a:p>
             <a:fld id="{02E60DA2-A0BC-48C9-AA88-75C78721B420}" type="datetimeFigureOut">
               <a:rPr lang="zh-CN" altLang="en-US" smtClean="0"/>
-              <a:t>2018/4/29</a:t>
+              <a:t>2018/5/1</a:t>
             </a:fld>
             <a:endParaRPr lang="zh-CN" altLang="en-US"/>
           </a:p>
@@ -3472,7 +3476,7 @@
           <a:p>
             <a:fld id="{02E60DA2-A0BC-48C9-AA88-75C78721B420}" type="datetimeFigureOut">
               <a:rPr lang="zh-CN" altLang="en-US" smtClean="0"/>
-              <a:t>2018/4/29</a:t>
+              <a:t>2018/5/1</a:t>
             </a:fld>
             <a:endParaRPr lang="zh-CN" altLang="en-US"/>
           </a:p>
@@ -3710,7 +3714,7 @@
           <a:p>
             <a:fld id="{02E60DA2-A0BC-48C9-AA88-75C78721B420}" type="datetimeFigureOut">
               <a:rPr lang="zh-CN" altLang="en-US" smtClean="0"/>
-              <a:t>2018/4/29</a:t>
+              <a:t>2018/5/1</a:t>
             </a:fld>
             <a:endParaRPr lang="zh-CN" altLang="en-US"/>
           </a:p>
@@ -3948,7 +3952,7 @@
           <a:p>
             <a:fld id="{02E60DA2-A0BC-48C9-AA88-75C78721B420}" type="datetimeFigureOut">
               <a:rPr lang="zh-CN" altLang="en-US" smtClean="0"/>
-              <a:t>2018/4/29</a:t>
+              <a:t>2018/5/1</a:t>
             </a:fld>
             <a:endParaRPr lang="zh-CN" altLang="en-US"/>
           </a:p>
@@ -4247,7 +4251,7 @@
           <a:p>
             <a:fld id="{02E60DA2-A0BC-48C9-AA88-75C78721B420}" type="datetimeFigureOut">
               <a:rPr lang="zh-CN" altLang="en-US" smtClean="0"/>
-              <a:t>2018/4/29</a:t>
+              <a:t>2018/5/1</a:t>
             </a:fld>
             <a:endParaRPr lang="zh-CN" altLang="en-US"/>
           </a:p>
@@ -4536,7 +4540,7 @@
           <a:p>
             <a:fld id="{02E60DA2-A0BC-48C9-AA88-75C78721B420}" type="datetimeFigureOut">
               <a:rPr lang="zh-CN" altLang="en-US" smtClean="0"/>
-              <a:t>2018/4/29</a:t>
+              <a:t>2018/5/1</a:t>
             </a:fld>
             <a:endParaRPr lang="zh-CN" altLang="en-US"/>
           </a:p>
@@ -4972,7 +4976,7 @@
           <a:p>
             <a:fld id="{02E60DA2-A0BC-48C9-AA88-75C78721B420}" type="datetimeFigureOut">
               <a:rPr lang="zh-CN" altLang="en-US" smtClean="0"/>
-              <a:t>2018/4/29</a:t>
+              <a:t>2018/5/1</a:t>
             </a:fld>
             <a:endParaRPr lang="zh-CN" altLang="en-US"/>
           </a:p>
@@ -5137,7 +5141,7 @@
           <a:p>
             <a:fld id="{02E60DA2-A0BC-48C9-AA88-75C78721B420}" type="datetimeFigureOut">
               <a:rPr lang="zh-CN" altLang="en-US" smtClean="0"/>
-              <a:t>2018/4/29</a:t>
+              <a:t>2018/5/1</a:t>
             </a:fld>
             <a:endParaRPr lang="zh-CN" altLang="en-US"/>
           </a:p>
@@ -5274,7 +5278,7 @@
           <a:p>
             <a:fld id="{02E60DA2-A0BC-48C9-AA88-75C78721B420}" type="datetimeFigureOut">
               <a:rPr lang="zh-CN" altLang="en-US" smtClean="0"/>
-              <a:t>2018/4/29</a:t>
+              <a:t>2018/5/1</a:t>
             </a:fld>
             <a:endParaRPr lang="zh-CN" altLang="en-US"/>
           </a:p>
@@ -5609,7 +5613,7 @@
           <a:p>
             <a:fld id="{02E60DA2-A0BC-48C9-AA88-75C78721B420}" type="datetimeFigureOut">
               <a:rPr lang="zh-CN" altLang="en-US" smtClean="0"/>
-              <a:t>2018/4/29</a:t>
+              <a:t>2018/5/1</a:t>
             </a:fld>
             <a:endParaRPr lang="zh-CN" altLang="en-US"/>
           </a:p>
@@ -5921,7 +5925,7 @@
           <a:p>
             <a:fld id="{02E60DA2-A0BC-48C9-AA88-75C78721B420}" type="datetimeFigureOut">
               <a:rPr lang="zh-CN" altLang="en-US" smtClean="0"/>
-              <a:t>2018/4/29</a:t>
+              <a:t>2018/5/1</a:t>
             </a:fld>
             <a:endParaRPr lang="zh-CN" altLang="en-US"/>
           </a:p>
@@ -7104,6 +7108,176 @@
     <p:extLst>
       <p:ext uri="{BB962C8B-B14F-4D97-AF65-F5344CB8AC3E}">
         <p14:creationId xmlns:p14="http://schemas.microsoft.com/office/powerpoint/2010/main" val="4047166132"/>
+      </p:ext>
+    </p:extLst>
+  </p:cSld>
+  <p:clrMapOvr>
+    <a:masterClrMapping/>
+  </p:clrMapOvr>
+</p:sld>
+</file>
+
+<file path=ppt/slides/slide10.xml><?xml version="1.0" encoding="utf-8"?>
+<p:sld xmlns:a="http://schemas.openxmlformats.org/drawingml/2006/main" xmlns:r="http://schemas.openxmlformats.org/officeDocument/2006/relationships" xmlns:p="http://schemas.openxmlformats.org/presentationml/2006/main">
+  <p:cSld>
+    <p:spTree>
+      <p:nvGrpSpPr>
+        <p:cNvPr id="1" name=""/>
+        <p:cNvGrpSpPr/>
+        <p:nvPr/>
+      </p:nvGrpSpPr>
+      <p:grpSpPr>
+        <a:xfrm>
+          <a:off x="0" y="0"/>
+          <a:ext cx="0" cy="0"/>
+          <a:chOff x="0" y="0"/>
+          <a:chExt cx="0" cy="0"/>
+        </a:xfrm>
+      </p:grpSpPr>
+      <p:sp>
+        <p:nvSpPr>
+          <p:cNvPr id="2" name="标题 1">
+            <a:extLst>
+              <a:ext uri="{FF2B5EF4-FFF2-40B4-BE49-F238E27FC236}">
+                <a16:creationId xmlns:a16="http://schemas.microsoft.com/office/drawing/2014/main" id="{8B88BACC-24DE-4087-9AB3-A099CF573089}"/>
+              </a:ext>
+            </a:extLst>
+          </p:cNvPr>
+          <p:cNvSpPr>
+            <a:spLocks noGrp="1"/>
+          </p:cNvSpPr>
+          <p:nvPr>
+            <p:ph type="title"/>
+          </p:nvPr>
+        </p:nvSpPr>
+        <p:spPr/>
+        <p:txBody>
+          <a:bodyPr/>
+          <a:lstStyle/>
+          <a:p>
+            <a:r>
+              <a:rPr lang="en-US" altLang="zh-CN" dirty="0"/>
+              <a:t>CentOS</a:t>
+            </a:r>
+            <a:r>
+              <a:rPr lang="zh-CN" altLang="en-US" dirty="0"/>
+              <a:t>网络配置</a:t>
+            </a:r>
+          </a:p>
+        </p:txBody>
+      </p:sp>
+      <p:sp>
+        <p:nvSpPr>
+          <p:cNvPr id="3" name="内容占位符 2">
+            <a:extLst>
+              <a:ext uri="{FF2B5EF4-FFF2-40B4-BE49-F238E27FC236}">
+                <a16:creationId xmlns:a16="http://schemas.microsoft.com/office/drawing/2014/main" id="{0A1C6B17-780B-4799-8193-E52FD817AC0E}"/>
+              </a:ext>
+            </a:extLst>
+          </p:cNvPr>
+          <p:cNvSpPr>
+            <a:spLocks noGrp="1"/>
+          </p:cNvSpPr>
+          <p:nvPr>
+            <p:ph idx="1"/>
+          </p:nvPr>
+        </p:nvSpPr>
+        <p:spPr/>
+        <p:txBody>
+          <a:bodyPr/>
+          <a:lstStyle/>
+          <a:p>
+            <a:endParaRPr lang="en-US" altLang="zh-CN" sz="2000" dirty="0"/>
+          </a:p>
+        </p:txBody>
+      </p:sp>
+    </p:spTree>
+    <p:extLst>
+      <p:ext uri="{BB962C8B-B14F-4D97-AF65-F5344CB8AC3E}">
+        <p14:creationId xmlns:p14="http://schemas.microsoft.com/office/powerpoint/2010/main" val="1368534046"/>
+      </p:ext>
+    </p:extLst>
+  </p:cSld>
+  <p:clrMapOvr>
+    <a:masterClrMapping/>
+  </p:clrMapOvr>
+</p:sld>
+</file>
+
+<file path=ppt/slides/slide11.xml><?xml version="1.0" encoding="utf-8"?>
+<p:sld xmlns:a="http://schemas.openxmlformats.org/drawingml/2006/main" xmlns:r="http://schemas.openxmlformats.org/officeDocument/2006/relationships" xmlns:p="http://schemas.openxmlformats.org/presentationml/2006/main">
+  <p:cSld>
+    <p:spTree>
+      <p:nvGrpSpPr>
+        <p:cNvPr id="1" name=""/>
+        <p:cNvGrpSpPr/>
+        <p:nvPr/>
+      </p:nvGrpSpPr>
+      <p:grpSpPr>
+        <a:xfrm>
+          <a:off x="0" y="0"/>
+          <a:ext cx="0" cy="0"/>
+          <a:chOff x="0" y="0"/>
+          <a:chExt cx="0" cy="0"/>
+        </a:xfrm>
+      </p:grpSpPr>
+      <p:sp>
+        <p:nvSpPr>
+          <p:cNvPr id="2" name="标题 1">
+            <a:extLst>
+              <a:ext uri="{FF2B5EF4-FFF2-40B4-BE49-F238E27FC236}">
+                <a16:creationId xmlns:a16="http://schemas.microsoft.com/office/drawing/2014/main" id="{8B88BACC-24DE-4087-9AB3-A099CF573089}"/>
+              </a:ext>
+            </a:extLst>
+          </p:cNvPr>
+          <p:cNvSpPr>
+            <a:spLocks noGrp="1"/>
+          </p:cNvSpPr>
+          <p:nvPr>
+            <p:ph type="title"/>
+          </p:nvPr>
+        </p:nvSpPr>
+        <p:spPr/>
+        <p:txBody>
+          <a:bodyPr/>
+          <a:lstStyle/>
+          <a:p>
+            <a:r>
+              <a:rPr lang="zh-CN" altLang="en-US" dirty="0"/>
+              <a:t>本节课任务</a:t>
+            </a:r>
+          </a:p>
+        </p:txBody>
+      </p:sp>
+      <p:sp>
+        <p:nvSpPr>
+          <p:cNvPr id="3" name="内容占位符 2">
+            <a:extLst>
+              <a:ext uri="{FF2B5EF4-FFF2-40B4-BE49-F238E27FC236}">
+                <a16:creationId xmlns:a16="http://schemas.microsoft.com/office/drawing/2014/main" id="{0A1C6B17-780B-4799-8193-E52FD817AC0E}"/>
+              </a:ext>
+            </a:extLst>
+          </p:cNvPr>
+          <p:cNvSpPr>
+            <a:spLocks noGrp="1"/>
+          </p:cNvSpPr>
+          <p:nvPr>
+            <p:ph idx="1"/>
+          </p:nvPr>
+        </p:nvSpPr>
+        <p:spPr/>
+        <p:txBody>
+          <a:bodyPr/>
+          <a:lstStyle/>
+          <a:p>
+            <a:endParaRPr lang="en-US" altLang="zh-CN" sz="2000" dirty="0"/>
+          </a:p>
+        </p:txBody>
+      </p:sp>
+    </p:spTree>
+    <p:extLst>
+      <p:ext uri="{BB962C8B-B14F-4D97-AF65-F5344CB8AC3E}">
+        <p14:creationId xmlns:p14="http://schemas.microsoft.com/office/powerpoint/2010/main" val="1425519327"/>
       </p:ext>
     </p:extLst>
   </p:cSld>
@@ -8891,6 +9065,180 @@
     <p:extLst>
       <p:ext uri="{BB962C8B-B14F-4D97-AF65-F5344CB8AC3E}">
         <p14:creationId xmlns:p14="http://schemas.microsoft.com/office/powerpoint/2010/main" val="3466496868"/>
+      </p:ext>
+    </p:extLst>
+  </p:cSld>
+  <p:clrMapOvr>
+    <a:masterClrMapping/>
+  </p:clrMapOvr>
+</p:sld>
+</file>
+
+<file path=ppt/slides/slide8.xml><?xml version="1.0" encoding="utf-8"?>
+<p:sld xmlns:a="http://schemas.openxmlformats.org/drawingml/2006/main" xmlns:r="http://schemas.openxmlformats.org/officeDocument/2006/relationships" xmlns:p="http://schemas.openxmlformats.org/presentationml/2006/main">
+  <p:cSld>
+    <p:spTree>
+      <p:nvGrpSpPr>
+        <p:cNvPr id="1" name=""/>
+        <p:cNvGrpSpPr/>
+        <p:nvPr/>
+      </p:nvGrpSpPr>
+      <p:grpSpPr>
+        <a:xfrm>
+          <a:off x="0" y="0"/>
+          <a:ext cx="0" cy="0"/>
+          <a:chOff x="0" y="0"/>
+          <a:chExt cx="0" cy="0"/>
+        </a:xfrm>
+      </p:grpSpPr>
+      <p:sp>
+        <p:nvSpPr>
+          <p:cNvPr id="2" name="标题 1">
+            <a:extLst>
+              <a:ext uri="{FF2B5EF4-FFF2-40B4-BE49-F238E27FC236}">
+                <a16:creationId xmlns:a16="http://schemas.microsoft.com/office/drawing/2014/main" id="{8B88BACC-24DE-4087-9AB3-A099CF573089}"/>
+              </a:ext>
+            </a:extLst>
+          </p:cNvPr>
+          <p:cNvSpPr>
+            <a:spLocks noGrp="1"/>
+          </p:cNvSpPr>
+          <p:nvPr>
+            <p:ph type="title"/>
+          </p:nvPr>
+        </p:nvSpPr>
+        <p:spPr/>
+        <p:txBody>
+          <a:bodyPr/>
+          <a:lstStyle/>
+          <a:p>
+            <a:r>
+              <a:rPr lang="en-US" altLang="zh-CN" dirty="0"/>
+              <a:t>Ubuntu16.04</a:t>
+            </a:r>
+            <a:r>
+              <a:rPr lang="zh-CN" altLang="en-US" dirty="0"/>
+              <a:t>网络配置</a:t>
+            </a:r>
+          </a:p>
+        </p:txBody>
+      </p:sp>
+      <p:sp>
+        <p:nvSpPr>
+          <p:cNvPr id="3" name="内容占位符 2">
+            <a:extLst>
+              <a:ext uri="{FF2B5EF4-FFF2-40B4-BE49-F238E27FC236}">
+                <a16:creationId xmlns:a16="http://schemas.microsoft.com/office/drawing/2014/main" id="{0A1C6B17-780B-4799-8193-E52FD817AC0E}"/>
+              </a:ext>
+            </a:extLst>
+          </p:cNvPr>
+          <p:cNvSpPr>
+            <a:spLocks noGrp="1"/>
+          </p:cNvSpPr>
+          <p:nvPr>
+            <p:ph idx="1"/>
+          </p:nvPr>
+        </p:nvSpPr>
+        <p:spPr/>
+        <p:txBody>
+          <a:bodyPr/>
+          <a:lstStyle/>
+          <a:p>
+            <a:endParaRPr lang="en-US" altLang="zh-CN" sz="2000" dirty="0"/>
+          </a:p>
+        </p:txBody>
+      </p:sp>
+    </p:spTree>
+    <p:extLst>
+      <p:ext uri="{BB962C8B-B14F-4D97-AF65-F5344CB8AC3E}">
+        <p14:creationId xmlns:p14="http://schemas.microsoft.com/office/powerpoint/2010/main" val="1561159563"/>
+      </p:ext>
+    </p:extLst>
+  </p:cSld>
+  <p:clrMapOvr>
+    <a:masterClrMapping/>
+  </p:clrMapOvr>
+</p:sld>
+</file>
+
+<file path=ppt/slides/slide9.xml><?xml version="1.0" encoding="utf-8"?>
+<p:sld xmlns:a="http://schemas.openxmlformats.org/drawingml/2006/main" xmlns:r="http://schemas.openxmlformats.org/officeDocument/2006/relationships" xmlns:p="http://schemas.openxmlformats.org/presentationml/2006/main">
+  <p:cSld>
+    <p:spTree>
+      <p:nvGrpSpPr>
+        <p:cNvPr id="1" name=""/>
+        <p:cNvGrpSpPr/>
+        <p:nvPr/>
+      </p:nvGrpSpPr>
+      <p:grpSpPr>
+        <a:xfrm>
+          <a:off x="0" y="0"/>
+          <a:ext cx="0" cy="0"/>
+          <a:chOff x="0" y="0"/>
+          <a:chExt cx="0" cy="0"/>
+        </a:xfrm>
+      </p:grpSpPr>
+      <p:sp>
+        <p:nvSpPr>
+          <p:cNvPr id="2" name="标题 1">
+            <a:extLst>
+              <a:ext uri="{FF2B5EF4-FFF2-40B4-BE49-F238E27FC236}">
+                <a16:creationId xmlns:a16="http://schemas.microsoft.com/office/drawing/2014/main" id="{8B88BACC-24DE-4087-9AB3-A099CF573089}"/>
+              </a:ext>
+            </a:extLst>
+          </p:cNvPr>
+          <p:cNvSpPr>
+            <a:spLocks noGrp="1"/>
+          </p:cNvSpPr>
+          <p:nvPr>
+            <p:ph type="title"/>
+          </p:nvPr>
+        </p:nvSpPr>
+        <p:spPr/>
+        <p:txBody>
+          <a:bodyPr/>
+          <a:lstStyle/>
+          <a:p>
+            <a:r>
+              <a:rPr lang="en-US" altLang="zh-CN" dirty="0"/>
+              <a:t>Ubuntu18.04</a:t>
+            </a:r>
+            <a:r>
+              <a:rPr lang="zh-CN" altLang="en-US" dirty="0"/>
+              <a:t>网络配置</a:t>
+            </a:r>
+          </a:p>
+        </p:txBody>
+      </p:sp>
+      <p:sp>
+        <p:nvSpPr>
+          <p:cNvPr id="3" name="内容占位符 2">
+            <a:extLst>
+              <a:ext uri="{FF2B5EF4-FFF2-40B4-BE49-F238E27FC236}">
+                <a16:creationId xmlns:a16="http://schemas.microsoft.com/office/drawing/2014/main" id="{0A1C6B17-780B-4799-8193-E52FD817AC0E}"/>
+              </a:ext>
+            </a:extLst>
+          </p:cNvPr>
+          <p:cNvSpPr>
+            <a:spLocks noGrp="1"/>
+          </p:cNvSpPr>
+          <p:nvPr>
+            <p:ph idx="1"/>
+          </p:nvPr>
+        </p:nvSpPr>
+        <p:spPr/>
+        <p:txBody>
+          <a:bodyPr/>
+          <a:lstStyle/>
+          <a:p>
+            <a:endParaRPr lang="en-US" altLang="zh-CN" sz="2000" dirty="0"/>
+          </a:p>
+        </p:txBody>
+      </p:sp>
+    </p:spTree>
+    <p:extLst>
+      <p:ext uri="{BB962C8B-B14F-4D97-AF65-F5344CB8AC3E}">
+        <p14:creationId xmlns:p14="http://schemas.microsoft.com/office/powerpoint/2010/main" val="1385544599"/>
       </p:ext>
     </p:extLst>
   </p:cSld>

--- a/materials/slides/ch10-network.pptx
+++ b/materials/slides/ch10-network.pptx
@@ -15,8 +15,11 @@
     <p:sldId id="265" r:id="rId9"/>
     <p:sldId id="269" r:id="rId10"/>
     <p:sldId id="270" r:id="rId11"/>
-    <p:sldId id="271" r:id="rId12"/>
-    <p:sldId id="272" r:id="rId13"/>
+    <p:sldId id="273" r:id="rId12"/>
+    <p:sldId id="271" r:id="rId13"/>
+    <p:sldId id="274" r:id="rId14"/>
+    <p:sldId id="272" r:id="rId15"/>
+    <p:sldId id="275" r:id="rId16"/>
   </p:sldIdLst>
   <p:sldSz cx="12192000" cy="6858000"/>
   <p:notesSz cx="6858000" cy="9144000"/>
@@ -278,7 +281,7 @@
           <a:p>
             <a:fld id="{02E60DA2-A0BC-48C9-AA88-75C78721B420}" type="datetimeFigureOut">
               <a:rPr lang="zh-CN" altLang="en-US" smtClean="0"/>
-              <a:t>2018/5/1</a:t>
+              <a:t>2018/5/7</a:t>
             </a:fld>
             <a:endParaRPr lang="zh-CN" altLang="en-US"/>
           </a:p>
@@ -500,7 +503,7 @@
           <a:p>
             <a:fld id="{02E60DA2-A0BC-48C9-AA88-75C78721B420}" type="datetimeFigureOut">
               <a:rPr lang="zh-CN" altLang="en-US" smtClean="0"/>
-              <a:t>2018/5/1</a:t>
+              <a:t>2018/5/7</a:t>
             </a:fld>
             <a:endParaRPr lang="zh-CN" altLang="en-US"/>
           </a:p>
@@ -732,7 +735,7 @@
           <a:p>
             <a:fld id="{02E60DA2-A0BC-48C9-AA88-75C78721B420}" type="datetimeFigureOut">
               <a:rPr lang="zh-CN" altLang="en-US" smtClean="0"/>
-              <a:t>2018/5/1</a:t>
+              <a:t>2018/5/7</a:t>
             </a:fld>
             <a:endParaRPr lang="zh-CN" altLang="en-US"/>
           </a:p>
@@ -982,7 +985,7 @@
           <a:p>
             <a:fld id="{02E60DA2-A0BC-48C9-AA88-75C78721B420}" type="datetimeFigureOut">
               <a:rPr lang="zh-CN" altLang="en-US" smtClean="0"/>
-              <a:t>2018/5/1</a:t>
+              <a:t>2018/5/7</a:t>
             </a:fld>
             <a:endParaRPr lang="zh-CN" altLang="en-US"/>
           </a:p>
@@ -1220,7 +1223,7 @@
           <a:p>
             <a:fld id="{02E60DA2-A0BC-48C9-AA88-75C78721B420}" type="datetimeFigureOut">
               <a:rPr lang="zh-CN" altLang="en-US" smtClean="0"/>
-              <a:t>2018/5/1</a:t>
+              <a:t>2018/5/7</a:t>
             </a:fld>
             <a:endParaRPr lang="zh-CN" altLang="en-US"/>
           </a:p>
@@ -1525,7 +1528,7 @@
           <a:p>
             <a:fld id="{02E60DA2-A0BC-48C9-AA88-75C78721B420}" type="datetimeFigureOut">
               <a:rPr lang="zh-CN" altLang="en-US" smtClean="0"/>
-              <a:t>2018/5/1</a:t>
+              <a:t>2018/5/7</a:t>
             </a:fld>
             <a:endParaRPr lang="zh-CN" altLang="en-US"/>
           </a:p>
@@ -1828,7 +1831,7 @@
           <a:p>
             <a:fld id="{02E60DA2-A0BC-48C9-AA88-75C78721B420}" type="datetimeFigureOut">
               <a:rPr lang="zh-CN" altLang="en-US" smtClean="0"/>
-              <a:t>2018/5/1</a:t>
+              <a:t>2018/5/7</a:t>
             </a:fld>
             <a:endParaRPr lang="zh-CN" altLang="en-US"/>
           </a:p>
@@ -2279,7 +2282,7 @@
           <a:p>
             <a:fld id="{02E60DA2-A0BC-48C9-AA88-75C78721B420}" type="datetimeFigureOut">
               <a:rPr lang="zh-CN" altLang="en-US" smtClean="0"/>
-              <a:t>2018/5/1</a:t>
+              <a:t>2018/5/7</a:t>
             </a:fld>
             <a:endParaRPr lang="zh-CN" altLang="en-US"/>
           </a:p>
@@ -2452,7 +2455,7 @@
           <a:p>
             <a:fld id="{02E60DA2-A0BC-48C9-AA88-75C78721B420}" type="datetimeFigureOut">
               <a:rPr lang="zh-CN" altLang="en-US" smtClean="0"/>
-              <a:t>2018/5/1</a:t>
+              <a:t>2018/5/7</a:t>
             </a:fld>
             <a:endParaRPr lang="zh-CN" altLang="en-US"/>
           </a:p>
@@ -2589,7 +2592,7 @@
           <a:p>
             <a:fld id="{02E60DA2-A0BC-48C9-AA88-75C78721B420}" type="datetimeFigureOut">
               <a:rPr lang="zh-CN" altLang="en-US" smtClean="0"/>
-              <a:t>2018/5/1</a:t>
+              <a:t>2018/5/7</a:t>
             </a:fld>
             <a:endParaRPr lang="zh-CN" altLang="en-US"/>
           </a:p>
@@ -2933,7 +2936,7 @@
           <a:p>
             <a:fld id="{02E60DA2-A0BC-48C9-AA88-75C78721B420}" type="datetimeFigureOut">
               <a:rPr lang="zh-CN" altLang="en-US" smtClean="0"/>
-              <a:t>2018/5/1</a:t>
+              <a:t>2018/5/7</a:t>
             </a:fld>
             <a:endParaRPr lang="zh-CN" altLang="en-US"/>
           </a:p>
@@ -3155,7 +3158,7 @@
           <a:p>
             <a:fld id="{02E60DA2-A0BC-48C9-AA88-75C78721B420}" type="datetimeFigureOut">
               <a:rPr lang="zh-CN" altLang="en-US" smtClean="0"/>
-              <a:t>2018/5/1</a:t>
+              <a:t>2018/5/7</a:t>
             </a:fld>
             <a:endParaRPr lang="zh-CN" altLang="en-US"/>
           </a:p>
@@ -3476,7 +3479,7 @@
           <a:p>
             <a:fld id="{02E60DA2-A0BC-48C9-AA88-75C78721B420}" type="datetimeFigureOut">
               <a:rPr lang="zh-CN" altLang="en-US" smtClean="0"/>
-              <a:t>2018/5/1</a:t>
+              <a:t>2018/5/7</a:t>
             </a:fld>
             <a:endParaRPr lang="zh-CN" altLang="en-US"/>
           </a:p>
@@ -3714,7 +3717,7 @@
           <a:p>
             <a:fld id="{02E60DA2-A0BC-48C9-AA88-75C78721B420}" type="datetimeFigureOut">
               <a:rPr lang="zh-CN" altLang="en-US" smtClean="0"/>
-              <a:t>2018/5/1</a:t>
+              <a:t>2018/5/7</a:t>
             </a:fld>
             <a:endParaRPr lang="zh-CN" altLang="en-US"/>
           </a:p>
@@ -3952,7 +3955,7 @@
           <a:p>
             <a:fld id="{02E60DA2-A0BC-48C9-AA88-75C78721B420}" type="datetimeFigureOut">
               <a:rPr lang="zh-CN" altLang="en-US" smtClean="0"/>
-              <a:t>2018/5/1</a:t>
+              <a:t>2018/5/7</a:t>
             </a:fld>
             <a:endParaRPr lang="zh-CN" altLang="en-US"/>
           </a:p>
@@ -4251,7 +4254,7 @@
           <a:p>
             <a:fld id="{02E60DA2-A0BC-48C9-AA88-75C78721B420}" type="datetimeFigureOut">
               <a:rPr lang="zh-CN" altLang="en-US" smtClean="0"/>
-              <a:t>2018/5/1</a:t>
+              <a:t>2018/5/7</a:t>
             </a:fld>
             <a:endParaRPr lang="zh-CN" altLang="en-US"/>
           </a:p>
@@ -4540,7 +4543,7 @@
           <a:p>
             <a:fld id="{02E60DA2-A0BC-48C9-AA88-75C78721B420}" type="datetimeFigureOut">
               <a:rPr lang="zh-CN" altLang="en-US" smtClean="0"/>
-              <a:t>2018/5/1</a:t>
+              <a:t>2018/5/7</a:t>
             </a:fld>
             <a:endParaRPr lang="zh-CN" altLang="en-US"/>
           </a:p>
@@ -4976,7 +4979,7 @@
           <a:p>
             <a:fld id="{02E60DA2-A0BC-48C9-AA88-75C78721B420}" type="datetimeFigureOut">
               <a:rPr lang="zh-CN" altLang="en-US" smtClean="0"/>
-              <a:t>2018/5/1</a:t>
+              <a:t>2018/5/7</a:t>
             </a:fld>
             <a:endParaRPr lang="zh-CN" altLang="en-US"/>
           </a:p>
@@ -5141,7 +5144,7 @@
           <a:p>
             <a:fld id="{02E60DA2-A0BC-48C9-AA88-75C78721B420}" type="datetimeFigureOut">
               <a:rPr lang="zh-CN" altLang="en-US" smtClean="0"/>
-              <a:t>2018/5/1</a:t>
+              <a:t>2018/5/7</a:t>
             </a:fld>
             <a:endParaRPr lang="zh-CN" altLang="en-US"/>
           </a:p>
@@ -5278,7 +5281,7 @@
           <a:p>
             <a:fld id="{02E60DA2-A0BC-48C9-AA88-75C78721B420}" type="datetimeFigureOut">
               <a:rPr lang="zh-CN" altLang="en-US" smtClean="0"/>
-              <a:t>2018/5/1</a:t>
+              <a:t>2018/5/7</a:t>
             </a:fld>
             <a:endParaRPr lang="zh-CN" altLang="en-US"/>
           </a:p>
@@ -5613,7 +5616,7 @@
           <a:p>
             <a:fld id="{02E60DA2-A0BC-48C9-AA88-75C78721B420}" type="datetimeFigureOut">
               <a:rPr lang="zh-CN" altLang="en-US" smtClean="0"/>
-              <a:t>2018/5/1</a:t>
+              <a:t>2018/5/7</a:t>
             </a:fld>
             <a:endParaRPr lang="zh-CN" altLang="en-US"/>
           </a:p>
@@ -5925,7 +5928,7 @@
           <a:p>
             <a:fld id="{02E60DA2-A0BC-48C9-AA88-75C78721B420}" type="datetimeFigureOut">
               <a:rPr lang="zh-CN" altLang="en-US" smtClean="0"/>
-              <a:t>2018/5/1</a:t>
+              <a:t>2018/5/7</a:t>
             </a:fld>
             <a:endParaRPr lang="zh-CN" altLang="en-US"/>
           </a:p>
@@ -7091,7 +7094,7 @@
                   </a:schemeClr>
                 </a:solidFill>
               </a:rPr>
-              <a:t>讲 网络命令</a:t>
+              <a:t>讲 网络命令与配置</a:t>
             </a:r>
             <a:endParaRPr lang="zh-CN" altLang="en-US" sz="3600" dirty="0">
               <a:solidFill>
@@ -7156,22 +7159,19 @@
           <a:lstStyle/>
           <a:p>
             <a:r>
-              <a:rPr lang="en-US" altLang="zh-CN" dirty="0"/>
-              <a:t>CentOS</a:t>
-            </a:r>
-            <a:r>
-              <a:rPr lang="zh-CN" altLang="en-US" dirty="0"/>
-              <a:t>网络配置</a:t>
-            </a:r>
-          </a:p>
-        </p:txBody>
-      </p:sp>
-      <p:sp>
-        <p:nvSpPr>
-          <p:cNvPr id="3" name="内容占位符 2">
-            <a:extLst>
-              <a:ext uri="{FF2B5EF4-FFF2-40B4-BE49-F238E27FC236}">
-                <a16:creationId xmlns:a16="http://schemas.microsoft.com/office/drawing/2014/main" id="{0A1C6B17-780B-4799-8193-E52FD817AC0E}"/>
+              <a:rPr lang="zh-CN" altLang="en-US"/>
+              <a:t>启用网络配置</a:t>
+            </a:r>
+            <a:endParaRPr lang="zh-CN" altLang="en-US" dirty="0"/>
+          </a:p>
+        </p:txBody>
+      </p:sp>
+      <p:sp>
+        <p:nvSpPr>
+          <p:cNvPr id="8" name="内容占位符 7">
+            <a:extLst>
+              <a:ext uri="{FF2B5EF4-FFF2-40B4-BE49-F238E27FC236}">
+                <a16:creationId xmlns:a16="http://schemas.microsoft.com/office/drawing/2014/main" id="{7823ACFC-23CE-411B-AD9A-8B8DBBDC4CD7}"/>
               </a:ext>
             </a:extLst>
           </p:cNvPr>
@@ -7184,17 +7184,107 @@
         </p:nvSpPr>
         <p:spPr/>
         <p:txBody>
-          <a:bodyPr/>
-          <a:lstStyle/>
-          <a:p>
-            <a:endParaRPr lang="en-US" altLang="zh-CN" sz="2000" dirty="0"/>
+          <a:bodyPr>
+            <a:normAutofit/>
+          </a:bodyPr>
+          <a:lstStyle/>
+          <a:p>
+            <a:r>
+              <a:rPr lang="en-US" altLang="zh-CN" sz="2400">
+                <a:latin typeface="Roboto Mono Light" pitchFamily="2" charset="0"/>
+              </a:rPr>
+              <a:t>Ubuntu16.04</a:t>
+            </a:r>
+            <a:r>
+              <a:rPr lang="zh-CN" altLang="en-US" sz="2400">
+                <a:latin typeface="Roboto Mono Light" pitchFamily="2" charset="0"/>
+              </a:rPr>
+              <a:t>上重启网络服务：</a:t>
+            </a:r>
+            <a:endParaRPr lang="en-US" altLang="zh-CN" sz="2400">
+              <a:latin typeface="Roboto Mono Light" pitchFamily="2" charset="0"/>
+            </a:endParaRPr>
+          </a:p>
+          <a:p>
+            <a:pPr marL="457200" lvl="1" indent="0">
+              <a:buNone/>
+            </a:pPr>
+            <a:r>
+              <a:rPr lang="en-US" altLang="zh-CN">
+                <a:latin typeface="Roboto Mono Light" pitchFamily="2" charset="0"/>
+              </a:rPr>
+              <a:t>sudo /etc/init.d/networking restart</a:t>
+            </a:r>
+          </a:p>
+          <a:p>
+            <a:pPr marL="457200" lvl="1" indent="0">
+              <a:buNone/>
+            </a:pPr>
+            <a:r>
+              <a:rPr lang="zh-CN" altLang="en-US">
+                <a:latin typeface="Roboto Mono Light" pitchFamily="2" charset="0"/>
+              </a:rPr>
+              <a:t>或者是</a:t>
+            </a:r>
+            <a:endParaRPr lang="en-US" altLang="zh-CN">
+              <a:latin typeface="Roboto Mono Light" pitchFamily="2" charset="0"/>
+            </a:endParaRPr>
+          </a:p>
+          <a:p>
+            <a:pPr marL="457200" lvl="1" indent="0">
+              <a:buNone/>
+            </a:pPr>
+            <a:r>
+              <a:rPr lang="en-US" altLang="zh-CN">
+                <a:latin typeface="Roboto Mono Light" pitchFamily="2" charset="0"/>
+              </a:rPr>
+              <a:t>sudo service networking restart</a:t>
+            </a:r>
+          </a:p>
+          <a:p>
+            <a:endParaRPr lang="en-US" altLang="zh-CN" sz="2400">
+              <a:latin typeface="Roboto Mono Light" pitchFamily="2" charset="0"/>
+            </a:endParaRPr>
+          </a:p>
+          <a:p>
+            <a:r>
+              <a:rPr lang="en-US" altLang="zh-CN" sz="2400">
+                <a:latin typeface="Roboto Mono Light" pitchFamily="2" charset="0"/>
+              </a:rPr>
+              <a:t>Ubuntu18.04</a:t>
+            </a:r>
+            <a:r>
+              <a:rPr lang="zh-CN" altLang="en-US" sz="2400">
+                <a:latin typeface="Roboto Mono Light" pitchFamily="2" charset="0"/>
+              </a:rPr>
+              <a:t>启用网络配置：</a:t>
+            </a:r>
+            <a:endParaRPr lang="en-US" altLang="zh-CN" sz="2400">
+              <a:latin typeface="Roboto Mono Light" pitchFamily="2" charset="0"/>
+            </a:endParaRPr>
+          </a:p>
+          <a:p>
+            <a:pPr marL="457200" lvl="1" indent="0">
+              <a:buNone/>
+            </a:pPr>
+            <a:r>
+              <a:rPr lang="en-US" altLang="zh-CN">
+                <a:latin typeface="Roboto Mono Light" pitchFamily="2" charset="0"/>
+              </a:rPr>
+              <a:t>sudo netplan apply</a:t>
+            </a:r>
+          </a:p>
+          <a:p>
+            <a:endParaRPr lang="en-US" altLang="zh-CN" sz="2400">
+              <a:latin typeface="Roboto Mono Light" pitchFamily="2" charset="0"/>
+            </a:endParaRPr>
           </a:p>
         </p:txBody>
       </p:sp>
     </p:spTree>
     <p:extLst>
       <p:ext uri="{BB962C8B-B14F-4D97-AF65-F5344CB8AC3E}">
-        <p14:creationId xmlns:p14="http://schemas.microsoft.com/office/powerpoint/2010/main" val="1368534046"/>
+        <p14:creationId xmlns:p14="http://schemas.microsoft.com/office/powerpoint/2010/main" val="3746407129"/>
       </p:ext>
     </p:extLst>
   </p:cSld>
@@ -7243,6 +7333,516 @@
           <a:lstStyle/>
           <a:p>
             <a:r>
+              <a:rPr lang="en-US" altLang="zh-CN" dirty="0"/>
+              <a:t>CentOS</a:t>
+            </a:r>
+            <a:r>
+              <a:rPr lang="zh-CN" altLang="en-US" dirty="0"/>
+              <a:t>网络配置</a:t>
+            </a:r>
+          </a:p>
+        </p:txBody>
+      </p:sp>
+      <p:pic>
+        <p:nvPicPr>
+          <p:cNvPr id="5" name="内容占位符 4">
+            <a:extLst>
+              <a:ext uri="{FF2B5EF4-FFF2-40B4-BE49-F238E27FC236}">
+                <a16:creationId xmlns:a16="http://schemas.microsoft.com/office/drawing/2014/main" id="{EBE8CECD-F6C7-4809-9853-ED26A338F2B4}"/>
+              </a:ext>
+            </a:extLst>
+          </p:cNvPr>
+          <p:cNvPicPr>
+            <a:picLocks noGrp="1" noChangeAspect="1"/>
+          </p:cNvPicPr>
+          <p:nvPr>
+            <p:ph idx="1"/>
+          </p:nvPr>
+        </p:nvPicPr>
+        <p:blipFill>
+          <a:blip r:embed="rId2">
+            <a:extLst>
+              <a:ext uri="{28A0092B-C50C-407E-A947-70E740481C1C}">
+                <a14:useLocalDpi xmlns:a14="http://schemas.microsoft.com/office/drawing/2010/main" val="0"/>
+              </a:ext>
+            </a:extLst>
+          </a:blip>
+          <a:stretch>
+            <a:fillRect/>
+          </a:stretch>
+        </p:blipFill>
+        <p:spPr>
+          <a:xfrm>
+            <a:off x="5055577" y="2055078"/>
+            <a:ext cx="6298223" cy="4635867"/>
+          </a:xfrm>
+        </p:spPr>
+      </p:pic>
+      <p:sp>
+        <p:nvSpPr>
+          <p:cNvPr id="6" name="文本框 5">
+            <a:extLst>
+              <a:ext uri="{FF2B5EF4-FFF2-40B4-BE49-F238E27FC236}">
+                <a16:creationId xmlns:a16="http://schemas.microsoft.com/office/drawing/2014/main" id="{44E6E1EA-BFEC-478D-A391-0AA26186DF8E}"/>
+              </a:ext>
+            </a:extLst>
+          </p:cNvPr>
+          <p:cNvSpPr txBox="1"/>
+          <p:nvPr/>
+        </p:nvSpPr>
+        <p:spPr>
+          <a:xfrm>
+            <a:off x="940776" y="1650578"/>
+            <a:ext cx="9231924" cy="369332"/>
+          </a:xfrm>
+          <a:prstGeom prst="rect">
+            <a:avLst/>
+          </a:prstGeom>
+          <a:noFill/>
+        </p:spPr>
+        <p:txBody>
+          <a:bodyPr wrap="square" rtlCol="0">
+            <a:spAutoFit/>
+          </a:bodyPr>
+          <a:lstStyle/>
+          <a:p>
+            <a:r>
+              <a:rPr lang="en-US" altLang="zh-CN">
+                <a:latin typeface="Roboto Mono Light" pitchFamily="2" charset="0"/>
+              </a:rPr>
+              <a:t>CentOS7</a:t>
+            </a:r>
+            <a:r>
+              <a:rPr lang="zh-CN" altLang="en-US">
+                <a:latin typeface="Roboto Mono Light" pitchFamily="2" charset="0"/>
+              </a:rPr>
+              <a:t>的网络配置文件在</a:t>
+            </a:r>
+            <a:r>
+              <a:rPr lang="en-US" altLang="zh-CN">
+                <a:latin typeface="Roboto Mono Light" pitchFamily="2" charset="0"/>
+              </a:rPr>
+              <a:t>/etc/sysconfig/network-scripts/ifcfg-enp0s8</a:t>
+            </a:r>
+          </a:p>
+        </p:txBody>
+      </p:sp>
+      <p:sp>
+        <p:nvSpPr>
+          <p:cNvPr id="7" name="文本框 6">
+            <a:extLst>
+              <a:ext uri="{FF2B5EF4-FFF2-40B4-BE49-F238E27FC236}">
+                <a16:creationId xmlns:a16="http://schemas.microsoft.com/office/drawing/2014/main" id="{657D27DE-575E-43E0-85C9-053472D2CE01}"/>
+              </a:ext>
+            </a:extLst>
+          </p:cNvPr>
+          <p:cNvSpPr txBox="1"/>
+          <p:nvPr/>
+        </p:nvSpPr>
+        <p:spPr>
+          <a:xfrm>
+            <a:off x="838200" y="2356338"/>
+            <a:ext cx="4138246" cy="2831544"/>
+          </a:xfrm>
+          <a:prstGeom prst="rect">
+            <a:avLst/>
+          </a:prstGeom>
+          <a:noFill/>
+        </p:spPr>
+        <p:txBody>
+          <a:bodyPr wrap="square" rtlCol="0">
+            <a:spAutoFit/>
+          </a:bodyPr>
+          <a:lstStyle/>
+          <a:p>
+            <a:r>
+              <a:rPr lang="en-US" altLang="zh-CN">
+                <a:latin typeface="Roboto Mono Light" pitchFamily="2" charset="0"/>
+              </a:rPr>
+              <a:t>enp0s8</a:t>
+            </a:r>
+            <a:r>
+              <a:rPr lang="zh-CN" altLang="en-US">
+                <a:latin typeface="Roboto Mono Light" pitchFamily="2" charset="0"/>
+              </a:rPr>
+              <a:t>是</a:t>
+            </a:r>
+            <a:r>
+              <a:rPr lang="en-US" altLang="zh-CN">
+                <a:latin typeface="Roboto Mono Light" pitchFamily="2" charset="0"/>
+              </a:rPr>
+              <a:t>virtualbox</a:t>
+            </a:r>
+            <a:r>
+              <a:rPr lang="zh-CN" altLang="en-US">
+                <a:latin typeface="Roboto Mono Light" pitchFamily="2" charset="0"/>
+              </a:rPr>
+              <a:t>虚拟网卡名称，使用</a:t>
+            </a:r>
+            <a:r>
+              <a:rPr lang="en-US" altLang="zh-CN">
+                <a:latin typeface="Roboto Mono Light" pitchFamily="2" charset="0"/>
+              </a:rPr>
+              <a:t>vmware</a:t>
+            </a:r>
+            <a:r>
+              <a:rPr lang="zh-CN" altLang="en-US">
+                <a:latin typeface="Roboto Mono Light" pitchFamily="2" charset="0"/>
+              </a:rPr>
+              <a:t>或者是在物理机上安装的系统，配置文件名称会不同，通过</a:t>
+            </a:r>
+            <a:r>
+              <a:rPr lang="en-US" altLang="zh-CN">
+                <a:latin typeface="Roboto Mono Light" pitchFamily="2" charset="0"/>
+              </a:rPr>
+              <a:t>ip addr</a:t>
+            </a:r>
+            <a:r>
+              <a:rPr lang="zh-CN" altLang="en-US">
+                <a:latin typeface="Roboto Mono Light" pitchFamily="2" charset="0"/>
+              </a:rPr>
+              <a:t>可以查看相应网卡信息，并确定名称。</a:t>
+            </a:r>
+            <a:endParaRPr lang="en-US" altLang="zh-CN">
+              <a:latin typeface="Roboto Mono Light" pitchFamily="2" charset="0"/>
+            </a:endParaRPr>
+          </a:p>
+          <a:p>
+            <a:endParaRPr lang="en-US" altLang="zh-CN">
+              <a:latin typeface="Roboto Mono Light" pitchFamily="2" charset="0"/>
+            </a:endParaRPr>
+          </a:p>
+          <a:p>
+            <a:r>
+              <a:rPr lang="en-US" altLang="zh-CN">
+                <a:latin typeface="Roboto Mono Light" pitchFamily="2" charset="0"/>
+              </a:rPr>
+              <a:t>CentOS</a:t>
+            </a:r>
+            <a:r>
+              <a:rPr lang="zh-CN" altLang="en-US">
+                <a:latin typeface="Roboto Mono Light" pitchFamily="2" charset="0"/>
+              </a:rPr>
+              <a:t>重启启用网络服务：</a:t>
+            </a:r>
+            <a:endParaRPr lang="en-US" altLang="zh-CN">
+              <a:latin typeface="Roboto Mono Light" pitchFamily="2" charset="0"/>
+            </a:endParaRPr>
+          </a:p>
+          <a:p>
+            <a:r>
+              <a:rPr lang="en-US" altLang="zh-CN">
+                <a:latin typeface="Roboto Mono Light" pitchFamily="2" charset="0"/>
+              </a:rPr>
+              <a:t>sudo service network restart</a:t>
+            </a:r>
+          </a:p>
+          <a:p>
+            <a:r>
+              <a:rPr lang="zh-CN" altLang="en-US">
+                <a:latin typeface="Roboto Mono Light" pitchFamily="2" charset="0"/>
+              </a:rPr>
+              <a:t>或者</a:t>
+            </a:r>
+            <a:endParaRPr lang="en-US" altLang="zh-CN">
+              <a:latin typeface="Roboto Mono Light" pitchFamily="2" charset="0"/>
+            </a:endParaRPr>
+          </a:p>
+          <a:p>
+            <a:r>
+              <a:rPr lang="en-US" altLang="zh-CN" sz="1600">
+                <a:latin typeface="Roboto Mono Light" pitchFamily="2" charset="0"/>
+              </a:rPr>
+              <a:t>sudo /etc/init.d/network restart</a:t>
+            </a:r>
+            <a:endParaRPr lang="zh-CN" altLang="en-US" sz="1600">
+              <a:latin typeface="Roboto Mono Light" pitchFamily="2" charset="0"/>
+            </a:endParaRPr>
+          </a:p>
+        </p:txBody>
+      </p:sp>
+    </p:spTree>
+    <p:extLst>
+      <p:ext uri="{BB962C8B-B14F-4D97-AF65-F5344CB8AC3E}">
+        <p14:creationId xmlns:p14="http://schemas.microsoft.com/office/powerpoint/2010/main" val="1368534046"/>
+      </p:ext>
+    </p:extLst>
+  </p:cSld>
+  <p:clrMapOvr>
+    <a:masterClrMapping/>
+  </p:clrMapOvr>
+</p:sld>
+</file>
+
+<file path=ppt/slides/slide12.xml><?xml version="1.0" encoding="utf-8"?>
+<p:sld xmlns:a="http://schemas.openxmlformats.org/drawingml/2006/main" xmlns:r="http://schemas.openxmlformats.org/officeDocument/2006/relationships" xmlns:p="http://schemas.openxmlformats.org/presentationml/2006/main">
+  <p:cSld>
+    <p:spTree>
+      <p:nvGrpSpPr>
+        <p:cNvPr id="1" name=""/>
+        <p:cNvGrpSpPr/>
+        <p:nvPr/>
+      </p:nvGrpSpPr>
+      <p:grpSpPr>
+        <a:xfrm>
+          <a:off x="0" y="0"/>
+          <a:ext cx="0" cy="0"/>
+          <a:chOff x="0" y="0"/>
+          <a:chExt cx="0" cy="0"/>
+        </a:xfrm>
+      </p:grpSpPr>
+      <p:sp>
+        <p:nvSpPr>
+          <p:cNvPr id="2" name="标题 1">
+            <a:extLst>
+              <a:ext uri="{FF2B5EF4-FFF2-40B4-BE49-F238E27FC236}">
+                <a16:creationId xmlns:a16="http://schemas.microsoft.com/office/drawing/2014/main" id="{8B88BACC-24DE-4087-9AB3-A099CF573089}"/>
+              </a:ext>
+            </a:extLst>
+          </p:cNvPr>
+          <p:cNvSpPr>
+            <a:spLocks noGrp="1"/>
+          </p:cNvSpPr>
+          <p:nvPr>
+            <p:ph type="title"/>
+          </p:nvPr>
+        </p:nvSpPr>
+        <p:spPr/>
+        <p:txBody>
+          <a:bodyPr/>
+          <a:lstStyle/>
+          <a:p>
+            <a:r>
+              <a:rPr lang="en-US" altLang="zh-CN">
+                <a:latin typeface="Roboto Mono Light" pitchFamily="2" charset="0"/>
+              </a:rPr>
+              <a:t>curl</a:t>
+            </a:r>
+            <a:endParaRPr lang="zh-CN" altLang="en-US" dirty="0">
+              <a:latin typeface="Roboto Mono Light" pitchFamily="2" charset="0"/>
+            </a:endParaRPr>
+          </a:p>
+        </p:txBody>
+      </p:sp>
+      <p:sp>
+        <p:nvSpPr>
+          <p:cNvPr id="8" name="内容占位符 7">
+            <a:extLst>
+              <a:ext uri="{FF2B5EF4-FFF2-40B4-BE49-F238E27FC236}">
+                <a16:creationId xmlns:a16="http://schemas.microsoft.com/office/drawing/2014/main" id="{7823ACFC-23CE-411B-AD9A-8B8DBBDC4CD7}"/>
+              </a:ext>
+            </a:extLst>
+          </p:cNvPr>
+          <p:cNvSpPr>
+            <a:spLocks noGrp="1"/>
+          </p:cNvSpPr>
+          <p:nvPr>
+            <p:ph idx="1"/>
+          </p:nvPr>
+        </p:nvSpPr>
+        <p:spPr/>
+        <p:txBody>
+          <a:bodyPr>
+            <a:normAutofit/>
+          </a:bodyPr>
+          <a:lstStyle/>
+          <a:p>
+            <a:r>
+              <a:rPr lang="en-US" altLang="zh-CN" sz="2400">
+                <a:latin typeface="Roboto Mono Light" pitchFamily="2" charset="0"/>
+              </a:rPr>
+              <a:t>curl</a:t>
+            </a:r>
+            <a:r>
+              <a:rPr lang="zh-CN" altLang="en-US" sz="2400">
+                <a:latin typeface="Roboto Mono Light" pitchFamily="2" charset="0"/>
+              </a:rPr>
+              <a:t>是一个命令行模式网络客户端工具，支持</a:t>
+            </a:r>
+            <a:r>
+              <a:rPr lang="en-US" altLang="zh-CN" sz="2400">
+                <a:latin typeface="Roboto Mono Light" pitchFamily="2" charset="0"/>
+              </a:rPr>
+              <a:t>SFTP</a:t>
+            </a:r>
+            <a:r>
+              <a:rPr lang="zh-CN" altLang="en-US" sz="2400">
+                <a:latin typeface="Roboto Mono Light" pitchFamily="2" charset="0"/>
+              </a:rPr>
+              <a:t>，</a:t>
+            </a:r>
+            <a:r>
+              <a:rPr lang="en-US" altLang="zh-CN" sz="2400">
+                <a:latin typeface="Roboto Mono Light" pitchFamily="2" charset="0"/>
+              </a:rPr>
+              <a:t>HTTP</a:t>
+            </a:r>
+            <a:r>
+              <a:rPr lang="zh-CN" altLang="en-US" sz="2400">
+                <a:latin typeface="Roboto Mono Light" pitchFamily="2" charset="0"/>
+              </a:rPr>
+              <a:t>，</a:t>
+            </a:r>
+            <a:r>
+              <a:rPr lang="en-US" altLang="zh-CN" sz="2400">
+                <a:latin typeface="Roboto Mono Light" pitchFamily="2" charset="0"/>
+              </a:rPr>
+              <a:t>HTTPS</a:t>
+            </a:r>
+            <a:r>
+              <a:rPr lang="zh-CN" altLang="en-US" sz="2400">
+                <a:latin typeface="Roboto Mono Light" pitchFamily="2" charset="0"/>
+              </a:rPr>
+              <a:t>，</a:t>
+            </a:r>
+            <a:r>
+              <a:rPr lang="en-US" altLang="zh-CN" sz="2400">
+                <a:latin typeface="Roboto Mono Light" pitchFamily="2" charset="0"/>
+              </a:rPr>
+              <a:t>SMTP</a:t>
+            </a:r>
+            <a:r>
+              <a:rPr lang="zh-CN" altLang="en-US" sz="2400">
+                <a:latin typeface="Roboto Mono Light" pitchFamily="2" charset="0"/>
+              </a:rPr>
+              <a:t>，</a:t>
+            </a:r>
+            <a:r>
+              <a:rPr lang="en-US" altLang="zh-CN" sz="2400">
+                <a:latin typeface="Roboto Mono Light" pitchFamily="2" charset="0"/>
+              </a:rPr>
+              <a:t>POP3</a:t>
+            </a:r>
+            <a:r>
+              <a:rPr lang="zh-CN" altLang="en-US" sz="2400">
+                <a:latin typeface="Roboto Mono Light" pitchFamily="2" charset="0"/>
+              </a:rPr>
+              <a:t>等协议。</a:t>
+            </a:r>
+            <a:endParaRPr lang="en-US" altLang="zh-CN" sz="2400">
+              <a:latin typeface="Roboto Mono Light" pitchFamily="2" charset="0"/>
+            </a:endParaRPr>
+          </a:p>
+          <a:p>
+            <a:r>
+              <a:rPr lang="zh-CN" altLang="en-US" sz="2400">
+                <a:latin typeface="Roboto Mono Light" pitchFamily="2" charset="0"/>
+              </a:rPr>
+              <a:t>使用示例：</a:t>
+            </a:r>
+            <a:endParaRPr lang="en-US" altLang="zh-CN" sz="2400">
+              <a:latin typeface="Roboto Mono Light" pitchFamily="2" charset="0"/>
+            </a:endParaRPr>
+          </a:p>
+          <a:p>
+            <a:pPr marL="457200" lvl="1" indent="0">
+              <a:buNone/>
+            </a:pPr>
+            <a:r>
+              <a:rPr lang="en-US" altLang="zh-CN">
+                <a:latin typeface="Roboto Mono Light" pitchFamily="2" charset="0"/>
+              </a:rPr>
+              <a:t>curl ’10.7.1.3:3456’</a:t>
+            </a:r>
+          </a:p>
+          <a:p>
+            <a:pPr marL="457200" lvl="1" indent="0">
+              <a:buNone/>
+            </a:pPr>
+            <a:endParaRPr lang="en-US" altLang="zh-CN" sz="2000">
+              <a:latin typeface="Roboto Mono Light" pitchFamily="2" charset="0"/>
+            </a:endParaRPr>
+          </a:p>
+          <a:p>
+            <a:pPr marL="457200" lvl="1" indent="0">
+              <a:buNone/>
+            </a:pPr>
+            <a:r>
+              <a:rPr lang="en-US" altLang="zh-CN" sz="2000" i="1">
+                <a:latin typeface="Roboto Mono Light" pitchFamily="2" charset="0"/>
+              </a:rPr>
+              <a:t>//</a:t>
+            </a:r>
+            <a:r>
+              <a:rPr lang="zh-CN" altLang="en-US" sz="2000" i="1">
+                <a:latin typeface="Roboto Mono Light" pitchFamily="2" charset="0"/>
+              </a:rPr>
+              <a:t>提交表单</a:t>
+            </a:r>
+            <a:endParaRPr lang="en-US" altLang="zh-CN" sz="2000" i="1">
+              <a:latin typeface="Roboto Mono Light" pitchFamily="2" charset="0"/>
+            </a:endParaRPr>
+          </a:p>
+          <a:p>
+            <a:pPr marL="457200" lvl="1" indent="0">
+              <a:buNone/>
+            </a:pPr>
+            <a:r>
+              <a:rPr lang="en-US" altLang="zh-CN">
+                <a:latin typeface="Roboto Mono Light" pitchFamily="2" charset="0"/>
+              </a:rPr>
+              <a:t>curl -d ‘user=hello&amp;passwd=123456’ ’10.7.1.3:3456’</a:t>
+            </a:r>
+          </a:p>
+          <a:p>
+            <a:endParaRPr lang="en-US" altLang="zh-CN" sz="2400">
+              <a:latin typeface="Roboto Mono Light" pitchFamily="2" charset="0"/>
+            </a:endParaRPr>
+          </a:p>
+        </p:txBody>
+      </p:sp>
+    </p:spTree>
+    <p:extLst>
+      <p:ext uri="{BB962C8B-B14F-4D97-AF65-F5344CB8AC3E}">
+        <p14:creationId xmlns:p14="http://schemas.microsoft.com/office/powerpoint/2010/main" val="2719001768"/>
+      </p:ext>
+    </p:extLst>
+  </p:cSld>
+  <p:clrMapOvr>
+    <a:masterClrMapping/>
+  </p:clrMapOvr>
+</p:sld>
+</file>
+
+<file path=ppt/slides/slide13.xml><?xml version="1.0" encoding="utf-8"?>
+<p:sld xmlns:a="http://schemas.openxmlformats.org/drawingml/2006/main" xmlns:r="http://schemas.openxmlformats.org/officeDocument/2006/relationships" xmlns:p="http://schemas.openxmlformats.org/presentationml/2006/main">
+  <p:cSld>
+    <p:spTree>
+      <p:nvGrpSpPr>
+        <p:cNvPr id="1" name=""/>
+        <p:cNvGrpSpPr/>
+        <p:nvPr/>
+      </p:nvGrpSpPr>
+      <p:grpSpPr>
+        <a:xfrm>
+          <a:off x="0" y="0"/>
+          <a:ext cx="0" cy="0"/>
+          <a:chOff x="0" y="0"/>
+          <a:chExt cx="0" cy="0"/>
+        </a:xfrm>
+      </p:grpSpPr>
+      <p:sp>
+        <p:nvSpPr>
+          <p:cNvPr id="2" name="标题 1">
+            <a:extLst>
+              <a:ext uri="{FF2B5EF4-FFF2-40B4-BE49-F238E27FC236}">
+                <a16:creationId xmlns:a16="http://schemas.microsoft.com/office/drawing/2014/main" id="{8B88BACC-24DE-4087-9AB3-A099CF573089}"/>
+              </a:ext>
+            </a:extLst>
+          </p:cNvPr>
+          <p:cNvSpPr>
+            <a:spLocks noGrp="1"/>
+          </p:cNvSpPr>
+          <p:nvPr>
+            <p:ph type="title"/>
+          </p:nvPr>
+        </p:nvSpPr>
+        <p:spPr/>
+        <p:txBody>
+          <a:bodyPr/>
+          <a:lstStyle/>
+          <a:p>
+            <a:r>
               <a:rPr lang="zh-CN" altLang="en-US" dirty="0"/>
               <a:t>本节课任务</a:t>
             </a:r>
@@ -7267,10 +7867,102 @@
         </p:nvSpPr>
         <p:spPr/>
         <p:txBody>
-          <a:bodyPr/>
-          <a:lstStyle/>
-          <a:p>
-            <a:endParaRPr lang="en-US" altLang="zh-CN" sz="2000" dirty="0"/>
+          <a:bodyPr>
+            <a:normAutofit/>
+          </a:bodyPr>
+          <a:lstStyle/>
+          <a:p>
+            <a:r>
+              <a:rPr lang="en-US" altLang="zh-CN" sz="2400">
+                <a:latin typeface="Roboto Mono Light" pitchFamily="2" charset="0"/>
+              </a:rPr>
+              <a:t>vim</a:t>
+            </a:r>
+            <a:r>
+              <a:rPr lang="zh-CN" altLang="en-US" sz="2400">
+                <a:latin typeface="Roboto Mono Light" pitchFamily="2" charset="0"/>
+              </a:rPr>
+              <a:t>编辑网络配置文件，给网卡分配一个静态</a:t>
+            </a:r>
+            <a:r>
+              <a:rPr lang="en-US" altLang="zh-CN" sz="2400">
+                <a:latin typeface="Roboto Mono Light" pitchFamily="2" charset="0"/>
+              </a:rPr>
+              <a:t>IP</a:t>
+            </a:r>
+            <a:r>
+              <a:rPr lang="zh-CN" altLang="en-US" sz="2400">
+                <a:latin typeface="Roboto Mono Light" pitchFamily="2" charset="0"/>
+              </a:rPr>
+              <a:t>。</a:t>
+            </a:r>
+            <a:endParaRPr lang="en-US" altLang="zh-CN" sz="2400">
+              <a:latin typeface="Roboto Mono Light" pitchFamily="2" charset="0"/>
+            </a:endParaRPr>
+          </a:p>
+          <a:p>
+            <a:endParaRPr lang="en-US" altLang="zh-CN" sz="2400">
+              <a:latin typeface="Roboto Mono Light" pitchFamily="2" charset="0"/>
+            </a:endParaRPr>
+          </a:p>
+          <a:p>
+            <a:r>
+              <a:rPr lang="zh-CN" altLang="en-US" sz="2400">
+                <a:latin typeface="Roboto Mono Light" pitchFamily="2" charset="0"/>
+              </a:rPr>
+              <a:t>重启网络服务。</a:t>
+            </a:r>
+            <a:endParaRPr lang="en-US" altLang="zh-CN" sz="2400">
+              <a:latin typeface="Roboto Mono Light" pitchFamily="2" charset="0"/>
+            </a:endParaRPr>
+          </a:p>
+          <a:p>
+            <a:endParaRPr lang="en-US" altLang="zh-CN" sz="2400">
+              <a:latin typeface="Roboto Mono Light" pitchFamily="2" charset="0"/>
+            </a:endParaRPr>
+          </a:p>
+          <a:p>
+            <a:r>
+              <a:rPr lang="zh-CN" altLang="en-US" sz="2400">
+                <a:latin typeface="Roboto Mono Light" pitchFamily="2" charset="0"/>
+              </a:rPr>
+              <a:t>使用</a:t>
+            </a:r>
+            <a:r>
+              <a:rPr lang="en-US" altLang="zh-CN" sz="2400">
+                <a:latin typeface="Roboto Mono Light" pitchFamily="2" charset="0"/>
+              </a:rPr>
+              <a:t>putty</a:t>
+            </a:r>
+            <a:r>
+              <a:rPr lang="zh-CN" altLang="en-US" sz="2400">
+                <a:latin typeface="Roboto Mono Light" pitchFamily="2" charset="0"/>
+              </a:rPr>
+              <a:t>用分配的静态</a:t>
+            </a:r>
+            <a:r>
+              <a:rPr lang="en-US" altLang="zh-CN" sz="2400">
+                <a:latin typeface="Roboto Mono Light" pitchFamily="2" charset="0"/>
+              </a:rPr>
+              <a:t>IP</a:t>
+            </a:r>
+            <a:r>
+              <a:rPr lang="zh-CN" altLang="en-US" sz="2400">
+                <a:latin typeface="Roboto Mono Light" pitchFamily="2" charset="0"/>
+              </a:rPr>
+              <a:t>地址连接虚拟机系统。</a:t>
+            </a:r>
+            <a:endParaRPr lang="en-US" altLang="zh-CN" sz="2400">
+              <a:latin typeface="Roboto Mono Light" pitchFamily="2" charset="0"/>
+            </a:endParaRPr>
+          </a:p>
+          <a:p>
+            <a:pPr marL="0" indent="0">
+              <a:buNone/>
+            </a:pPr>
+            <a:endParaRPr lang="en-US" altLang="zh-CN" sz="2400" dirty="0">
+              <a:latin typeface="Roboto Mono Light" pitchFamily="2" charset="0"/>
+            </a:endParaRPr>
           </a:p>
         </p:txBody>
       </p:sp>
@@ -7278,6 +7970,232 @@
     <p:extLst>
       <p:ext uri="{BB962C8B-B14F-4D97-AF65-F5344CB8AC3E}">
         <p14:creationId xmlns:p14="http://schemas.microsoft.com/office/powerpoint/2010/main" val="1425519327"/>
+      </p:ext>
+    </p:extLst>
+  </p:cSld>
+  <p:clrMapOvr>
+    <a:masterClrMapping/>
+  </p:clrMapOvr>
+</p:sld>
+</file>
+
+<file path=ppt/slides/slide14.xml><?xml version="1.0" encoding="utf-8"?>
+<p:sld xmlns:a="http://schemas.openxmlformats.org/drawingml/2006/main" xmlns:r="http://schemas.openxmlformats.org/officeDocument/2006/relationships" xmlns:p="http://schemas.openxmlformats.org/presentationml/2006/main">
+  <p:cSld>
+    <p:spTree>
+      <p:nvGrpSpPr>
+        <p:cNvPr id="1" name=""/>
+        <p:cNvGrpSpPr/>
+        <p:nvPr/>
+      </p:nvGrpSpPr>
+      <p:grpSpPr>
+        <a:xfrm>
+          <a:off x="0" y="0"/>
+          <a:ext cx="0" cy="0"/>
+          <a:chOff x="0" y="0"/>
+          <a:chExt cx="0" cy="0"/>
+        </a:xfrm>
+      </p:grpSpPr>
+      <p:sp>
+        <p:nvSpPr>
+          <p:cNvPr id="2" name="标题 1">
+            <a:extLst>
+              <a:ext uri="{FF2B5EF4-FFF2-40B4-BE49-F238E27FC236}">
+                <a16:creationId xmlns:a16="http://schemas.microsoft.com/office/drawing/2014/main" id="{8B88BACC-24DE-4087-9AB3-A099CF573089}"/>
+              </a:ext>
+            </a:extLst>
+          </p:cNvPr>
+          <p:cNvSpPr>
+            <a:spLocks noGrp="1"/>
+          </p:cNvSpPr>
+          <p:nvPr>
+            <p:ph type="title"/>
+          </p:nvPr>
+        </p:nvSpPr>
+        <p:spPr/>
+        <p:txBody>
+          <a:bodyPr/>
+          <a:lstStyle/>
+          <a:p>
+            <a:r>
+              <a:rPr lang="zh-CN" altLang="en-US"/>
+              <a:t>期中复习</a:t>
+            </a:r>
+            <a:endParaRPr lang="zh-CN" altLang="en-US" dirty="0"/>
+          </a:p>
+        </p:txBody>
+      </p:sp>
+      <p:sp>
+        <p:nvSpPr>
+          <p:cNvPr id="3" name="内容占位符 2">
+            <a:extLst>
+              <a:ext uri="{FF2B5EF4-FFF2-40B4-BE49-F238E27FC236}">
+                <a16:creationId xmlns:a16="http://schemas.microsoft.com/office/drawing/2014/main" id="{0A1C6B17-780B-4799-8193-E52FD817AC0E}"/>
+              </a:ext>
+            </a:extLst>
+          </p:cNvPr>
+          <p:cNvSpPr>
+            <a:spLocks noGrp="1"/>
+          </p:cNvSpPr>
+          <p:nvPr>
+            <p:ph idx="1"/>
+          </p:nvPr>
+        </p:nvSpPr>
+        <p:spPr>
+          <a:xfrm>
+            <a:off x="855784" y="1704111"/>
+            <a:ext cx="10515600" cy="4871257"/>
+          </a:xfrm>
+        </p:spPr>
+        <p:txBody>
+          <a:bodyPr>
+            <a:normAutofit/>
+          </a:bodyPr>
+          <a:lstStyle/>
+          <a:p>
+            <a:r>
+              <a:rPr lang="zh-CN" altLang="en-US" sz="2400">
+                <a:latin typeface="Roboto Mono Light" pitchFamily="2" charset="0"/>
+              </a:rPr>
+              <a:t>相对路径和绝对路径</a:t>
+            </a:r>
+            <a:endParaRPr lang="en-US" altLang="zh-CN" sz="2400">
+              <a:latin typeface="Roboto Mono Light" pitchFamily="2" charset="0"/>
+            </a:endParaRPr>
+          </a:p>
+          <a:p>
+            <a:r>
+              <a:rPr lang="zh-CN" altLang="en-US" sz="2400">
+                <a:latin typeface="Roboto Mono Light" pitchFamily="2" charset="0"/>
+              </a:rPr>
+              <a:t>基础命令：</a:t>
+            </a:r>
+            <a:r>
+              <a:rPr lang="en-US" altLang="zh-CN" sz="2400">
+                <a:latin typeface="Roboto Mono Light" pitchFamily="2" charset="0"/>
+              </a:rPr>
+              <a:t>ls</a:t>
+            </a:r>
+            <a:r>
+              <a:rPr lang="zh-CN" altLang="en-US" sz="2400">
+                <a:latin typeface="Roboto Mono Light" pitchFamily="2" charset="0"/>
+              </a:rPr>
+              <a:t> </a:t>
+            </a:r>
+            <a:r>
+              <a:rPr lang="en-US" altLang="zh-CN" sz="2400">
+                <a:latin typeface="Roboto Mono Light" pitchFamily="2" charset="0"/>
+              </a:rPr>
+              <a:t>cd pwd mkdir cp mv rm rmdir ln less cat</a:t>
+            </a:r>
+          </a:p>
+          <a:p>
+            <a:r>
+              <a:rPr lang="zh-CN" altLang="en-US" sz="2400">
+                <a:latin typeface="Roboto Mono Light" pitchFamily="2" charset="0"/>
+              </a:rPr>
+              <a:t>超级用户权限：</a:t>
+            </a:r>
+            <a:r>
+              <a:rPr lang="en-US" altLang="zh-CN" sz="2400">
+                <a:latin typeface="Roboto Mono Light" pitchFamily="2" charset="0"/>
+              </a:rPr>
+              <a:t>sudo su</a:t>
+            </a:r>
+          </a:p>
+          <a:p>
+            <a:r>
+              <a:rPr lang="zh-CN" altLang="en-US" sz="2400">
+                <a:latin typeface="Roboto Mono Light" pitchFamily="2" charset="0"/>
+              </a:rPr>
+              <a:t>用户和组：</a:t>
+            </a:r>
+            <a:r>
+              <a:rPr lang="en-US" altLang="zh-CN" sz="2400">
+                <a:latin typeface="Roboto Mono Light" pitchFamily="2" charset="0"/>
+              </a:rPr>
+              <a:t>adduser  addgroup  delgroup  deluser</a:t>
+            </a:r>
+          </a:p>
+          <a:p>
+            <a:r>
+              <a:rPr lang="zh-CN" altLang="en-US" sz="2400">
+                <a:latin typeface="Roboto Mono Light" pitchFamily="2" charset="0"/>
+              </a:rPr>
+              <a:t>文件权限：</a:t>
+            </a:r>
+            <a:r>
+              <a:rPr lang="en-US" altLang="zh-CN" sz="2400">
+                <a:latin typeface="Roboto Mono Light" pitchFamily="2" charset="0"/>
+              </a:rPr>
+              <a:t>chmod  chown</a:t>
+            </a:r>
+            <a:endParaRPr lang="en-US" altLang="zh-CN" sz="2400" dirty="0">
+              <a:latin typeface="Roboto Mono Light" pitchFamily="2" charset="0"/>
+            </a:endParaRPr>
+          </a:p>
+          <a:p>
+            <a:r>
+              <a:rPr lang="zh-CN" altLang="en-US" sz="2400">
+                <a:latin typeface="Roboto Mono Light" pitchFamily="2" charset="0"/>
+              </a:rPr>
+              <a:t>进程：</a:t>
+            </a:r>
+            <a:r>
+              <a:rPr lang="en-US" altLang="zh-CN" sz="2400">
+                <a:latin typeface="Roboto Mono Light" pitchFamily="2" charset="0"/>
+              </a:rPr>
+              <a:t>ps  kill  bg  fg  jobs</a:t>
+            </a:r>
+          </a:p>
+          <a:p>
+            <a:r>
+              <a:rPr lang="zh-CN" altLang="en-US" sz="2400">
+                <a:latin typeface="Roboto Mono Light" pitchFamily="2" charset="0"/>
+              </a:rPr>
+              <a:t>匹配查找：</a:t>
+            </a:r>
+            <a:r>
+              <a:rPr lang="en-US" altLang="zh-CN" sz="2400">
+                <a:latin typeface="Roboto Mono Light" pitchFamily="2" charset="0"/>
+              </a:rPr>
+              <a:t>grep  find</a:t>
+            </a:r>
+          </a:p>
+          <a:p>
+            <a:r>
+              <a:rPr lang="zh-CN" altLang="en-US" sz="2400">
+                <a:latin typeface="Roboto Mono Light" pitchFamily="2" charset="0"/>
+              </a:rPr>
+              <a:t>文本编辑：</a:t>
+            </a:r>
+            <a:r>
+              <a:rPr lang="en-US" altLang="zh-CN" sz="2400">
+                <a:latin typeface="Roboto Mono Light" pitchFamily="2" charset="0"/>
+              </a:rPr>
+              <a:t>vim  nano</a:t>
+            </a:r>
+          </a:p>
+          <a:p>
+            <a:r>
+              <a:rPr lang="zh-CN" altLang="en-US" sz="2400">
+                <a:latin typeface="Roboto Mono Light" pitchFamily="2" charset="0"/>
+              </a:rPr>
+              <a:t>重定向和管道：</a:t>
+            </a:r>
+            <a:r>
+              <a:rPr lang="en-US" altLang="zh-CN" sz="2400">
+                <a:latin typeface="Roboto Mono Light" pitchFamily="2" charset="0"/>
+              </a:rPr>
+              <a:t>&lt;  &gt;  2&gt;  &amp;&gt;  &gt;&gt; |</a:t>
+            </a:r>
+          </a:p>
+        </p:txBody>
+      </p:sp>
+    </p:spTree>
+    <p:extLst>
+      <p:ext uri="{BB962C8B-B14F-4D97-AF65-F5344CB8AC3E}">
+        <p14:creationId xmlns:p14="http://schemas.microsoft.com/office/powerpoint/2010/main" val="3042951425"/>
       </p:ext>
     </p:extLst>
   </p:cSld>
@@ -7357,7 +8275,11 @@
           <a:p>
             <a:r>
               <a:rPr lang="zh-CN" altLang="en-US" sz="2400" dirty="0"/>
-              <a:t>本次课程讲解在实际使用过程中，要用到的一些网络相关的命令。</a:t>
+              <a:t>本次课程讲解在实际使用过程中，要用到的一些网络相关</a:t>
+            </a:r>
+            <a:r>
+              <a:rPr lang="zh-CN" altLang="en-US" sz="2400"/>
+              <a:t>的命令，以及涉及到的网络配置。</a:t>
             </a:r>
             <a:endParaRPr lang="en-US" altLang="zh-CN" sz="2400" dirty="0"/>
           </a:p>
@@ -7375,7 +8297,11 @@
             </a:r>
             <a:r>
               <a:rPr lang="zh-CN" altLang="en-US" sz="2400" dirty="0"/>
-              <a:t>地址信息，网络设置，网络监控命令等。</a:t>
+              <a:t>地址信息，网络设置，网络监控命令</a:t>
+            </a:r>
+            <a:r>
+              <a:rPr lang="zh-CN" altLang="en-US" sz="2400"/>
+              <a:t>等。</a:t>
             </a:r>
             <a:endParaRPr lang="en-US" altLang="zh-CN" sz="2400" dirty="0"/>
           </a:p>
@@ -7434,24 +8360,28 @@
           </a:p>
           <a:p>
             <a:r>
+              <a:rPr lang="en-US" altLang="zh-CN" sz="2400"/>
+              <a:t>CentOS</a:t>
+            </a:r>
+            <a:r>
               <a:rPr lang="zh-CN" altLang="en-US" sz="2400" dirty="0"/>
-              <a:t>由于</a:t>
-            </a:r>
-            <a:r>
-              <a:rPr lang="en-US" altLang="zh-CN" sz="2400" dirty="0"/>
-              <a:t>CentOS</a:t>
+              <a:t>也是一个主流的版本，本课程最后也会给</a:t>
+            </a:r>
+            <a:r>
+              <a:rPr lang="zh-CN" altLang="en-US" sz="2400"/>
+              <a:t>出</a:t>
+            </a:r>
+            <a:r>
+              <a:rPr lang="en-US" altLang="zh-CN" sz="2400"/>
+              <a:t>CentOS7</a:t>
+            </a:r>
+            <a:r>
+              <a:rPr lang="zh-CN" altLang="en-US" sz="2400"/>
+              <a:t>的配置方式</a:t>
             </a:r>
             <a:r>
               <a:rPr lang="zh-CN" altLang="en-US" sz="2400" dirty="0"/>
-              <a:t>也是一个主流的版本，本课程最后也会给出</a:t>
-            </a:r>
-            <a:r>
-              <a:rPr lang="en-US" altLang="zh-CN" sz="2400" dirty="0"/>
-              <a:t>CentOS</a:t>
-            </a:r>
-            <a:r>
-              <a:rPr lang="zh-CN" altLang="en-US" sz="2400" dirty="0"/>
-              <a:t>的基本操作方式。</a:t>
+              <a:t>。</a:t>
             </a:r>
             <a:endParaRPr lang="en-US" altLang="zh-CN" sz="2400" dirty="0"/>
           </a:p>
@@ -7561,14 +8491,14 @@
           <p:nvPr>
             <p:extLst>
               <p:ext uri="{D42A27DB-BD31-4B8C-83A1-F6EECF244321}">
-                <p14:modId xmlns:p14="http://schemas.microsoft.com/office/powerpoint/2010/main" val="2150953231"/>
+                <p14:modId xmlns:p14="http://schemas.microsoft.com/office/powerpoint/2010/main" val="302491268"/>
               </p:ext>
             </p:extLst>
           </p:nvPr>
         </p:nvGraphicFramePr>
         <p:xfrm>
-          <a:off x="838200" y="1704110"/>
-          <a:ext cx="10515600" cy="4998279"/>
+          <a:off x="838200" y="1704111"/>
+          <a:ext cx="10515600" cy="4995628"/>
         </p:xfrm>
         <a:graphic>
           <a:graphicData uri="http://schemas.openxmlformats.org/drawingml/2006/table">
@@ -7577,14 +8507,14 @@
                 <a:tableStyleId>{2D5ABB26-0587-4C30-8999-92F81FD0307C}</a:tableStyleId>
               </a:tblPr>
               <a:tblGrid>
-                <a:gridCol w="2028092">
+                <a:gridCol w="1878623">
                   <a:extLst>
                     <a:ext uri="{9D8B030D-6E8A-4147-A177-3AD203B41FA5}">
                       <a16:colId xmlns:a16="http://schemas.microsoft.com/office/drawing/2014/main" val="3196294302"/>
                     </a:ext>
                   </a:extLst>
                 </a:gridCol>
-                <a:gridCol w="8487508">
+                <a:gridCol w="8636977">
                   <a:extLst>
                     <a:ext uri="{9D8B030D-6E8A-4147-A177-3AD203B41FA5}">
                       <a16:colId xmlns:a16="http://schemas.microsoft.com/office/drawing/2014/main" val="2330441421"/>
@@ -7592,7 +8522,7 @@
                   </a:extLst>
                 </a:gridCol>
               </a:tblGrid>
-              <a:tr h="757941">
+              <a:tr h="723422">
                 <a:tc>
                   <a:txBody>
                     <a:bodyPr/>
@@ -7600,10 +8530,14 @@
                     <a:p>
                       <a:pPr algn="r"/>
                       <a:r>
-                        <a:rPr lang="en-US" altLang="zh-CN" sz="2400" dirty="0" err="1"/>
+                        <a:rPr lang="en-US" altLang="zh-CN" sz="2400" baseline="0" dirty="0" err="1">
+                          <a:latin typeface="Roboto Mono Light" pitchFamily="2" charset="0"/>
+                        </a:rPr>
                         <a:t>ip</a:t>
                       </a:r>
-                      <a:endParaRPr lang="zh-CN" altLang="en-US" sz="2400" dirty="0"/>
+                      <a:endParaRPr lang="zh-CN" altLang="en-US" sz="2400" baseline="0" dirty="0">
+                        <a:latin typeface="Roboto Mono Light" pitchFamily="2" charset="0"/>
+                      </a:endParaRPr>
                     </a:p>
                   </a:txBody>
                   <a:tcPr anchor="ctr">
@@ -7621,23 +8555,33 @@
                     <a:lstStyle/>
                     <a:p>
                       <a:r>
-                        <a:rPr lang="zh-CN" altLang="en-US" sz="2400" dirty="0"/>
+                        <a:rPr lang="zh-CN" altLang="en-US" sz="2400" baseline="0" dirty="0">
+                          <a:latin typeface="Roboto Mono Light" pitchFamily="2" charset="0"/>
+                        </a:rPr>
                         <a:t>显示</a:t>
                       </a:r>
                       <a:r>
-                        <a:rPr lang="en-US" altLang="zh-CN" sz="2400" dirty="0"/>
+                        <a:rPr lang="en-US" altLang="zh-CN" sz="2400" baseline="0" dirty="0">
+                          <a:latin typeface="Roboto Mono Light" pitchFamily="2" charset="0"/>
+                        </a:rPr>
                         <a:t>IP</a:t>
                       </a:r>
                       <a:r>
-                        <a:rPr lang="zh-CN" altLang="en-US" sz="2400" dirty="0"/>
+                        <a:rPr lang="zh-CN" altLang="en-US" sz="2400" baseline="0" dirty="0">
+                          <a:latin typeface="Roboto Mono Light" pitchFamily="2" charset="0"/>
+                        </a:rPr>
                         <a:t>地址，</a:t>
                       </a:r>
                       <a:r>
-                        <a:rPr lang="en-US" altLang="zh-CN" sz="2400" dirty="0"/>
+                        <a:rPr lang="en-US" altLang="zh-CN" sz="2400" baseline="0" dirty="0">
+                          <a:latin typeface="Roboto Mono Light" pitchFamily="2" charset="0"/>
+                        </a:rPr>
                         <a:t>MAC</a:t>
                       </a:r>
                       <a:r>
-                        <a:rPr lang="zh-CN" altLang="en-US" sz="2400" dirty="0"/>
+                        <a:rPr lang="zh-CN" altLang="en-US" sz="2400" baseline="0" dirty="0">
+                          <a:latin typeface="Roboto Mono Light" pitchFamily="2" charset="0"/>
+                        </a:rPr>
                         <a:t>地址等信息</a:t>
                       </a:r>
                     </a:p>
@@ -7657,7 +8601,7 @@
                   </a:ext>
                 </a:extLst>
               </a:tr>
-              <a:tr h="757941">
+              <a:tr h="723422">
                 <a:tc>
                   <a:txBody>
                     <a:bodyPr/>
@@ -7665,10 +8609,14 @@
                     <a:p>
                       <a:pPr algn="r"/>
                       <a:r>
-                        <a:rPr lang="en-US" altLang="zh-CN" sz="2400" dirty="0"/>
+                        <a:rPr lang="en-US" altLang="zh-CN" sz="2400" baseline="0" dirty="0">
+                          <a:latin typeface="Roboto Mono Light" pitchFamily="2" charset="0"/>
+                        </a:rPr>
                         <a:t>ping</a:t>
                       </a:r>
-                      <a:endParaRPr lang="zh-CN" altLang="en-US" sz="2400" dirty="0"/>
+                      <a:endParaRPr lang="zh-CN" altLang="en-US" sz="2400" baseline="0" dirty="0">
+                        <a:latin typeface="Roboto Mono Light" pitchFamily="2" charset="0"/>
+                      </a:endParaRPr>
                     </a:p>
                   </a:txBody>
                   <a:tcPr anchor="ctr"/>
@@ -7679,7 +8627,9 @@
                     <a:lstStyle/>
                     <a:p>
                       <a:r>
-                        <a:rPr lang="zh-CN" altLang="en-US" sz="2400" dirty="0"/>
+                        <a:rPr lang="zh-CN" altLang="en-US" sz="2400" baseline="0" dirty="0">
+                          <a:latin typeface="Roboto Mono Light" pitchFamily="2" charset="0"/>
+                        </a:rPr>
                         <a:t>检测网络连接是否连通。</a:t>
                       </a:r>
                     </a:p>
@@ -7692,7 +8642,7 @@
                   </a:ext>
                 </a:extLst>
               </a:tr>
-              <a:tr h="757941">
+              <a:tr h="723422">
                 <a:tc>
                   <a:txBody>
                     <a:bodyPr/>
@@ -7700,10 +8650,14 @@
                     <a:p>
                       <a:pPr algn="r"/>
                       <a:r>
-                        <a:rPr lang="en-US" altLang="zh-CN" sz="2400" dirty="0"/>
+                        <a:rPr lang="en-US" altLang="zh-CN" sz="2400" baseline="0" dirty="0">
+                          <a:latin typeface="Roboto Mono Light" pitchFamily="2" charset="0"/>
+                        </a:rPr>
                         <a:t>netstat</a:t>
                       </a:r>
-                      <a:endParaRPr lang="zh-CN" altLang="en-US" sz="2400" dirty="0"/>
+                      <a:endParaRPr lang="zh-CN" altLang="en-US" sz="2400" baseline="0" dirty="0">
+                        <a:latin typeface="Roboto Mono Light" pitchFamily="2" charset="0"/>
+                      </a:endParaRPr>
                     </a:p>
                   </a:txBody>
                   <a:tcPr anchor="ctr">
@@ -7721,31 +8675,57 @@
                     <a:lstStyle/>
                     <a:p>
                       <a:r>
-                        <a:rPr lang="en-US" altLang="zh-CN" sz="2400" kern="1200" dirty="0">
+                        <a:rPr lang="en-US" altLang="zh-CN" sz="2400" kern="1200" baseline="0" dirty="0">
                           <a:solidFill>
                             <a:schemeClr val="tx1"/>
                           </a:solidFill>
                           <a:effectLst/>
-                          <a:latin typeface="+mn-lt"/>
+                          <a:latin typeface="Roboto Mono Light" pitchFamily="2" charset="0"/>
                           <a:ea typeface="+mn-ea"/>
                           <a:cs typeface="+mn-cs"/>
                         </a:rPr>
                         <a:t>netstat </a:t>
                       </a:r>
                       <a:r>
-                        <a:rPr lang="zh-CN" altLang="en-US" sz="2400" kern="1200" dirty="0">
+                        <a:rPr lang="zh-CN" altLang="en-US" sz="2400" kern="1200" baseline="0" dirty="0">
                           <a:solidFill>
                             <a:schemeClr val="tx1"/>
                           </a:solidFill>
                           <a:effectLst/>
-                          <a:latin typeface="+mn-lt"/>
+                          <a:latin typeface="Roboto Mono Light" pitchFamily="2" charset="0"/>
                           <a:ea typeface="+mn-ea"/>
                           <a:cs typeface="+mn-cs"/>
                         </a:rPr>
-                        <a:t>命令显示网络连接、路由表、接口统计、伪装连接和多播连接等信息。</a:t>
+                        <a:t>命令显示网络连接、路由表、</a:t>
                       </a:r>
                       <a:r>
-                        <a:rPr lang="zh-CN" altLang="en-US" sz="2400" dirty="0"/>
+                        <a:rPr lang="zh-CN" altLang="en-US" sz="2400" kern="1200" baseline="0">
+                          <a:solidFill>
+                            <a:schemeClr val="tx1"/>
+                          </a:solidFill>
+                          <a:effectLst/>
+                          <a:latin typeface="Roboto Mono Light" pitchFamily="2" charset="0"/>
+                          <a:ea typeface="+mn-ea"/>
+                          <a:cs typeface="+mn-cs"/>
+                        </a:rPr>
+                        <a:t>接口统计等</a:t>
+                      </a:r>
+                      <a:r>
+                        <a:rPr lang="zh-CN" altLang="en-US" sz="2400" kern="1200" baseline="0" dirty="0">
+                          <a:solidFill>
+                            <a:schemeClr val="tx1"/>
+                          </a:solidFill>
+                          <a:effectLst/>
+                          <a:latin typeface="Roboto Mono Light" pitchFamily="2" charset="0"/>
+                          <a:ea typeface="+mn-ea"/>
+                          <a:cs typeface="+mn-cs"/>
+                        </a:rPr>
+                        <a:t>信息。</a:t>
+                      </a:r>
+                      <a:r>
+                        <a:rPr lang="zh-CN" altLang="en-US" sz="2400" baseline="0" dirty="0">
+                          <a:latin typeface="Roboto Mono Light" pitchFamily="2" charset="0"/>
+                        </a:rPr>
                         <a:t> </a:t>
                       </a:r>
                     </a:p>
@@ -7765,7 +8745,7 @@
                   </a:ext>
                 </a:extLst>
               </a:tr>
-              <a:tr h="757941">
+              <a:tr h="1134582">
                 <a:tc>
                   <a:txBody>
                     <a:bodyPr/>
@@ -7773,10 +8753,14 @@
                     <a:p>
                       <a:pPr algn="r"/>
                       <a:r>
-                        <a:rPr lang="en-US" altLang="zh-CN" sz="2400" dirty="0" err="1"/>
+                        <a:rPr lang="en-US" altLang="zh-CN" sz="2400" baseline="0" dirty="0" err="1">
+                          <a:latin typeface="Roboto Mono Light" pitchFamily="2" charset="0"/>
+                        </a:rPr>
                         <a:t>ss</a:t>
                       </a:r>
-                      <a:endParaRPr lang="zh-CN" altLang="en-US" sz="2400" dirty="0"/>
+                      <a:endParaRPr lang="zh-CN" altLang="en-US" sz="2400" baseline="0" dirty="0">
+                        <a:latin typeface="Roboto Mono Light" pitchFamily="2" charset="0"/>
+                      </a:endParaRPr>
                     </a:p>
                   </a:txBody>
                   <a:tcPr anchor="ctr"/>
@@ -7787,127 +8771,165 @@
                     <a:lstStyle/>
                     <a:p>
                       <a:r>
-                        <a:rPr lang="en-US" altLang="zh-CN" sz="2400" kern="1200" dirty="0" err="1">
+                        <a:rPr lang="en-US" altLang="zh-CN" sz="2400" kern="1200" baseline="0" dirty="0" err="1">
                           <a:solidFill>
                             <a:schemeClr val="tx1"/>
                           </a:solidFill>
                           <a:effectLst/>
-                          <a:latin typeface="+mn-lt"/>
+                          <a:latin typeface="Roboto Mono Light" pitchFamily="2" charset="0"/>
                           <a:ea typeface="+mn-ea"/>
                           <a:cs typeface="+mn-cs"/>
                         </a:rPr>
                         <a:t>ss</a:t>
                       </a:r>
                       <a:r>
-                        <a:rPr lang="en-US" altLang="zh-CN" sz="2400" kern="1200" dirty="0">
+                        <a:rPr lang="en-US" altLang="zh-CN" sz="2400" kern="1200" baseline="0" dirty="0">
                           <a:solidFill>
                             <a:schemeClr val="tx1"/>
                           </a:solidFill>
                           <a:effectLst/>
-                          <a:latin typeface="+mn-lt"/>
+                          <a:latin typeface="Roboto Mono Light" pitchFamily="2" charset="0"/>
                           <a:ea typeface="+mn-ea"/>
                           <a:cs typeface="+mn-cs"/>
                         </a:rPr>
                         <a:t> </a:t>
                       </a:r>
                       <a:r>
-                        <a:rPr lang="zh-CN" altLang="en-US" sz="2400" kern="1200" dirty="0">
+                        <a:rPr lang="zh-CN" altLang="en-US" sz="2400" kern="1200" baseline="0" dirty="0">
                           <a:solidFill>
                             <a:schemeClr val="tx1"/>
                           </a:solidFill>
                           <a:effectLst/>
-                          <a:latin typeface="+mn-lt"/>
+                          <a:latin typeface="Roboto Mono Light" pitchFamily="2" charset="0"/>
                           <a:ea typeface="+mn-ea"/>
                           <a:cs typeface="+mn-cs"/>
                         </a:rPr>
                         <a:t>命令用于获取套接字统计信息。它可以显示类似于 </a:t>
                       </a:r>
                       <a:r>
-                        <a:rPr lang="en-US" altLang="zh-CN" sz="2400" kern="1200" dirty="0">
+                        <a:rPr lang="en-US" altLang="zh-CN" sz="2400" kern="1200" baseline="0" dirty="0">
                           <a:solidFill>
                             <a:schemeClr val="tx1"/>
                           </a:solidFill>
                           <a:effectLst/>
-                          <a:latin typeface="+mn-lt"/>
+                          <a:latin typeface="Roboto Mono Light" pitchFamily="2" charset="0"/>
                           <a:ea typeface="+mn-ea"/>
                           <a:cs typeface="+mn-cs"/>
                         </a:rPr>
                         <a:t>netstat </a:t>
                       </a:r>
                       <a:r>
-                        <a:rPr lang="zh-CN" altLang="en-US" sz="2400" kern="1200" dirty="0">
+                        <a:rPr lang="zh-CN" altLang="en-US" sz="2400" kern="1200" baseline="0" dirty="0">
                           <a:solidFill>
                             <a:schemeClr val="tx1"/>
                           </a:solidFill>
                           <a:effectLst/>
-                          <a:latin typeface="+mn-lt"/>
+                          <a:latin typeface="Roboto Mono Light" pitchFamily="2" charset="0"/>
                           <a:ea typeface="+mn-ea"/>
                           <a:cs typeface="+mn-cs"/>
                         </a:rPr>
-                        <a:t>的信息。不过 </a:t>
+                        <a:t>的</a:t>
                       </a:r>
                       <a:r>
-                        <a:rPr lang="en-US" altLang="zh-CN" sz="2400" kern="1200" dirty="0">
+                        <a:rPr lang="zh-CN" altLang="en-US" sz="2400" kern="1200" baseline="0">
                           <a:solidFill>
                             <a:schemeClr val="tx1"/>
                           </a:solidFill>
                           <a:effectLst/>
-                          <a:latin typeface="+mn-lt"/>
+                          <a:latin typeface="Roboto Mono Light" pitchFamily="2" charset="0"/>
+                          <a:ea typeface="+mn-ea"/>
+                          <a:cs typeface="+mn-cs"/>
+                        </a:rPr>
+                        <a:t>信息。</a:t>
+                      </a:r>
+                      <a:r>
+                        <a:rPr lang="en-US" altLang="zh-CN" sz="2400" kern="1200" baseline="0">
+                          <a:solidFill>
+                            <a:schemeClr val="tx1"/>
+                          </a:solidFill>
+                          <a:effectLst/>
+                          <a:latin typeface="Roboto Mono Light" pitchFamily="2" charset="0"/>
                           <a:ea typeface="+mn-ea"/>
                           <a:cs typeface="+mn-cs"/>
                         </a:rPr>
                         <a:t>netstat </a:t>
                       </a:r>
                       <a:r>
-                        <a:rPr lang="zh-CN" altLang="en-US" sz="2400" kern="1200" dirty="0">
+                        <a:rPr lang="zh-CN" altLang="en-US" sz="2400" kern="1200" baseline="0">
                           <a:solidFill>
                             <a:schemeClr val="tx1"/>
                           </a:solidFill>
                           <a:effectLst/>
-                          <a:latin typeface="+mn-lt"/>
+                          <a:latin typeface="Roboto Mono Light" pitchFamily="2" charset="0"/>
                           <a:ea typeface="+mn-ea"/>
                           <a:cs typeface="+mn-cs"/>
                         </a:rPr>
-                        <a:t>几乎要过时了，</a:t>
+                        <a:t>有些过时</a:t>
                       </a:r>
                       <a:r>
-                        <a:rPr lang="en-US" altLang="zh-CN" sz="2400" kern="1200" dirty="0" err="1">
+                        <a:rPr lang="zh-CN" altLang="en-US" sz="2400" kern="1200" baseline="0" dirty="0">
                           <a:solidFill>
                             <a:schemeClr val="tx1"/>
                           </a:solidFill>
                           <a:effectLst/>
-                          <a:latin typeface="+mn-lt"/>
+                          <a:latin typeface="Roboto Mono Light" pitchFamily="2" charset="0"/>
+                          <a:ea typeface="+mn-ea"/>
+                          <a:cs typeface="+mn-cs"/>
+                        </a:rPr>
+                        <a:t>了</a:t>
+                      </a:r>
+                      <a:r>
+                        <a:rPr lang="zh-CN" altLang="en-US" sz="2400" kern="1200" baseline="0">
+                          <a:solidFill>
+                            <a:schemeClr val="tx1"/>
+                          </a:solidFill>
+                          <a:effectLst/>
+                          <a:latin typeface="Roboto Mono Light" pitchFamily="2" charset="0"/>
+                          <a:ea typeface="+mn-ea"/>
+                          <a:cs typeface="+mn-cs"/>
+                        </a:rPr>
+                        <a:t>，</a:t>
+                      </a:r>
+                      <a:r>
+                        <a:rPr lang="en-US" altLang="zh-CN" sz="2400" kern="1200" baseline="0">
+                          <a:solidFill>
+                            <a:schemeClr val="tx1"/>
+                          </a:solidFill>
+                          <a:effectLst/>
+                          <a:latin typeface="Roboto Mono Light" pitchFamily="2" charset="0"/>
                           <a:ea typeface="+mn-ea"/>
                           <a:cs typeface="+mn-cs"/>
                         </a:rPr>
                         <a:t>ss</a:t>
                       </a:r>
                       <a:r>
-                        <a:rPr lang="en-US" altLang="zh-CN" sz="2400" kern="1200" dirty="0">
+                        <a:rPr lang="zh-CN" altLang="en-US" sz="2400" kern="1200" baseline="0">
                           <a:solidFill>
                             <a:schemeClr val="tx1"/>
                           </a:solidFill>
                           <a:effectLst/>
-                          <a:latin typeface="+mn-lt"/>
+                          <a:latin typeface="Roboto Mono Light" pitchFamily="2" charset="0"/>
                           <a:ea typeface="+mn-ea"/>
                           <a:cs typeface="+mn-cs"/>
                         </a:rPr>
-                        <a:t> </a:t>
+                        <a:t>更</a:t>
                       </a:r>
                       <a:r>
-                        <a:rPr lang="zh-CN" altLang="en-US" sz="2400" kern="1200" dirty="0">
+                        <a:rPr lang="zh-CN" altLang="en-US" sz="2400" kern="1200" baseline="0" dirty="0">
                           <a:solidFill>
                             <a:schemeClr val="tx1"/>
                           </a:solidFill>
                           <a:effectLst/>
-                          <a:latin typeface="+mn-lt"/>
+                          <a:latin typeface="Roboto Mono Light" pitchFamily="2" charset="0"/>
                           <a:ea typeface="+mn-ea"/>
                           <a:cs typeface="+mn-cs"/>
                         </a:rPr>
-                        <a:t>命令更具优势。</a:t>
+                        <a:t>具优势。</a:t>
                       </a:r>
                       <a:r>
-                        <a:rPr lang="zh-CN" altLang="en-US" sz="2400" dirty="0"/>
+                        <a:rPr lang="zh-CN" altLang="en-US" sz="2400" baseline="0" dirty="0">
+                          <a:latin typeface="Roboto Mono Light" pitchFamily="2" charset="0"/>
+                        </a:rPr>
                         <a:t> </a:t>
                       </a:r>
                     </a:p>
@@ -7920,7 +8942,7 @@
                   </a:ext>
                 </a:extLst>
               </a:tr>
-              <a:tr h="1013517">
+              <a:tr h="967358">
                 <a:tc>
                   <a:txBody>
                     <a:bodyPr/>
@@ -7928,10 +8950,14 @@
                     <a:p>
                       <a:pPr algn="r"/>
                       <a:r>
-                        <a:rPr lang="en-US" altLang="zh-CN" sz="2400" dirty="0" err="1"/>
+                        <a:rPr lang="en-US" altLang="zh-CN" sz="2400" baseline="0" dirty="0" err="1">
+                          <a:latin typeface="Roboto Mono Light" pitchFamily="2" charset="0"/>
+                        </a:rPr>
                         <a:t>nethogs</a:t>
                       </a:r>
-                      <a:endParaRPr lang="zh-CN" altLang="en-US" sz="2400" dirty="0"/>
+                      <a:endParaRPr lang="zh-CN" altLang="en-US" sz="2400" baseline="0" dirty="0">
+                        <a:latin typeface="Roboto Mono Light" pitchFamily="2" charset="0"/>
+                      </a:endParaRPr>
                     </a:p>
                   </a:txBody>
                   <a:tcPr anchor="ctr">
@@ -7949,45 +8975,62 @@
                     <a:lstStyle/>
                     <a:p>
                       <a:r>
-                        <a:rPr lang="en-US" altLang="zh-CN" sz="2400" kern="1200" dirty="0" err="1">
+                        <a:rPr lang="en-US" altLang="zh-CN" sz="2400" kern="1200" baseline="0" dirty="0" err="1">
                           <a:solidFill>
                             <a:schemeClr val="tx1"/>
                           </a:solidFill>
                           <a:effectLst/>
-                          <a:latin typeface="+mn-lt"/>
+                          <a:latin typeface="Roboto Mono Light" pitchFamily="2" charset="0"/>
                           <a:ea typeface="+mn-ea"/>
                           <a:cs typeface="+mn-cs"/>
                         </a:rPr>
                         <a:t>NetHogs</a:t>
                       </a:r>
                       <a:r>
-                        <a:rPr lang="en-US" altLang="zh-CN" sz="2400" kern="1200" dirty="0">
+                        <a:rPr lang="en-US" altLang="zh-CN" sz="2400" kern="1200" baseline="0" dirty="0">
                           <a:solidFill>
                             <a:schemeClr val="tx1"/>
                           </a:solidFill>
                           <a:effectLst/>
-                          <a:latin typeface="+mn-lt"/>
+                          <a:latin typeface="Roboto Mono Light" pitchFamily="2" charset="0"/>
                           <a:ea typeface="+mn-ea"/>
                           <a:cs typeface="+mn-cs"/>
                         </a:rPr>
                         <a:t> </a:t>
                       </a:r>
                       <a:r>
-                        <a:rPr lang="zh-CN" altLang="en-US" sz="2400" kern="1200" dirty="0">
+                        <a:rPr lang="zh-CN" altLang="en-US" sz="2400" kern="1200" baseline="0" dirty="0">
                           <a:solidFill>
                             <a:schemeClr val="tx1"/>
                           </a:solidFill>
                           <a:effectLst/>
-                          <a:latin typeface="+mn-lt"/>
+                          <a:latin typeface="Roboto Mono Light" pitchFamily="2" charset="0"/>
                           <a:ea typeface="+mn-ea"/>
                           <a:cs typeface="+mn-cs"/>
                         </a:rPr>
-                        <a:t>是一个轻便的网络监控工具，按照进程名称对带宽进行分组。</a:t>
+                        <a:t>是一个轻便的网络</a:t>
                       </a:r>
                       <a:r>
-                        <a:rPr lang="zh-CN" altLang="en-US" sz="2400" dirty="0"/>
+                        <a:rPr lang="zh-CN" altLang="en-US" sz="2400" kern="1200" baseline="0">
+                          <a:solidFill>
+                            <a:schemeClr val="tx1"/>
+                          </a:solidFill>
+                          <a:effectLst/>
+                          <a:latin typeface="Roboto Mono Light" pitchFamily="2" charset="0"/>
+                          <a:ea typeface="+mn-ea"/>
+                          <a:cs typeface="+mn-cs"/>
+                        </a:rPr>
+                        <a:t>监控工具。</a:t>
+                      </a:r>
+                      <a:r>
+                        <a:rPr lang="zh-CN" altLang="en-US" sz="2400" baseline="0">
+                          <a:latin typeface="Roboto Mono Light" pitchFamily="2" charset="0"/>
+                        </a:rPr>
                         <a:t> </a:t>
                       </a:r>
+                      <a:endParaRPr lang="zh-CN" altLang="en-US" sz="2400" baseline="0" dirty="0">
+                        <a:latin typeface="Roboto Mono Light" pitchFamily="2" charset="0"/>
+                      </a:endParaRPr>
                     </a:p>
                   </a:txBody>
                   <a:tcPr anchor="ctr">
@@ -8005,7 +9048,7 @@
                   </a:ext>
                 </a:extLst>
               </a:tr>
-              <a:tr h="757941">
+              <a:tr h="723422">
                 <a:tc>
                   <a:txBody>
                     <a:bodyPr/>
@@ -8013,10 +9056,14 @@
                     <a:p>
                       <a:pPr algn="r"/>
                       <a:r>
-                        <a:rPr lang="en-US" altLang="zh-CN" sz="2400" dirty="0" err="1"/>
+                        <a:rPr lang="en-US" altLang="zh-CN" sz="2400" baseline="0" dirty="0" err="1">
+                          <a:latin typeface="Roboto Mono Light" pitchFamily="2" charset="0"/>
+                        </a:rPr>
                         <a:t>iftop</a:t>
                       </a:r>
-                      <a:endParaRPr lang="zh-CN" altLang="en-US" sz="2400" dirty="0"/>
+                      <a:endParaRPr lang="zh-CN" altLang="en-US" sz="2400" baseline="0" dirty="0">
+                        <a:latin typeface="Roboto Mono Light" pitchFamily="2" charset="0"/>
+                      </a:endParaRPr>
                     </a:p>
                   </a:txBody>
                   <a:tcPr anchor="ctr"/>
@@ -8027,69 +9074,80 @@
                     <a:lstStyle/>
                     <a:p>
                       <a:r>
-                        <a:rPr lang="en-US" altLang="zh-CN" sz="2400" kern="1200" dirty="0" err="1">
+                        <a:rPr lang="en-US" altLang="zh-CN" sz="2400" kern="1200" baseline="0" dirty="0" err="1">
                           <a:solidFill>
                             <a:schemeClr val="tx1"/>
                           </a:solidFill>
                           <a:effectLst/>
-                          <a:latin typeface="+mn-lt"/>
+                          <a:latin typeface="Roboto Mono Light" pitchFamily="2" charset="0"/>
                           <a:ea typeface="+mn-ea"/>
                           <a:cs typeface="+mn-cs"/>
                         </a:rPr>
                         <a:t>iftop</a:t>
                       </a:r>
                       <a:r>
-                        <a:rPr lang="en-US" altLang="zh-CN" sz="2400" kern="1200" dirty="0">
+                        <a:rPr lang="en-US" altLang="zh-CN" sz="2400" kern="1200" baseline="0" dirty="0">
                           <a:solidFill>
                             <a:schemeClr val="tx1"/>
                           </a:solidFill>
                           <a:effectLst/>
-                          <a:latin typeface="+mn-lt"/>
+                          <a:latin typeface="Roboto Mono Light" pitchFamily="2" charset="0"/>
                           <a:ea typeface="+mn-ea"/>
                           <a:cs typeface="+mn-cs"/>
                         </a:rPr>
                         <a:t> </a:t>
                       </a:r>
                       <a:r>
-                        <a:rPr lang="zh-CN" altLang="en-US" sz="2400" kern="1200" dirty="0">
+                        <a:rPr lang="zh-CN" altLang="en-US" sz="2400" kern="1200" baseline="0" dirty="0">
                           <a:solidFill>
                             <a:schemeClr val="tx1"/>
                           </a:solidFill>
                           <a:effectLst/>
-                          <a:latin typeface="+mn-lt"/>
+                          <a:latin typeface="Roboto Mono Light" pitchFamily="2" charset="0"/>
                           <a:ea typeface="+mn-ea"/>
                           <a:cs typeface="+mn-cs"/>
                         </a:rPr>
                         <a:t>命令监听指定接口（如 </a:t>
                       </a:r>
                       <a:r>
-                        <a:rPr lang="en-US" altLang="zh-CN" sz="2400" kern="1200" dirty="0">
+                        <a:rPr lang="en-US" altLang="zh-CN" sz="2400" kern="1200" baseline="0" dirty="0">
                           <a:solidFill>
                             <a:schemeClr val="tx1"/>
                           </a:solidFill>
                           <a:effectLst/>
-                          <a:latin typeface="+mn-lt"/>
+                          <a:latin typeface="Roboto Mono Light" pitchFamily="2" charset="0"/>
                           <a:ea typeface="+mn-ea"/>
                           <a:cs typeface="+mn-cs"/>
                         </a:rPr>
                         <a:t>eth0</a:t>
                       </a:r>
                       <a:r>
-                        <a:rPr lang="zh-CN" altLang="en-US" sz="2400" kern="1200" dirty="0">
+                        <a:rPr lang="zh-CN" altLang="en-US" sz="2400" kern="1200" baseline="0" dirty="0">
                           <a:solidFill>
                             <a:schemeClr val="tx1"/>
                           </a:solidFill>
                           <a:effectLst/>
-                          <a:latin typeface="+mn-lt"/>
+                          <a:latin typeface="Roboto Mono Light" pitchFamily="2" charset="0"/>
                           <a:ea typeface="+mn-ea"/>
                           <a:cs typeface="+mn-cs"/>
                         </a:rPr>
-                        <a:t>）上的网络通信情况。它显示了一对主机的带宽使用情况。</a:t>
+                        <a:t>）上的网络通信</a:t>
                       </a:r>
                       <a:r>
-                        <a:rPr lang="zh-CN" altLang="en-US" sz="2400" dirty="0"/>
-                        <a:t> </a:t>
+                        <a:rPr lang="zh-CN" altLang="en-US" sz="2400" kern="1200" baseline="0">
+                          <a:solidFill>
+                            <a:schemeClr val="tx1"/>
+                          </a:solidFill>
+                          <a:effectLst/>
+                          <a:latin typeface="Roboto Mono Light" pitchFamily="2" charset="0"/>
+                          <a:ea typeface="+mn-ea"/>
+                          <a:cs typeface="+mn-cs"/>
+                        </a:rPr>
+                        <a:t>情况。</a:t>
                       </a:r>
+                      <a:endParaRPr lang="zh-CN" altLang="en-US" sz="2400" baseline="0" dirty="0">
+                        <a:latin typeface="Roboto Mono Light" pitchFamily="2" charset="0"/>
+                      </a:endParaRPr>
                     </a:p>
                   </a:txBody>
                   <a:tcPr anchor="ctr"/>
@@ -8182,138 +9240,252 @@
             <p:ph idx="1"/>
           </p:nvPr>
         </p:nvSpPr>
-        <p:spPr/>
+        <p:spPr>
+          <a:xfrm>
+            <a:off x="838200" y="1704111"/>
+            <a:ext cx="10515600" cy="4969251"/>
+          </a:xfrm>
+        </p:spPr>
         <p:txBody>
           <a:bodyPr>
-            <a:normAutofit lnSpcReduction="10000"/>
+            <a:normAutofit/>
           </a:bodyPr>
           <a:lstStyle/>
           <a:p>
             <a:r>
-              <a:rPr lang="en-US" altLang="zh-CN" sz="2400" dirty="0" err="1"/>
+              <a:rPr lang="en-US" altLang="zh-CN" sz="2400" dirty="0" err="1">
+                <a:latin typeface="Roboto Mono Light" pitchFamily="2" charset="0"/>
+              </a:rPr>
               <a:t>ip</a:t>
             </a:r>
             <a:r>
-              <a:rPr lang="en-US" altLang="zh-CN" sz="2400" dirty="0"/>
+              <a:rPr lang="en-US" altLang="zh-CN" sz="2400" dirty="0">
+                <a:latin typeface="Roboto Mono Light" pitchFamily="2" charset="0"/>
+              </a:rPr>
               <a:t>  help</a:t>
             </a:r>
             <a:r>
-              <a:rPr lang="zh-CN" altLang="en-US" sz="2400" dirty="0"/>
-              <a:t>查看帮助信息。</a:t>
-            </a:r>
-            <a:endParaRPr lang="en-US" altLang="zh-CN" sz="2400" dirty="0"/>
-          </a:p>
-          <a:p>
-            <a:endParaRPr lang="en-US" altLang="zh-CN" sz="2400" dirty="0"/>
-          </a:p>
-          <a:p>
-            <a:r>
-              <a:rPr lang="en-US" altLang="zh-CN" sz="2400" dirty="0" err="1"/>
+              <a:rPr lang="zh-CN" altLang="en-US" sz="2400" dirty="0">
+                <a:latin typeface="Roboto Mono Light" pitchFamily="2" charset="0"/>
+              </a:rPr>
+              <a:t>查看帮助</a:t>
+            </a:r>
+            <a:r>
+              <a:rPr lang="zh-CN" altLang="en-US" sz="2400">
+                <a:latin typeface="Roboto Mono Light" pitchFamily="2" charset="0"/>
+              </a:rPr>
+              <a:t>信息。</a:t>
+            </a:r>
+            <a:endParaRPr lang="en-US" altLang="zh-CN" sz="2400" dirty="0">
+              <a:latin typeface="Roboto Mono Light" pitchFamily="2" charset="0"/>
+            </a:endParaRPr>
+          </a:p>
+          <a:p>
+            <a:r>
+              <a:rPr lang="en-US" altLang="zh-CN" sz="2400" err="1">
+                <a:latin typeface="Roboto Mono Light" pitchFamily="2" charset="0"/>
+              </a:rPr>
               <a:t>ip</a:t>
             </a:r>
             <a:r>
-              <a:rPr lang="en-US" altLang="zh-CN" sz="2400" dirty="0"/>
-              <a:t>  [COMMAND]  help</a:t>
-            </a:r>
-            <a:r>
-              <a:rPr lang="zh-CN" altLang="en-US" sz="2400" dirty="0"/>
-              <a:t>查看具体指令的帮助信息。示例：</a:t>
-            </a:r>
-            <a:r>
-              <a:rPr lang="en-US" altLang="zh-CN" sz="2400" dirty="0" err="1"/>
+              <a:rPr lang="en-US" altLang="zh-CN" sz="2400">
+                <a:latin typeface="Roboto Mono Light" pitchFamily="2" charset="0"/>
+              </a:rPr>
+              <a:t> [COMMAND] </a:t>
+            </a:r>
+            <a:r>
+              <a:rPr lang="en-US" altLang="zh-CN" sz="2400" dirty="0">
+                <a:latin typeface="Roboto Mono Light" pitchFamily="2" charset="0"/>
+              </a:rPr>
+              <a:t>help</a:t>
+            </a:r>
+            <a:r>
+              <a:rPr lang="zh-CN" altLang="en-US" sz="2400" dirty="0">
+                <a:latin typeface="Roboto Mono Light" pitchFamily="2" charset="0"/>
+              </a:rPr>
+              <a:t>查看具体指令的帮助信息。</a:t>
+            </a:r>
+            <a:r>
+              <a:rPr lang="zh-CN" altLang="en-US" sz="2400">
+                <a:latin typeface="Roboto Mono Light" pitchFamily="2" charset="0"/>
+              </a:rPr>
+              <a:t>示例：</a:t>
+            </a:r>
+            <a:endParaRPr lang="en-US" altLang="zh-CN" sz="2400">
+              <a:latin typeface="Roboto Mono Light" pitchFamily="2" charset="0"/>
+            </a:endParaRPr>
+          </a:p>
+          <a:p>
+            <a:pPr marL="457200" lvl="1" indent="0">
+              <a:buNone/>
+            </a:pPr>
+            <a:r>
+              <a:rPr lang="en-US" altLang="zh-CN">
+                <a:latin typeface="Roboto Mono Light" pitchFamily="2" charset="0"/>
+              </a:rPr>
+              <a:t>ip  address  help</a:t>
+            </a:r>
+          </a:p>
+          <a:p>
+            <a:pPr marL="457200" lvl="1" indent="0">
+              <a:buNone/>
+            </a:pPr>
+            <a:endParaRPr lang="en-US" altLang="zh-CN" dirty="0">
+              <a:latin typeface="Roboto Mono Light" pitchFamily="2" charset="0"/>
+            </a:endParaRPr>
+          </a:p>
+          <a:p>
+            <a:r>
+              <a:rPr lang="en-US" altLang="zh-CN" sz="2400" dirty="0" err="1">
+                <a:latin typeface="Roboto Mono Light" pitchFamily="2" charset="0"/>
+              </a:rPr>
               <a:t>ip</a:t>
             </a:r>
             <a:r>
-              <a:rPr lang="en-US" altLang="zh-CN" sz="2400" dirty="0"/>
-              <a:t>  address  help</a:t>
-            </a:r>
-          </a:p>
-          <a:p>
-            <a:endParaRPr lang="en-US" altLang="zh-CN" sz="2400" dirty="0"/>
-          </a:p>
-          <a:p>
-            <a:r>
-              <a:rPr lang="en-US" altLang="zh-CN" sz="2400" dirty="0" err="1"/>
+              <a:rPr lang="en-US" altLang="zh-CN" sz="2400" dirty="0">
+                <a:latin typeface="Roboto Mono Light" pitchFamily="2" charset="0"/>
+              </a:rPr>
+              <a:t>  address </a:t>
+            </a:r>
+            <a:r>
+              <a:rPr lang="zh-CN" altLang="en-US" sz="2400" dirty="0">
+                <a:latin typeface="Roboto Mono Light" pitchFamily="2" charset="0"/>
+              </a:rPr>
+              <a:t>显示网卡以及</a:t>
+            </a:r>
+            <a:r>
+              <a:rPr lang="en-US" altLang="zh-CN" sz="2400" dirty="0">
+                <a:latin typeface="Roboto Mono Light" pitchFamily="2" charset="0"/>
+              </a:rPr>
+              <a:t>IP</a:t>
+            </a:r>
+            <a:r>
+              <a:rPr lang="zh-CN" altLang="en-US" sz="2400" dirty="0">
+                <a:latin typeface="Roboto Mono Light" pitchFamily="2" charset="0"/>
+              </a:rPr>
+              <a:t>地址，</a:t>
+            </a:r>
+            <a:r>
+              <a:rPr lang="en-US" altLang="zh-CN" sz="2400" dirty="0">
+                <a:latin typeface="Roboto Mono Light" pitchFamily="2" charset="0"/>
+              </a:rPr>
+              <a:t>MAC</a:t>
+            </a:r>
+            <a:r>
+              <a:rPr lang="zh-CN" altLang="en-US" sz="2400" dirty="0">
+                <a:latin typeface="Roboto Mono Light" pitchFamily="2" charset="0"/>
+              </a:rPr>
+              <a:t>地址等</a:t>
+            </a:r>
+            <a:r>
+              <a:rPr lang="zh-CN" altLang="en-US" sz="2400">
+                <a:latin typeface="Roboto Mono Light" pitchFamily="2" charset="0"/>
+              </a:rPr>
+              <a:t>信息。</a:t>
+            </a:r>
+            <a:endParaRPr lang="en-US" altLang="zh-CN" sz="2400">
+              <a:latin typeface="Roboto Mono Light" pitchFamily="2" charset="0"/>
+            </a:endParaRPr>
+          </a:p>
+          <a:p>
+            <a:endParaRPr lang="en-US" altLang="zh-CN" sz="2400" dirty="0">
+              <a:latin typeface="Roboto Mono Light" pitchFamily="2" charset="0"/>
+            </a:endParaRPr>
+          </a:p>
+          <a:p>
+            <a:r>
+              <a:rPr lang="zh-CN" altLang="en-US" sz="2400" dirty="0">
+                <a:latin typeface="Roboto Mono Light" pitchFamily="2" charset="0"/>
+              </a:rPr>
+              <a:t>为</a:t>
+            </a:r>
+            <a:r>
+              <a:rPr lang="en-US" altLang="zh-CN" sz="2400" dirty="0">
+                <a:latin typeface="Roboto Mono Light" pitchFamily="2" charset="0"/>
+              </a:rPr>
+              <a:t>eth0</a:t>
+            </a:r>
+            <a:r>
+              <a:rPr lang="zh-CN" altLang="en-US" sz="2400" dirty="0">
+                <a:latin typeface="Roboto Mono Light" pitchFamily="2" charset="0"/>
+              </a:rPr>
+              <a:t>网卡分配</a:t>
+            </a:r>
+            <a:r>
+              <a:rPr lang="en-US" altLang="zh-CN" sz="2400" dirty="0">
+                <a:latin typeface="Roboto Mono Light" pitchFamily="2" charset="0"/>
+              </a:rPr>
+              <a:t>IP</a:t>
+            </a:r>
+            <a:r>
+              <a:rPr lang="zh-CN" altLang="en-US" sz="2400">
+                <a:latin typeface="Roboto Mono Light" pitchFamily="2" charset="0"/>
+              </a:rPr>
+              <a:t>地址 ：</a:t>
+            </a:r>
+            <a:endParaRPr lang="en-US" altLang="zh-CN" sz="2400">
+              <a:latin typeface="Roboto Mono Light" pitchFamily="2" charset="0"/>
+            </a:endParaRPr>
+          </a:p>
+          <a:p>
+            <a:pPr marL="457200" lvl="1" indent="0">
+              <a:buNone/>
+            </a:pPr>
+            <a:r>
+              <a:rPr lang="en-US" altLang="zh-CN">
+                <a:latin typeface="Roboto Mono Light" pitchFamily="2" charset="0"/>
+              </a:rPr>
+              <a:t>ip </a:t>
+            </a:r>
+            <a:r>
+              <a:rPr lang="en-US" altLang="zh-CN" dirty="0">
+                <a:latin typeface="Roboto Mono Light" pitchFamily="2" charset="0"/>
+              </a:rPr>
+              <a:t>address add 192.168.180.102/24  </a:t>
+            </a:r>
+            <a:r>
+              <a:rPr lang="en-US" altLang="zh-CN">
+                <a:latin typeface="Roboto Mono Light" pitchFamily="2" charset="0"/>
+              </a:rPr>
+              <a:t>dev  eth0</a:t>
+            </a:r>
+          </a:p>
+          <a:p>
+            <a:pPr marL="457200" lvl="1" indent="0">
+              <a:buNone/>
+            </a:pPr>
+            <a:endParaRPr lang="en-US" altLang="zh-CN" sz="2400" dirty="0">
+              <a:latin typeface="Roboto Mono Light" pitchFamily="2" charset="0"/>
+            </a:endParaRPr>
+          </a:p>
+          <a:p>
+            <a:r>
+              <a:rPr lang="zh-CN" altLang="en-US" sz="2400" dirty="0">
+                <a:latin typeface="Roboto Mono Light" pitchFamily="2" charset="0"/>
+              </a:rPr>
+              <a:t>列出路由表：</a:t>
+            </a:r>
+            <a:r>
+              <a:rPr lang="en-US" altLang="zh-CN" sz="2400" dirty="0" err="1">
+                <a:latin typeface="Roboto Mono Light" pitchFamily="2" charset="0"/>
+              </a:rPr>
               <a:t>ip</a:t>
             </a:r>
             <a:r>
-              <a:rPr lang="en-US" altLang="zh-CN" sz="2400" dirty="0"/>
-              <a:t>  address </a:t>
-            </a:r>
-            <a:r>
-              <a:rPr lang="zh-CN" altLang="en-US" sz="2400" dirty="0"/>
-              <a:t>显示网卡以及</a:t>
-            </a:r>
-            <a:r>
-              <a:rPr lang="en-US" altLang="zh-CN" sz="2400" dirty="0"/>
-              <a:t>IP</a:t>
-            </a:r>
-            <a:r>
-              <a:rPr lang="zh-CN" altLang="en-US" sz="2400" dirty="0"/>
-              <a:t>地址，</a:t>
-            </a:r>
-            <a:r>
-              <a:rPr lang="en-US" altLang="zh-CN" sz="2400" dirty="0"/>
-              <a:t>MAC</a:t>
-            </a:r>
-            <a:r>
-              <a:rPr lang="zh-CN" altLang="en-US" sz="2400" dirty="0"/>
-              <a:t>地址等信息。</a:t>
-            </a:r>
-            <a:endParaRPr lang="en-US" altLang="zh-CN" sz="2400" dirty="0"/>
-          </a:p>
-          <a:p>
-            <a:endParaRPr lang="en-US" altLang="zh-CN" sz="2400" dirty="0"/>
-          </a:p>
-          <a:p>
-            <a:r>
-              <a:rPr lang="zh-CN" altLang="en-US" sz="2400" dirty="0"/>
-              <a:t>为</a:t>
-            </a:r>
-            <a:r>
-              <a:rPr lang="en-US" altLang="zh-CN" sz="2400" dirty="0"/>
-              <a:t>eth0</a:t>
-            </a:r>
-            <a:r>
-              <a:rPr lang="zh-CN" altLang="en-US" sz="2400" dirty="0"/>
-              <a:t>网卡分配</a:t>
-            </a:r>
-            <a:r>
-              <a:rPr lang="en-US" altLang="zh-CN" sz="2400" dirty="0"/>
-              <a:t>IP</a:t>
-            </a:r>
-            <a:r>
-              <a:rPr lang="zh-CN" altLang="en-US" sz="2400" dirty="0"/>
-              <a:t>地址 ：</a:t>
-            </a:r>
-            <a:r>
-              <a:rPr lang="en-US" altLang="zh-CN" sz="2400" dirty="0" err="1"/>
-              <a:t>ip</a:t>
-            </a:r>
-            <a:r>
-              <a:rPr lang="en-US" altLang="zh-CN" sz="2400" dirty="0"/>
-              <a:t> address add 192.168.180.102/24  dev  eth0</a:t>
-            </a:r>
-          </a:p>
-          <a:p>
-            <a:endParaRPr lang="en-US" altLang="zh-CN" sz="2400" dirty="0"/>
-          </a:p>
-          <a:p>
-            <a:r>
-              <a:rPr lang="zh-CN" altLang="en-US" sz="2400" dirty="0"/>
-              <a:t>列出路由表：</a:t>
-            </a:r>
-            <a:r>
-              <a:rPr lang="en-US" altLang="zh-CN" sz="2400" dirty="0" err="1"/>
-              <a:t>ip</a:t>
-            </a:r>
-            <a:r>
-              <a:rPr lang="en-US" altLang="zh-CN" sz="2400" dirty="0"/>
-              <a:t>  route  show</a:t>
-            </a:r>
-          </a:p>
-          <a:p>
-            <a:endParaRPr lang="en-US" altLang="zh-CN" sz="2400" dirty="0"/>
+              <a:rPr lang="en-US" altLang="zh-CN" sz="2400" dirty="0">
+                <a:latin typeface="Roboto Mono Light" pitchFamily="2" charset="0"/>
+              </a:rPr>
+              <a:t>  </a:t>
+            </a:r>
+            <a:r>
+              <a:rPr lang="en-US" altLang="zh-CN" sz="2400">
+                <a:latin typeface="Roboto Mono Light" pitchFamily="2" charset="0"/>
+              </a:rPr>
+              <a:t>route  show</a:t>
+            </a:r>
+            <a:endParaRPr lang="en-US" altLang="zh-CN" sz="2400" dirty="0">
+              <a:latin typeface="Roboto Mono Light" pitchFamily="2" charset="0"/>
+            </a:endParaRPr>
           </a:p>
           <a:p>
             <a:r>
@@ -8321,6 +9493,7 @@
                 <a:solidFill>
                   <a:srgbClr val="C00000"/>
                 </a:solidFill>
+                <a:latin typeface="Roboto Mono Light" pitchFamily="2" charset="0"/>
               </a:rPr>
               <a:t>在</a:t>
             </a:r>
@@ -8329,6 +9502,7 @@
                 <a:solidFill>
                   <a:srgbClr val="C00000"/>
                 </a:solidFill>
+                <a:latin typeface="Roboto Mono Light" pitchFamily="2" charset="0"/>
               </a:rPr>
               <a:t>ip</a:t>
             </a:r>
@@ -8337,6 +9511,7 @@
                 <a:solidFill>
                   <a:srgbClr val="C00000"/>
                 </a:solidFill>
+                <a:latin typeface="Roboto Mono Light" pitchFamily="2" charset="0"/>
               </a:rPr>
               <a:t>命令之前都是使用</a:t>
             </a:r>
@@ -8345,6 +9520,7 @@
                 <a:solidFill>
                   <a:srgbClr val="C00000"/>
                 </a:solidFill>
+                <a:latin typeface="Roboto Mono Light" pitchFamily="2" charset="0"/>
               </a:rPr>
               <a:t>ifconfig</a:t>
             </a:r>
@@ -8353,6 +9529,7 @@
                 <a:solidFill>
                   <a:srgbClr val="C00000"/>
                 </a:solidFill>
+                <a:latin typeface="Roboto Mono Light" pitchFamily="2" charset="0"/>
               </a:rPr>
               <a:t>命令，这是一个已经被废弃的命令。</a:t>
             </a:r>
@@ -8360,6 +9537,7 @@
               <a:solidFill>
                 <a:srgbClr val="C00000"/>
               </a:solidFill>
+              <a:latin typeface="Roboto Mono Light" pitchFamily="2" charset="0"/>
             </a:endParaRPr>
           </a:p>
         </p:txBody>
@@ -8536,13 +9714,13 @@
           <p:nvPr>
             <p:extLst>
               <p:ext uri="{D42A27DB-BD31-4B8C-83A1-F6EECF244321}">
-                <p14:modId xmlns:p14="http://schemas.microsoft.com/office/powerpoint/2010/main" val="196917162"/>
+                <p14:modId xmlns:p14="http://schemas.microsoft.com/office/powerpoint/2010/main" val="3812518994"/>
               </p:ext>
             </p:extLst>
           </p:nvPr>
         </p:nvGraphicFramePr>
         <p:xfrm>
-          <a:off x="1277397" y="2872739"/>
+          <a:off x="1514789" y="2999164"/>
           <a:ext cx="9011822" cy="2281149"/>
         </p:xfrm>
         <a:graphic>
@@ -8552,14 +9730,14 @@
                 <a:tableStyleId>{2D5ABB26-0587-4C30-8999-92F81FD0307C}</a:tableStyleId>
               </a:tblPr>
               <a:tblGrid>
-                <a:gridCol w="3081539">
+                <a:gridCol w="2054888">
                   <a:extLst>
                     <a:ext uri="{9D8B030D-6E8A-4147-A177-3AD203B41FA5}">
                       <a16:colId xmlns:a16="http://schemas.microsoft.com/office/drawing/2014/main" val="1995618260"/>
                     </a:ext>
                   </a:extLst>
                 </a:gridCol>
-                <a:gridCol w="5930283">
+                <a:gridCol w="6956934">
                   <a:extLst>
                     <a:ext uri="{9D8B030D-6E8A-4147-A177-3AD203B41FA5}">
                       <a16:colId xmlns:a16="http://schemas.microsoft.com/office/drawing/2014/main" val="3732474542"/>
@@ -8573,16 +9751,28 @@
                     <a:bodyPr/>
                     <a:lstStyle/>
                     <a:p>
-                      <a:pPr algn="r"/>
+                      <a:pPr algn="l"/>
                       <a:r>
-                        <a:rPr lang="en-US" altLang="zh-CN" sz="2400" dirty="0" err="1"/>
+                        <a:rPr lang="en-US" altLang="zh-CN" sz="2400" baseline="0" err="1">
+                          <a:latin typeface="Roboto Mono Light" pitchFamily="2" charset="0"/>
+                        </a:rPr>
                         <a:t>ss</a:t>
                       </a:r>
                       <a:r>
-                        <a:rPr lang="en-US" altLang="zh-CN" sz="2400" dirty="0"/>
-                        <a:t>  -t  -a</a:t>
+                        <a:rPr lang="en-US" altLang="zh-CN" sz="2400" baseline="0">
+                          <a:latin typeface="Roboto Mono Light" pitchFamily="2" charset="0"/>
+                        </a:rPr>
+                        <a:t> -t -</a:t>
                       </a:r>
-                      <a:endParaRPr lang="zh-CN" altLang="en-US" sz="2400" dirty="0"/>
+                      <a:r>
+                        <a:rPr lang="en-US" altLang="zh-CN" sz="2400" baseline="0" dirty="0">
+                          <a:latin typeface="Roboto Mono Light" pitchFamily="2" charset="0"/>
+                        </a:rPr>
+                        <a:t>a</a:t>
+                      </a:r>
+                      <a:endParaRPr lang="zh-CN" altLang="en-US" sz="2400" baseline="0" dirty="0">
+                        <a:latin typeface="Roboto Mono Light" pitchFamily="2" charset="0"/>
+                      </a:endParaRPr>
                     </a:p>
                   </a:txBody>
                   <a:tcPr anchor="ctr"/>
@@ -8593,15 +9783,21 @@
                     <a:lstStyle/>
                     <a:p>
                       <a:r>
-                        <a:rPr lang="zh-CN" altLang="en-US" sz="2400" dirty="0"/>
+                        <a:rPr lang="zh-CN" altLang="en-US" sz="2400" baseline="0" dirty="0">
+                          <a:latin typeface="Roboto Mono Light" pitchFamily="2" charset="0"/>
+                        </a:rPr>
                         <a:t>显示所有</a:t>
                       </a:r>
                       <a:r>
-                        <a:rPr lang="en-US" altLang="zh-CN" sz="2400" dirty="0"/>
+                        <a:rPr lang="en-US" altLang="zh-CN" sz="2400" baseline="0" dirty="0">
+                          <a:latin typeface="Roboto Mono Light" pitchFamily="2" charset="0"/>
+                        </a:rPr>
                         <a:t>TCP</a:t>
                       </a:r>
                       <a:r>
-                        <a:rPr lang="zh-CN" altLang="en-US" sz="2400" dirty="0"/>
+                        <a:rPr lang="zh-CN" altLang="en-US" sz="2400" baseline="0" dirty="0">
+                          <a:latin typeface="Roboto Mono Light" pitchFamily="2" charset="0"/>
+                        </a:rPr>
                         <a:t>套接字</a:t>
                       </a:r>
                     </a:p>
@@ -8620,16 +9816,22 @@
                     <a:bodyPr/>
                     <a:lstStyle/>
                     <a:p>
-                      <a:pPr algn="r"/>
+                      <a:pPr algn="l"/>
                       <a:r>
-                        <a:rPr lang="en-US" altLang="zh-CN" sz="2400" dirty="0" err="1"/>
+                        <a:rPr lang="en-US" altLang="zh-CN" sz="2400" baseline="0" err="1">
+                          <a:latin typeface="Roboto Mono Light" pitchFamily="2" charset="0"/>
+                        </a:rPr>
                         <a:t>ss</a:t>
                       </a:r>
                       <a:r>
-                        <a:rPr lang="en-US" altLang="zh-CN" sz="2400" dirty="0"/>
-                        <a:t>  -a  -p</a:t>
+                        <a:rPr lang="en-US" altLang="zh-CN" sz="2400" baseline="0">
+                          <a:latin typeface="Roboto Mono Light" pitchFamily="2" charset="0"/>
+                        </a:rPr>
+                        <a:t> -a –p</a:t>
                       </a:r>
-                      <a:endParaRPr lang="zh-CN" altLang="en-US" sz="2400" dirty="0"/>
+                      <a:endParaRPr lang="zh-CN" altLang="en-US" sz="2400" baseline="0" dirty="0">
+                        <a:latin typeface="Roboto Mono Light" pitchFamily="2" charset="0"/>
+                      </a:endParaRPr>
                     </a:p>
                   </a:txBody>
                   <a:tcPr anchor="ctr"/>
@@ -8640,7 +9842,9 @@
                     <a:lstStyle/>
                     <a:p>
                       <a:r>
-                        <a:rPr lang="zh-CN" altLang="en-US" sz="2400" dirty="0"/>
+                        <a:rPr lang="zh-CN" altLang="en-US" sz="2400" baseline="0" dirty="0">
+                          <a:latin typeface="Roboto Mono Light" pitchFamily="2" charset="0"/>
+                        </a:rPr>
                         <a:t>显示所有套接字以及使用套接字的进程</a:t>
                       </a:r>
                     </a:p>
@@ -8659,8 +9863,16 @@
                     <a:bodyPr/>
                     <a:lstStyle/>
                     <a:p>
-                      <a:pPr algn="r"/>
-                      <a:endParaRPr lang="zh-CN" altLang="en-US" sz="2400" dirty="0"/>
+                      <a:pPr algn="l"/>
+                      <a:r>
+                        <a:rPr lang="en-US" altLang="zh-CN" sz="2400" baseline="0">
+                          <a:latin typeface="Roboto Mono Light" pitchFamily="2" charset="0"/>
+                        </a:rPr>
+                        <a:t>ss -altp</a:t>
+                      </a:r>
+                      <a:endParaRPr lang="zh-CN" altLang="en-US" sz="2400" baseline="0" dirty="0">
+                        <a:latin typeface="Roboto Mono Light" pitchFamily="2" charset="0"/>
+                      </a:endParaRPr>
                     </a:p>
                   </a:txBody>
                   <a:tcPr anchor="ctr"/>
@@ -8670,7 +9882,27 @@
                     <a:bodyPr/>
                     <a:lstStyle/>
                     <a:p>
-                      <a:endParaRPr lang="zh-CN" altLang="en-US" sz="2400" dirty="0"/>
+                      <a:r>
+                        <a:rPr lang="zh-CN" altLang="en-US" sz="2400" baseline="0">
+                          <a:latin typeface="Roboto Mono Light" pitchFamily="2" charset="0"/>
+                        </a:rPr>
+                        <a:t>显示所有正在监听的</a:t>
+                      </a:r>
+                      <a:r>
+                        <a:rPr lang="en-US" altLang="zh-CN" sz="2400" baseline="0">
+                          <a:latin typeface="Roboto Mono Light" pitchFamily="2" charset="0"/>
+                        </a:rPr>
+                        <a:t>TCP</a:t>
+                      </a:r>
+                      <a:r>
+                        <a:rPr lang="zh-CN" altLang="en-US" sz="2400" baseline="0">
+                          <a:latin typeface="Roboto Mono Light" pitchFamily="2" charset="0"/>
+                        </a:rPr>
+                        <a:t>连接</a:t>
+                      </a:r>
+                      <a:endParaRPr lang="zh-CN" altLang="en-US" sz="2400" baseline="0" dirty="0">
+                        <a:latin typeface="Roboto Mono Light" pitchFamily="2" charset="0"/>
+                      </a:endParaRPr>
                     </a:p>
                   </a:txBody>
                   <a:tcPr anchor="ctr"/>
@@ -8776,128 +10008,188 @@
           <a:lstStyle/>
           <a:p>
             <a:r>
-              <a:rPr lang="en-US" altLang="zh-CN" sz="2400" dirty="0" err="1"/>
+              <a:rPr lang="en-US" altLang="zh-CN" sz="2400" dirty="0" err="1">
+                <a:latin typeface="Roboto Mono Light" pitchFamily="2" charset="0"/>
+              </a:rPr>
               <a:t>iftop</a:t>
             </a:r>
             <a:r>
-              <a:rPr lang="zh-CN" altLang="en-US" sz="2400" dirty="0"/>
+              <a:rPr lang="zh-CN" altLang="en-US" sz="2400" dirty="0">
+                <a:latin typeface="Roboto Mono Light" pitchFamily="2" charset="0"/>
+              </a:rPr>
               <a:t>和</a:t>
             </a:r>
             <a:r>
-              <a:rPr lang="en-US" altLang="zh-CN" sz="2400" dirty="0" err="1"/>
+              <a:rPr lang="en-US" altLang="zh-CN" sz="2400" dirty="0" err="1">
+                <a:latin typeface="Roboto Mono Light" pitchFamily="2" charset="0"/>
+              </a:rPr>
               <a:t>nethogs</a:t>
             </a:r>
             <a:r>
-              <a:rPr lang="zh-CN" altLang="en-US" sz="2400" dirty="0"/>
+              <a:rPr lang="zh-CN" altLang="en-US" sz="2400" dirty="0">
+                <a:latin typeface="Roboto Mono Light" pitchFamily="2" charset="0"/>
+              </a:rPr>
               <a:t>需要安装：</a:t>
             </a:r>
             <a:r>
-              <a:rPr lang="en-US" altLang="zh-CN" sz="2400" dirty="0" err="1"/>
+              <a:rPr lang="en-US" altLang="zh-CN" sz="2400" err="1">
+                <a:latin typeface="Roboto Mono Light" pitchFamily="2" charset="0"/>
+              </a:rPr>
               <a:t>sudo</a:t>
             </a:r>
             <a:r>
-              <a:rPr lang="en-US" altLang="zh-CN" sz="2400" dirty="0"/>
-              <a:t>  apt install </a:t>
-            </a:r>
-            <a:r>
-              <a:rPr lang="en-US" altLang="zh-CN" sz="2400" dirty="0" err="1"/>
+              <a:rPr lang="en-US" altLang="zh-CN" sz="2400">
+                <a:latin typeface="Roboto Mono Light" pitchFamily="2" charset="0"/>
+              </a:rPr>
+              <a:t> apt </a:t>
+            </a:r>
+            <a:r>
+              <a:rPr lang="en-US" altLang="zh-CN" sz="2400" dirty="0">
+                <a:latin typeface="Roboto Mono Light" pitchFamily="2" charset="0"/>
+              </a:rPr>
+              <a:t>install </a:t>
+            </a:r>
+            <a:r>
+              <a:rPr lang="en-US" altLang="zh-CN" sz="2400" err="1">
+                <a:latin typeface="Roboto Mono Light" pitchFamily="2" charset="0"/>
+              </a:rPr>
               <a:t>iftop</a:t>
             </a:r>
             <a:r>
-              <a:rPr lang="en-US" altLang="zh-CN" sz="2400" dirty="0"/>
+              <a:rPr lang="en-US" altLang="zh-CN" sz="2400">
+                <a:latin typeface="Roboto Mono Light" pitchFamily="2" charset="0"/>
+              </a:rPr>
+              <a:t> nethogs</a:t>
+            </a:r>
+            <a:endParaRPr lang="en-US" altLang="zh-CN" sz="2400" dirty="0">
+              <a:latin typeface="Roboto Mono Light" pitchFamily="2" charset="0"/>
+            </a:endParaRPr>
+          </a:p>
+          <a:p>
+            <a:endParaRPr lang="en-US" altLang="zh-CN" sz="2400" dirty="0">
+              <a:latin typeface="Roboto Mono Light" pitchFamily="2" charset="0"/>
+            </a:endParaRPr>
+          </a:p>
+          <a:p>
+            <a:r>
+              <a:rPr lang="en-US" altLang="zh-CN" sz="2400" dirty="0" err="1">
+                <a:latin typeface="Roboto Mono Light" pitchFamily="2" charset="0"/>
+              </a:rPr>
+              <a:t>iftop</a:t>
+            </a:r>
+            <a:r>
+              <a:rPr lang="zh-CN" altLang="en-US" sz="2400" dirty="0">
+                <a:latin typeface="Roboto Mono Light" pitchFamily="2" charset="0"/>
+              </a:rPr>
+              <a:t>监听网络通信情况。运行时需要</a:t>
+            </a:r>
+            <a:r>
+              <a:rPr lang="en-US" altLang="zh-CN" sz="2400" dirty="0">
+                <a:latin typeface="Roboto Mono Light" pitchFamily="2" charset="0"/>
+              </a:rPr>
+              <a:t>root</a:t>
+            </a:r>
+            <a:r>
+              <a:rPr lang="zh-CN" altLang="en-US" sz="2400" dirty="0">
+                <a:latin typeface="Roboto Mono Light" pitchFamily="2" charset="0"/>
+              </a:rPr>
+              <a:t>权限：</a:t>
+            </a:r>
+            <a:r>
+              <a:rPr lang="en-US" altLang="zh-CN" sz="2400" err="1">
+                <a:latin typeface="Roboto Mono Light" pitchFamily="2" charset="0"/>
+              </a:rPr>
+              <a:t>sudo</a:t>
+            </a:r>
+            <a:r>
+              <a:rPr lang="en-US" altLang="zh-CN" sz="2400">
+                <a:latin typeface="Roboto Mono Light" pitchFamily="2" charset="0"/>
+              </a:rPr>
+              <a:t> iftop</a:t>
+            </a:r>
+            <a:endParaRPr lang="en-US" altLang="zh-CN" sz="2400" dirty="0">
+              <a:latin typeface="Roboto Mono Light" pitchFamily="2" charset="0"/>
+            </a:endParaRPr>
+          </a:p>
+          <a:p>
+            <a:endParaRPr lang="en-US" altLang="zh-CN" sz="2400" dirty="0">
+              <a:latin typeface="Roboto Mono Light" pitchFamily="2" charset="0"/>
+            </a:endParaRPr>
+          </a:p>
+          <a:p>
+            <a:r>
+              <a:rPr lang="en-US" altLang="zh-CN" sz="2400" dirty="0" err="1">
+                <a:latin typeface="Roboto Mono Light" pitchFamily="2" charset="0"/>
+              </a:rPr>
+              <a:t>nethogs</a:t>
+            </a:r>
+            <a:r>
+              <a:rPr lang="zh-CN" altLang="en-US" sz="2400" dirty="0">
+                <a:latin typeface="Roboto Mono Light" pitchFamily="2" charset="0"/>
+              </a:rPr>
+              <a:t>监控进程的带宽占用情况。</a:t>
+            </a:r>
+            <a:endParaRPr lang="en-US" altLang="zh-CN" sz="2400" dirty="0">
+              <a:latin typeface="Roboto Mono Light" pitchFamily="2" charset="0"/>
+            </a:endParaRPr>
+          </a:p>
+          <a:p>
+            <a:endParaRPr lang="en-US" altLang="zh-CN" sz="2400" dirty="0">
+              <a:latin typeface="Roboto Mono Light" pitchFamily="2" charset="0"/>
+            </a:endParaRPr>
+          </a:p>
+          <a:p>
+            <a:r>
+              <a:rPr lang="zh-CN" altLang="en-US" sz="2400" dirty="0">
+                <a:latin typeface="Roboto Mono Light" pitchFamily="2" charset="0"/>
+              </a:rPr>
+              <a:t>运行</a:t>
+            </a:r>
+            <a:r>
+              <a:rPr lang="en-US" altLang="zh-CN" sz="2400" dirty="0" err="1">
+                <a:latin typeface="Roboto Mono Light" pitchFamily="2" charset="0"/>
+              </a:rPr>
+              <a:t>nethogs</a:t>
+            </a:r>
+            <a:r>
+              <a:rPr lang="zh-CN" altLang="en-US" sz="2400" dirty="0">
+                <a:latin typeface="Roboto Mono Light" pitchFamily="2" charset="0"/>
+              </a:rPr>
+              <a:t>也需要</a:t>
+            </a:r>
+            <a:r>
+              <a:rPr lang="en-US" altLang="zh-CN" sz="2400" dirty="0">
+                <a:latin typeface="Roboto Mono Light" pitchFamily="2" charset="0"/>
+              </a:rPr>
+              <a:t>root</a:t>
+            </a:r>
+            <a:r>
+              <a:rPr lang="zh-CN" altLang="en-US" sz="2400" dirty="0">
+                <a:latin typeface="Roboto Mono Light" pitchFamily="2" charset="0"/>
+              </a:rPr>
+              <a:t>权限：</a:t>
+            </a:r>
+            <a:r>
+              <a:rPr lang="en-US" altLang="zh-CN" sz="2400" dirty="0" err="1">
+                <a:latin typeface="Roboto Mono Light" pitchFamily="2" charset="0"/>
+              </a:rPr>
+              <a:t>sudo</a:t>
+            </a:r>
+            <a:r>
+              <a:rPr lang="en-US" altLang="zh-CN" sz="2400" dirty="0">
+                <a:latin typeface="Roboto Mono Light" pitchFamily="2" charset="0"/>
+              </a:rPr>
               <a:t>  </a:t>
             </a:r>
             <a:r>
-              <a:rPr lang="en-US" altLang="zh-CN" sz="2400" dirty="0" err="1"/>
+              <a:rPr lang="en-US" altLang="zh-CN" sz="2400" dirty="0" err="1">
+                <a:latin typeface="Roboto Mono Light" pitchFamily="2" charset="0"/>
+              </a:rPr>
               <a:t>nethogs</a:t>
             </a:r>
-            <a:endParaRPr lang="en-US" altLang="zh-CN" sz="2400" dirty="0"/>
-          </a:p>
-          <a:p>
-            <a:endParaRPr lang="en-US" altLang="zh-CN" sz="2400" dirty="0"/>
-          </a:p>
-          <a:p>
-            <a:r>
-              <a:rPr lang="en-US" altLang="zh-CN" sz="2400" dirty="0" err="1"/>
-              <a:t>iftop</a:t>
-            </a:r>
-            <a:r>
-              <a:rPr lang="zh-CN" altLang="en-US" sz="2400" dirty="0"/>
-              <a:t>监听网络通信情况。运行时需要</a:t>
-            </a:r>
-            <a:r>
-              <a:rPr lang="en-US" altLang="zh-CN" sz="2400" dirty="0"/>
-              <a:t>root</a:t>
-            </a:r>
-            <a:r>
-              <a:rPr lang="zh-CN" altLang="en-US" sz="2400" dirty="0"/>
-              <a:t>权限：</a:t>
-            </a:r>
-            <a:r>
-              <a:rPr lang="en-US" altLang="zh-CN" sz="2400" dirty="0" err="1"/>
-              <a:t>sudo</a:t>
-            </a:r>
-            <a:r>
-              <a:rPr lang="en-US" altLang="zh-CN" sz="2400" dirty="0"/>
-              <a:t>  </a:t>
-            </a:r>
-            <a:r>
-              <a:rPr lang="en-US" altLang="zh-CN" sz="2400" dirty="0" err="1"/>
-              <a:t>iftop</a:t>
-            </a:r>
-            <a:endParaRPr lang="en-US" altLang="zh-CN" sz="2400" dirty="0"/>
-          </a:p>
-          <a:p>
-            <a:endParaRPr lang="en-US" altLang="zh-CN" sz="2400" dirty="0"/>
-          </a:p>
-          <a:p>
-            <a:r>
-              <a:rPr lang="en-US" altLang="zh-CN" sz="2400" dirty="0" err="1"/>
-              <a:t>nethogs</a:t>
-            </a:r>
-            <a:r>
-              <a:rPr lang="zh-CN" altLang="en-US" sz="2400" dirty="0"/>
-              <a:t>监控进程的带宽占用情况。</a:t>
-            </a:r>
-            <a:endParaRPr lang="en-US" altLang="zh-CN" sz="2400" dirty="0"/>
-          </a:p>
-          <a:p>
-            <a:endParaRPr lang="en-US" altLang="zh-CN" sz="2400" dirty="0"/>
-          </a:p>
-          <a:p>
-            <a:r>
-              <a:rPr lang="zh-CN" altLang="en-US" sz="2400" dirty="0"/>
-              <a:t>运行</a:t>
-            </a:r>
-            <a:r>
-              <a:rPr lang="en-US" altLang="zh-CN" sz="2400" dirty="0" err="1"/>
-              <a:t>nethogs</a:t>
-            </a:r>
-            <a:r>
-              <a:rPr lang="zh-CN" altLang="en-US" sz="2400" dirty="0"/>
-              <a:t>也需要</a:t>
-            </a:r>
-            <a:r>
-              <a:rPr lang="en-US" altLang="zh-CN" sz="2400" dirty="0"/>
-              <a:t>root</a:t>
-            </a:r>
-            <a:r>
-              <a:rPr lang="zh-CN" altLang="en-US" sz="2400" dirty="0"/>
-              <a:t>权限：</a:t>
-            </a:r>
-            <a:r>
-              <a:rPr lang="en-US" altLang="zh-CN" sz="2400" dirty="0" err="1"/>
-              <a:t>sudo</a:t>
-            </a:r>
-            <a:r>
-              <a:rPr lang="en-US" altLang="zh-CN" sz="2400" dirty="0"/>
-              <a:t>  </a:t>
-            </a:r>
-            <a:r>
-              <a:rPr lang="en-US" altLang="zh-CN" sz="2400" dirty="0" err="1"/>
-              <a:t>nethogs</a:t>
-            </a:r>
-            <a:endParaRPr lang="en-US" altLang="zh-CN" sz="2400" dirty="0"/>
+            <a:endParaRPr lang="en-US" altLang="zh-CN" sz="2400" dirty="0">
+              <a:latin typeface="Roboto Mono Light" pitchFamily="2" charset="0"/>
+            </a:endParaRPr>
           </a:p>
         </p:txBody>
       </p:sp>
@@ -8981,6 +10273,111 @@
           <a:lstStyle/>
           <a:p>
             <a:r>
+              <a:rPr lang="en-US" altLang="zh-CN" sz="2400"/>
+              <a:t>Ubuntu16.04</a:t>
+            </a:r>
+            <a:r>
+              <a:rPr lang="zh-CN" altLang="en-US" sz="2400"/>
+              <a:t>以及之前版本在配置文件</a:t>
+            </a:r>
+            <a:r>
+              <a:rPr lang="en-US" altLang="zh-CN" sz="2400"/>
+              <a:t>/</a:t>
+            </a:r>
+            <a:r>
+              <a:rPr lang="en-US" altLang="zh-CN" sz="2400" dirty="0" err="1"/>
+              <a:t>etc</a:t>
+            </a:r>
+            <a:r>
+              <a:rPr lang="en-US" altLang="zh-CN" sz="2400" dirty="0"/>
+              <a:t>/networks/interfaces</a:t>
+            </a:r>
+            <a:r>
+              <a:rPr lang="zh-CN" altLang="en-US" sz="2400" dirty="0"/>
+              <a:t>记录了网络接口（网卡）的配置，网络服务根据此配置初始化网络</a:t>
+            </a:r>
+            <a:r>
+              <a:rPr lang="zh-CN" altLang="en-US" sz="2400"/>
+              <a:t>服务。</a:t>
+            </a:r>
+            <a:endParaRPr lang="en-US" altLang="zh-CN" sz="2400"/>
+          </a:p>
+          <a:p>
+            <a:r>
+              <a:rPr lang="en-US" altLang="zh-CN" sz="2400"/>
+              <a:t>Ubuntu16.04</a:t>
+            </a:r>
+            <a:r>
+              <a:rPr lang="zh-CN" altLang="en-US" sz="2400"/>
+              <a:t>以及之前版本使用</a:t>
+            </a:r>
+            <a:r>
+              <a:rPr lang="en-US" altLang="zh-CN" sz="2400"/>
+              <a:t>ifup</a:t>
+            </a:r>
+            <a:r>
+              <a:rPr lang="zh-CN" altLang="en-US" sz="2400"/>
+              <a:t>和</a:t>
+            </a:r>
+            <a:r>
+              <a:rPr lang="en-US" altLang="zh-CN" sz="2400"/>
+              <a:t>ifdown</a:t>
+            </a:r>
+            <a:r>
+              <a:rPr lang="zh-CN" altLang="en-US" sz="2400"/>
+              <a:t>启用和停用网卡。</a:t>
+            </a:r>
+            <a:r>
+              <a:rPr lang="en-US" altLang="zh-CN" sz="2400"/>
+              <a:t>ifdown</a:t>
+            </a:r>
+            <a:r>
+              <a:rPr lang="zh-CN" altLang="en-US" sz="2400"/>
+              <a:t>命令慎用，远程服务器托管在机房，可能停用就导致本地客户端连接中断，此时就无法远程连接操作服务器了。</a:t>
+            </a:r>
+            <a:endParaRPr lang="en-US" altLang="zh-CN" sz="2400" dirty="0"/>
+          </a:p>
+          <a:p>
+            <a:endParaRPr lang="en-US" altLang="zh-CN" sz="2400" dirty="0"/>
+          </a:p>
+          <a:p>
+            <a:r>
+              <a:rPr lang="en-US" altLang="zh-CN" sz="2400" dirty="0"/>
+              <a:t>Ubuntu18.04</a:t>
+            </a:r>
+            <a:r>
+              <a:rPr lang="zh-CN" altLang="en-US" sz="2400" dirty="0"/>
+              <a:t>版本改动比较大，使用</a:t>
+            </a:r>
+            <a:r>
+              <a:rPr lang="en-US" altLang="zh-CN" sz="2400" dirty="0" err="1"/>
+              <a:t>netplan</a:t>
+            </a:r>
+            <a:r>
+              <a:rPr lang="zh-CN" altLang="en-US" sz="2400" dirty="0"/>
+              <a:t>替换</a:t>
+            </a:r>
+            <a:r>
+              <a:rPr lang="zh-CN" altLang="en-US" sz="2400"/>
+              <a:t>了</a:t>
+            </a:r>
+            <a:r>
+              <a:rPr lang="en-US" altLang="zh-CN" sz="2400"/>
+              <a:t>ifup,ifdown</a:t>
+            </a:r>
+            <a:r>
+              <a:rPr lang="zh-CN" altLang="en-US" sz="2400" dirty="0"/>
+              <a:t>。</a:t>
+            </a:r>
+            <a:r>
+              <a:rPr lang="en-US" altLang="zh-CN" sz="2400" dirty="0"/>
+              <a:t>18.04</a:t>
+            </a:r>
+            <a:r>
+              <a:rPr lang="zh-CN" altLang="en-US" sz="2400" dirty="0"/>
+              <a:t>版本的配置在</a:t>
+            </a:r>
+            <a:r>
               <a:rPr lang="en-US" altLang="zh-CN" sz="2400" dirty="0"/>
               <a:t>/</a:t>
             </a:r>
@@ -8990,73 +10387,67 @@
             </a:r>
             <a:r>
               <a:rPr lang="en-US" altLang="zh-CN" sz="2400" dirty="0"/>
-              <a:t>/networks/interfaces</a:t>
-            </a:r>
-            <a:r>
-              <a:rPr lang="zh-CN" altLang="en-US" sz="2400" dirty="0"/>
-              <a:t>记录了网络接口（网卡）的配置，网络服务根据此配置初始化网络服务。</a:t>
-            </a:r>
-            <a:endParaRPr lang="en-US" altLang="zh-CN" sz="2400" dirty="0"/>
-          </a:p>
-          <a:p>
-            <a:endParaRPr lang="en-US" altLang="zh-CN" sz="2400" dirty="0"/>
-          </a:p>
-          <a:p>
-            <a:r>
-              <a:rPr lang="en-US" altLang="zh-CN" sz="2400" dirty="0"/>
-              <a:t>Ubuntu18.04</a:t>
-            </a:r>
-            <a:r>
-              <a:rPr lang="zh-CN" altLang="en-US" sz="2400" dirty="0"/>
-              <a:t>版本改动比较大，使用</a:t>
-            </a:r>
-            <a:r>
-              <a:rPr lang="en-US" altLang="zh-CN" sz="2400" dirty="0" err="1"/>
+              <a:t>/</a:t>
+            </a:r>
+            <a:r>
+              <a:rPr lang="en-US" altLang="zh-CN" sz="2400" err="1"/>
               <a:t>netplan</a:t>
             </a:r>
             <a:r>
-              <a:rPr lang="zh-CN" altLang="en-US" sz="2400" dirty="0"/>
-              <a:t>替换了</a:t>
-            </a:r>
-            <a:r>
-              <a:rPr lang="en-US" altLang="zh-CN" sz="2400" dirty="0" err="1"/>
-              <a:t>ifupdown</a:t>
-            </a:r>
-            <a:r>
-              <a:rPr lang="zh-CN" altLang="en-US" sz="2400" dirty="0"/>
-              <a:t>。</a:t>
-            </a:r>
-            <a:r>
-              <a:rPr lang="en-US" altLang="zh-CN" sz="2400" dirty="0"/>
-              <a:t>18.04</a:t>
-            </a:r>
-            <a:r>
-              <a:rPr lang="zh-CN" altLang="en-US" sz="2400" dirty="0"/>
-              <a:t>版本的配置在</a:t>
-            </a:r>
-            <a:r>
-              <a:rPr lang="en-US" altLang="zh-CN" sz="2400" dirty="0"/>
-              <a:t>/</a:t>
-            </a:r>
-            <a:r>
-              <a:rPr lang="en-US" altLang="zh-CN" sz="2400" dirty="0" err="1"/>
-              <a:t>etc</a:t>
-            </a:r>
-            <a:r>
-              <a:rPr lang="en-US" altLang="zh-CN" sz="2400" dirty="0"/>
-              <a:t>/</a:t>
-            </a:r>
-            <a:r>
-              <a:rPr lang="en-US" altLang="zh-CN" sz="2400" dirty="0" err="1"/>
-              <a:t>netplan</a:t>
-            </a:r>
-            <a:r>
-              <a:rPr lang="en-US" altLang="zh-CN" sz="2400" dirty="0"/>
+              <a:rPr lang="en-US" altLang="zh-CN" sz="2400"/>
               <a:t>/***</a:t>
             </a:r>
-            <a:endParaRPr lang="en-US" altLang="zh-CN" sz="2000" dirty="0"/>
-          </a:p>
-          <a:p>
+            <a:r>
+              <a:rPr lang="zh-CN" altLang="en-US" sz="2400"/>
+              <a:t>；星号表示配置文件，</a:t>
+            </a:r>
+            <a:r>
+              <a:rPr lang="en-US" altLang="zh-CN" sz="2400"/>
+              <a:t>Server</a:t>
+            </a:r>
+            <a:r>
+              <a:rPr lang="zh-CN" altLang="en-US" sz="2400"/>
+              <a:t>版本和</a:t>
+            </a:r>
+            <a:r>
+              <a:rPr lang="en-US" altLang="zh-CN" sz="2400"/>
+              <a:t>Desktop</a:t>
+            </a:r>
+            <a:r>
+              <a:rPr lang="zh-CN" altLang="en-US" sz="2400"/>
+              <a:t>版本配置文件名称不同。</a:t>
+            </a:r>
+            <a:endParaRPr lang="en-US" altLang="zh-CN" sz="2400"/>
+          </a:p>
+          <a:p>
+            <a:r>
+              <a:rPr lang="zh-CN" altLang="en-US" sz="2400"/>
+              <a:t>在测试机器上，</a:t>
+            </a:r>
+            <a:r>
+              <a:rPr lang="en-US" altLang="zh-CN" sz="2400"/>
+              <a:t>UbutnuServer18.04</a:t>
+            </a:r>
+            <a:r>
+              <a:rPr lang="zh-CN" altLang="en-US" sz="2400"/>
+              <a:t>的配置文件为：</a:t>
+            </a:r>
+            <a:endParaRPr lang="en-US" altLang="zh-CN" sz="2400"/>
+          </a:p>
+          <a:p>
+            <a:pPr marL="457200" lvl="1" indent="0">
+              <a:buNone/>
+            </a:pPr>
+            <a:r>
+              <a:rPr lang="en-US" altLang="zh-CN"/>
+              <a:t>/etc/netplan/50-cloud-init.yaml</a:t>
+            </a:r>
+            <a:endParaRPr lang="en-US" altLang="zh-CN" dirty="0"/>
+          </a:p>
+          <a:p>
+            <a:pPr marL="0" indent="0">
+              <a:buNone/>
+            </a:pPr>
             <a:endParaRPr lang="en-US" altLang="zh-CN" sz="2000" dirty="0"/>
           </a:p>
         </p:txBody>
@@ -9123,28 +10514,227 @@
           </a:p>
         </p:txBody>
       </p:sp>
-      <p:sp>
-        <p:nvSpPr>
-          <p:cNvPr id="3" name="内容占位符 2">
-            <a:extLst>
-              <a:ext uri="{FF2B5EF4-FFF2-40B4-BE49-F238E27FC236}">
-                <a16:creationId xmlns:a16="http://schemas.microsoft.com/office/drawing/2014/main" id="{0A1C6B17-780B-4799-8193-E52FD817AC0E}"/>
-              </a:ext>
-            </a:extLst>
-          </p:cNvPr>
-          <p:cNvSpPr>
-            <a:spLocks noGrp="1"/>
-          </p:cNvSpPr>
+      <p:pic>
+        <p:nvPicPr>
+          <p:cNvPr id="5" name="内容占位符 4">
+            <a:extLst>
+              <a:ext uri="{FF2B5EF4-FFF2-40B4-BE49-F238E27FC236}">
+                <a16:creationId xmlns:a16="http://schemas.microsoft.com/office/drawing/2014/main" id="{D612760B-B58A-41B6-B3AB-E6C7A7AA509D}"/>
+              </a:ext>
+            </a:extLst>
+          </p:cNvPr>
+          <p:cNvPicPr>
+            <a:picLocks noGrp="1" noChangeAspect="1"/>
+          </p:cNvPicPr>
           <p:nvPr>
             <p:ph idx="1"/>
           </p:nvPr>
-        </p:nvSpPr>
-        <p:spPr/>
-        <p:txBody>
-          <a:bodyPr/>
-          <a:lstStyle/>
-          <a:p>
-            <a:endParaRPr lang="en-US" altLang="zh-CN" sz="2000" dirty="0"/>
+        </p:nvPicPr>
+        <p:blipFill>
+          <a:blip r:embed="rId2">
+            <a:extLst>
+              <a:ext uri="{28A0092B-C50C-407E-A947-70E740481C1C}">
+                <a14:useLocalDpi xmlns:a14="http://schemas.microsoft.com/office/drawing/2010/main" val="0"/>
+              </a:ext>
+            </a:extLst>
+          </a:blip>
+          <a:stretch>
+            <a:fillRect/>
+          </a:stretch>
+        </p:blipFill>
+        <p:spPr>
+          <a:xfrm>
+            <a:off x="3786436" y="1644442"/>
+            <a:ext cx="7567364" cy="4721189"/>
+          </a:xfrm>
+        </p:spPr>
+      </p:pic>
+      <p:cxnSp>
+        <p:nvCxnSpPr>
+          <p:cNvPr id="7" name="直接箭头连接符 6">
+            <a:extLst>
+              <a:ext uri="{FF2B5EF4-FFF2-40B4-BE49-F238E27FC236}">
+                <a16:creationId xmlns:a16="http://schemas.microsoft.com/office/drawing/2014/main" id="{0B797BC0-87D1-4F92-97DA-86DD9E7966FD}"/>
+              </a:ext>
+            </a:extLst>
+          </p:cNvPr>
+          <p:cNvCxnSpPr>
+            <a:cxnSpLocks/>
+          </p:cNvCxnSpPr>
+          <p:nvPr/>
+        </p:nvCxnSpPr>
+        <p:spPr>
+          <a:xfrm>
+            <a:off x="2453054" y="4985239"/>
+            <a:ext cx="1230922" cy="0"/>
+          </a:xfrm>
+          <a:prstGeom prst="straightConnector1">
+            <a:avLst/>
+          </a:prstGeom>
+          <a:ln>
+            <a:tailEnd type="triangle"/>
+          </a:ln>
+        </p:spPr>
+        <p:style>
+          <a:lnRef idx="1">
+            <a:schemeClr val="dk1"/>
+          </a:lnRef>
+          <a:fillRef idx="0">
+            <a:schemeClr val="dk1"/>
+          </a:fillRef>
+          <a:effectRef idx="0">
+            <a:schemeClr val="dk1"/>
+          </a:effectRef>
+          <a:fontRef idx="minor">
+            <a:schemeClr val="tx1"/>
+          </a:fontRef>
+        </p:style>
+      </p:cxnSp>
+      <p:sp>
+        <p:nvSpPr>
+          <p:cNvPr id="9" name="矩形 8">
+            <a:extLst>
+              <a:ext uri="{FF2B5EF4-FFF2-40B4-BE49-F238E27FC236}">
+                <a16:creationId xmlns:a16="http://schemas.microsoft.com/office/drawing/2014/main" id="{9227839C-632C-47EB-A8DD-5872C411FF0E}"/>
+              </a:ext>
+            </a:extLst>
+          </p:cNvPr>
+          <p:cNvSpPr/>
+          <p:nvPr/>
+        </p:nvSpPr>
+        <p:spPr>
+          <a:xfrm>
+            <a:off x="838200" y="4667118"/>
+            <a:ext cx="1614854" cy="772367"/>
+          </a:xfrm>
+          <a:prstGeom prst="rect">
+            <a:avLst/>
+          </a:prstGeom>
+        </p:spPr>
+        <p:style>
+          <a:lnRef idx="2">
+            <a:schemeClr val="dk1"/>
+          </a:lnRef>
+          <a:fillRef idx="1">
+            <a:schemeClr val="lt1"/>
+          </a:fillRef>
+          <a:effectRef idx="0">
+            <a:schemeClr val="dk1"/>
+          </a:effectRef>
+          <a:fontRef idx="minor">
+            <a:schemeClr val="dk1"/>
+          </a:fontRef>
+        </p:style>
+        <p:txBody>
+          <a:bodyPr rtlCol="0" anchor="ctr"/>
+          <a:lstStyle/>
+          <a:p>
+            <a:pPr algn="ctr"/>
+            <a:r>
+              <a:rPr lang="zh-CN" altLang="en-US" sz="2400"/>
+              <a:t>静态</a:t>
+            </a:r>
+            <a:r>
+              <a:rPr lang="en-US" altLang="zh-CN" sz="2400"/>
+              <a:t>IP</a:t>
+            </a:r>
+            <a:r>
+              <a:rPr lang="zh-CN" altLang="en-US" sz="2400"/>
+              <a:t>设置</a:t>
+            </a:r>
+            <a:endParaRPr lang="zh-CN" altLang="en-US"/>
+          </a:p>
+        </p:txBody>
+      </p:sp>
+      <p:cxnSp>
+        <p:nvCxnSpPr>
+          <p:cNvPr id="10" name="直接箭头连接符 9">
+            <a:extLst>
+              <a:ext uri="{FF2B5EF4-FFF2-40B4-BE49-F238E27FC236}">
+                <a16:creationId xmlns:a16="http://schemas.microsoft.com/office/drawing/2014/main" id="{C21DBFBD-F0D9-4FA7-8394-0BC05F04E0F5}"/>
+              </a:ext>
+            </a:extLst>
+          </p:cNvPr>
+          <p:cNvCxnSpPr>
+            <a:cxnSpLocks/>
+          </p:cNvCxnSpPr>
+          <p:nvPr/>
+        </p:nvCxnSpPr>
+        <p:spPr>
+          <a:xfrm>
+            <a:off x="2453054" y="3713285"/>
+            <a:ext cx="1230922" cy="0"/>
+          </a:xfrm>
+          <a:prstGeom prst="straightConnector1">
+            <a:avLst/>
+          </a:prstGeom>
+          <a:ln>
+            <a:tailEnd type="triangle"/>
+          </a:ln>
+        </p:spPr>
+        <p:style>
+          <a:lnRef idx="1">
+            <a:schemeClr val="dk1"/>
+          </a:lnRef>
+          <a:fillRef idx="0">
+            <a:schemeClr val="dk1"/>
+          </a:fillRef>
+          <a:effectRef idx="0">
+            <a:schemeClr val="dk1"/>
+          </a:effectRef>
+          <a:fontRef idx="minor">
+            <a:schemeClr val="tx1"/>
+          </a:fontRef>
+        </p:style>
+      </p:cxnSp>
+      <p:sp>
+        <p:nvSpPr>
+          <p:cNvPr id="12" name="矩形 11">
+            <a:extLst>
+              <a:ext uri="{FF2B5EF4-FFF2-40B4-BE49-F238E27FC236}">
+                <a16:creationId xmlns:a16="http://schemas.microsoft.com/office/drawing/2014/main" id="{704C08A5-0C22-4471-A07F-61D6DE5D11A4}"/>
+              </a:ext>
+            </a:extLst>
+          </p:cNvPr>
+          <p:cNvSpPr/>
+          <p:nvPr/>
+        </p:nvSpPr>
+        <p:spPr>
+          <a:xfrm>
+            <a:off x="838200" y="3430334"/>
+            <a:ext cx="1614854" cy="772383"/>
+          </a:xfrm>
+          <a:prstGeom prst="rect">
+            <a:avLst/>
+          </a:prstGeom>
+        </p:spPr>
+        <p:style>
+          <a:lnRef idx="2">
+            <a:schemeClr val="dk1"/>
+          </a:lnRef>
+          <a:fillRef idx="1">
+            <a:schemeClr val="lt1"/>
+          </a:fillRef>
+          <a:effectRef idx="0">
+            <a:schemeClr val="dk1"/>
+          </a:effectRef>
+          <a:fontRef idx="minor">
+            <a:schemeClr val="dk1"/>
+          </a:fontRef>
+        </p:style>
+        <p:txBody>
+          <a:bodyPr rtlCol="0" anchor="ctr"/>
+          <a:lstStyle/>
+          <a:p>
+            <a:pPr algn="ctr"/>
+            <a:r>
+              <a:rPr lang="en-US" altLang="zh-CN" sz="2400"/>
+              <a:t>#</a:t>
+            </a:r>
+            <a:r>
+              <a:rPr lang="zh-CN" altLang="en-US" sz="2400"/>
+              <a:t>开头表示注释</a:t>
+            </a:r>
           </a:p>
         </p:txBody>
       </p:sp>
@@ -9210,28 +10800,168 @@
           </a:p>
         </p:txBody>
       </p:sp>
-      <p:sp>
-        <p:nvSpPr>
-          <p:cNvPr id="3" name="内容占位符 2">
-            <a:extLst>
-              <a:ext uri="{FF2B5EF4-FFF2-40B4-BE49-F238E27FC236}">
-                <a16:creationId xmlns:a16="http://schemas.microsoft.com/office/drawing/2014/main" id="{0A1C6B17-780B-4799-8193-E52FD817AC0E}"/>
-              </a:ext>
-            </a:extLst>
-          </p:cNvPr>
-          <p:cNvSpPr>
-            <a:spLocks noGrp="1"/>
-          </p:cNvSpPr>
+      <p:pic>
+        <p:nvPicPr>
+          <p:cNvPr id="5" name="内容占位符 4">
+            <a:extLst>
+              <a:ext uri="{FF2B5EF4-FFF2-40B4-BE49-F238E27FC236}">
+                <a16:creationId xmlns:a16="http://schemas.microsoft.com/office/drawing/2014/main" id="{3764617D-CD41-4314-9E64-C5FF13A11D57}"/>
+              </a:ext>
+            </a:extLst>
+          </p:cNvPr>
+          <p:cNvPicPr>
+            <a:picLocks noGrp="1" noChangeAspect="1"/>
+          </p:cNvPicPr>
           <p:nvPr>
             <p:ph idx="1"/>
           </p:nvPr>
-        </p:nvSpPr>
-        <p:spPr/>
-        <p:txBody>
-          <a:bodyPr/>
-          <a:lstStyle/>
-          <a:p>
-            <a:endParaRPr lang="en-US" altLang="zh-CN" sz="2000" dirty="0"/>
+        </p:nvPicPr>
+        <p:blipFill>
+          <a:blip r:embed="rId2">
+            <a:extLst>
+              <a:ext uri="{28A0092B-C50C-407E-A947-70E740481C1C}">
+                <a14:useLocalDpi xmlns:a14="http://schemas.microsoft.com/office/drawing/2010/main" val="0"/>
+              </a:ext>
+            </a:extLst>
+          </a:blip>
+          <a:stretch>
+            <a:fillRect/>
+          </a:stretch>
+        </p:blipFill>
+        <p:spPr>
+          <a:xfrm>
+            <a:off x="894606" y="1606342"/>
+            <a:ext cx="8093162" cy="4636197"/>
+          </a:xfrm>
+        </p:spPr>
+      </p:pic>
+      <p:cxnSp>
+        <p:nvCxnSpPr>
+          <p:cNvPr id="7" name="直接箭头连接符 6">
+            <a:extLst>
+              <a:ext uri="{FF2B5EF4-FFF2-40B4-BE49-F238E27FC236}">
+                <a16:creationId xmlns:a16="http://schemas.microsoft.com/office/drawing/2014/main" id="{95F9C8A9-7DC8-47F5-89DF-EB8FA624F55A}"/>
+              </a:ext>
+            </a:extLst>
+          </p:cNvPr>
+          <p:cNvCxnSpPr/>
+          <p:nvPr/>
+        </p:nvCxnSpPr>
+        <p:spPr>
+          <a:xfrm flipH="1">
+            <a:off x="9056077" y="4870938"/>
+            <a:ext cx="1222131" cy="0"/>
+          </a:xfrm>
+          <a:prstGeom prst="straightConnector1">
+            <a:avLst/>
+          </a:prstGeom>
+          <a:ln>
+            <a:tailEnd type="triangle"/>
+          </a:ln>
+        </p:spPr>
+        <p:style>
+          <a:lnRef idx="1">
+            <a:schemeClr val="dk1"/>
+          </a:lnRef>
+          <a:fillRef idx="0">
+            <a:schemeClr val="dk1"/>
+          </a:fillRef>
+          <a:effectRef idx="0">
+            <a:schemeClr val="dk1"/>
+          </a:effectRef>
+          <a:fontRef idx="minor">
+            <a:schemeClr val="tx1"/>
+          </a:fontRef>
+        </p:style>
+      </p:cxnSp>
+      <p:cxnSp>
+        <p:nvCxnSpPr>
+          <p:cNvPr id="9" name="直接连接符 8">
+            <a:extLst>
+              <a:ext uri="{FF2B5EF4-FFF2-40B4-BE49-F238E27FC236}">
+                <a16:creationId xmlns:a16="http://schemas.microsoft.com/office/drawing/2014/main" id="{AB6BEE23-0A0B-433D-B285-E69C8B216B55}"/>
+              </a:ext>
+            </a:extLst>
+          </p:cNvPr>
+          <p:cNvCxnSpPr/>
+          <p:nvPr/>
+        </p:nvCxnSpPr>
+        <p:spPr>
+          <a:xfrm flipV="1">
+            <a:off x="10278209" y="3552090"/>
+            <a:ext cx="0" cy="1310054"/>
+          </a:xfrm>
+          <a:prstGeom prst="line">
+            <a:avLst/>
+          </a:prstGeom>
+        </p:spPr>
+        <p:style>
+          <a:lnRef idx="1">
+            <a:schemeClr val="dk1"/>
+          </a:lnRef>
+          <a:fillRef idx="0">
+            <a:schemeClr val="dk1"/>
+          </a:fillRef>
+          <a:effectRef idx="0">
+            <a:schemeClr val="dk1"/>
+          </a:effectRef>
+          <a:fontRef idx="minor">
+            <a:schemeClr val="tx1"/>
+          </a:fontRef>
+        </p:style>
+      </p:cxnSp>
+      <p:sp>
+        <p:nvSpPr>
+          <p:cNvPr id="10" name="矩形 9">
+            <a:extLst>
+              <a:ext uri="{FF2B5EF4-FFF2-40B4-BE49-F238E27FC236}">
+                <a16:creationId xmlns:a16="http://schemas.microsoft.com/office/drawing/2014/main" id="{49C53C49-EE7E-4202-A665-A1EDCF0EACF5}"/>
+              </a:ext>
+            </a:extLst>
+          </p:cNvPr>
+          <p:cNvSpPr/>
+          <p:nvPr/>
+        </p:nvSpPr>
+        <p:spPr>
+          <a:xfrm>
+            <a:off x="9495692" y="2523392"/>
+            <a:ext cx="2242035" cy="1019899"/>
+          </a:xfrm>
+          <a:prstGeom prst="rect">
+            <a:avLst/>
+          </a:prstGeom>
+        </p:spPr>
+        <p:style>
+          <a:lnRef idx="2">
+            <a:schemeClr val="dk1"/>
+          </a:lnRef>
+          <a:fillRef idx="1">
+            <a:schemeClr val="lt1"/>
+          </a:fillRef>
+          <a:effectRef idx="0">
+            <a:schemeClr val="dk1"/>
+          </a:effectRef>
+          <a:fontRef idx="minor">
+            <a:schemeClr val="dk1"/>
+          </a:fontRef>
+        </p:style>
+        <p:txBody>
+          <a:bodyPr rtlCol="0" anchor="ctr"/>
+          <a:lstStyle/>
+          <a:p>
+            <a:pPr algn="ctr"/>
+            <a:r>
+              <a:rPr lang="zh-CN" altLang="en-US" sz="2400"/>
+              <a:t>可以有多个</a:t>
+            </a:r>
+            <a:r>
+              <a:rPr lang="en-US" altLang="zh-CN" sz="2400"/>
+              <a:t>IP</a:t>
+            </a:r>
+            <a:r>
+              <a:rPr lang="zh-CN" altLang="en-US" sz="2400"/>
+              <a:t>地址</a:t>
+            </a:r>
           </a:p>
         </p:txBody>
       </p:sp>

--- a/materials/slides/ch10-network.pptx
+++ b/materials/slides/ch10-network.pptx
@@ -281,7 +281,7 @@
           <a:p>
             <a:fld id="{02E60DA2-A0BC-48C9-AA88-75C78721B420}" type="datetimeFigureOut">
               <a:rPr lang="zh-CN" altLang="en-US" smtClean="0"/>
-              <a:t>2018/5/7</a:t>
+              <a:t>2018/5/10</a:t>
             </a:fld>
             <a:endParaRPr lang="zh-CN" altLang="en-US"/>
           </a:p>
@@ -503,7 +503,7 @@
           <a:p>
             <a:fld id="{02E60DA2-A0BC-48C9-AA88-75C78721B420}" type="datetimeFigureOut">
               <a:rPr lang="zh-CN" altLang="en-US" smtClean="0"/>
-              <a:t>2018/5/7</a:t>
+              <a:t>2018/5/10</a:t>
             </a:fld>
             <a:endParaRPr lang="zh-CN" altLang="en-US"/>
           </a:p>
@@ -735,7 +735,7 @@
           <a:p>
             <a:fld id="{02E60DA2-A0BC-48C9-AA88-75C78721B420}" type="datetimeFigureOut">
               <a:rPr lang="zh-CN" altLang="en-US" smtClean="0"/>
-              <a:t>2018/5/7</a:t>
+              <a:t>2018/5/10</a:t>
             </a:fld>
             <a:endParaRPr lang="zh-CN" altLang="en-US"/>
           </a:p>
@@ -985,7 +985,7 @@
           <a:p>
             <a:fld id="{02E60DA2-A0BC-48C9-AA88-75C78721B420}" type="datetimeFigureOut">
               <a:rPr lang="zh-CN" altLang="en-US" smtClean="0"/>
-              <a:t>2018/5/7</a:t>
+              <a:t>2018/5/10</a:t>
             </a:fld>
             <a:endParaRPr lang="zh-CN" altLang="en-US"/>
           </a:p>
@@ -1223,7 +1223,7 @@
           <a:p>
             <a:fld id="{02E60DA2-A0BC-48C9-AA88-75C78721B420}" type="datetimeFigureOut">
               <a:rPr lang="zh-CN" altLang="en-US" smtClean="0"/>
-              <a:t>2018/5/7</a:t>
+              <a:t>2018/5/10</a:t>
             </a:fld>
             <a:endParaRPr lang="zh-CN" altLang="en-US"/>
           </a:p>
@@ -1528,7 +1528,7 @@
           <a:p>
             <a:fld id="{02E60DA2-A0BC-48C9-AA88-75C78721B420}" type="datetimeFigureOut">
               <a:rPr lang="zh-CN" altLang="en-US" smtClean="0"/>
-              <a:t>2018/5/7</a:t>
+              <a:t>2018/5/10</a:t>
             </a:fld>
             <a:endParaRPr lang="zh-CN" altLang="en-US"/>
           </a:p>
@@ -1831,7 +1831,7 @@
           <a:p>
             <a:fld id="{02E60DA2-A0BC-48C9-AA88-75C78721B420}" type="datetimeFigureOut">
               <a:rPr lang="zh-CN" altLang="en-US" smtClean="0"/>
-              <a:t>2018/5/7</a:t>
+              <a:t>2018/5/10</a:t>
             </a:fld>
             <a:endParaRPr lang="zh-CN" altLang="en-US"/>
           </a:p>
@@ -2282,7 +2282,7 @@
           <a:p>
             <a:fld id="{02E60DA2-A0BC-48C9-AA88-75C78721B420}" type="datetimeFigureOut">
               <a:rPr lang="zh-CN" altLang="en-US" smtClean="0"/>
-              <a:t>2018/5/7</a:t>
+              <a:t>2018/5/10</a:t>
             </a:fld>
             <a:endParaRPr lang="zh-CN" altLang="en-US"/>
           </a:p>
@@ -2455,7 +2455,7 @@
           <a:p>
             <a:fld id="{02E60DA2-A0BC-48C9-AA88-75C78721B420}" type="datetimeFigureOut">
               <a:rPr lang="zh-CN" altLang="en-US" smtClean="0"/>
-              <a:t>2018/5/7</a:t>
+              <a:t>2018/5/10</a:t>
             </a:fld>
             <a:endParaRPr lang="zh-CN" altLang="en-US"/>
           </a:p>
@@ -2592,7 +2592,7 @@
           <a:p>
             <a:fld id="{02E60DA2-A0BC-48C9-AA88-75C78721B420}" type="datetimeFigureOut">
               <a:rPr lang="zh-CN" altLang="en-US" smtClean="0"/>
-              <a:t>2018/5/7</a:t>
+              <a:t>2018/5/10</a:t>
             </a:fld>
             <a:endParaRPr lang="zh-CN" altLang="en-US"/>
           </a:p>
@@ -2936,7 +2936,7 @@
           <a:p>
             <a:fld id="{02E60DA2-A0BC-48C9-AA88-75C78721B420}" type="datetimeFigureOut">
               <a:rPr lang="zh-CN" altLang="en-US" smtClean="0"/>
-              <a:t>2018/5/7</a:t>
+              <a:t>2018/5/10</a:t>
             </a:fld>
             <a:endParaRPr lang="zh-CN" altLang="en-US"/>
           </a:p>
@@ -3158,7 +3158,7 @@
           <a:p>
             <a:fld id="{02E60DA2-A0BC-48C9-AA88-75C78721B420}" type="datetimeFigureOut">
               <a:rPr lang="zh-CN" altLang="en-US" smtClean="0"/>
-              <a:t>2018/5/7</a:t>
+              <a:t>2018/5/10</a:t>
             </a:fld>
             <a:endParaRPr lang="zh-CN" altLang="en-US"/>
           </a:p>
@@ -3479,7 +3479,7 @@
           <a:p>
             <a:fld id="{02E60DA2-A0BC-48C9-AA88-75C78721B420}" type="datetimeFigureOut">
               <a:rPr lang="zh-CN" altLang="en-US" smtClean="0"/>
-              <a:t>2018/5/7</a:t>
+              <a:t>2018/5/10</a:t>
             </a:fld>
             <a:endParaRPr lang="zh-CN" altLang="en-US"/>
           </a:p>
@@ -3717,7 +3717,7 @@
           <a:p>
             <a:fld id="{02E60DA2-A0BC-48C9-AA88-75C78721B420}" type="datetimeFigureOut">
               <a:rPr lang="zh-CN" altLang="en-US" smtClean="0"/>
-              <a:t>2018/5/7</a:t>
+              <a:t>2018/5/10</a:t>
             </a:fld>
             <a:endParaRPr lang="zh-CN" altLang="en-US"/>
           </a:p>
@@ -3955,7 +3955,7 @@
           <a:p>
             <a:fld id="{02E60DA2-A0BC-48C9-AA88-75C78721B420}" type="datetimeFigureOut">
               <a:rPr lang="zh-CN" altLang="en-US" smtClean="0"/>
-              <a:t>2018/5/7</a:t>
+              <a:t>2018/5/10</a:t>
             </a:fld>
             <a:endParaRPr lang="zh-CN" altLang="en-US"/>
           </a:p>
@@ -4254,7 +4254,7 @@
           <a:p>
             <a:fld id="{02E60DA2-A0BC-48C9-AA88-75C78721B420}" type="datetimeFigureOut">
               <a:rPr lang="zh-CN" altLang="en-US" smtClean="0"/>
-              <a:t>2018/5/7</a:t>
+              <a:t>2018/5/10</a:t>
             </a:fld>
             <a:endParaRPr lang="zh-CN" altLang="en-US"/>
           </a:p>
@@ -4543,7 +4543,7 @@
           <a:p>
             <a:fld id="{02E60DA2-A0BC-48C9-AA88-75C78721B420}" type="datetimeFigureOut">
               <a:rPr lang="zh-CN" altLang="en-US" smtClean="0"/>
-              <a:t>2018/5/7</a:t>
+              <a:t>2018/5/10</a:t>
             </a:fld>
             <a:endParaRPr lang="zh-CN" altLang="en-US"/>
           </a:p>
@@ -4979,7 +4979,7 @@
           <a:p>
             <a:fld id="{02E60DA2-A0BC-48C9-AA88-75C78721B420}" type="datetimeFigureOut">
               <a:rPr lang="zh-CN" altLang="en-US" smtClean="0"/>
-              <a:t>2018/5/7</a:t>
+              <a:t>2018/5/10</a:t>
             </a:fld>
             <a:endParaRPr lang="zh-CN" altLang="en-US"/>
           </a:p>
@@ -5144,7 +5144,7 @@
           <a:p>
             <a:fld id="{02E60DA2-A0BC-48C9-AA88-75C78721B420}" type="datetimeFigureOut">
               <a:rPr lang="zh-CN" altLang="en-US" smtClean="0"/>
-              <a:t>2018/5/7</a:t>
+              <a:t>2018/5/10</a:t>
             </a:fld>
             <a:endParaRPr lang="zh-CN" altLang="en-US"/>
           </a:p>
@@ -5281,7 +5281,7 @@
           <a:p>
             <a:fld id="{02E60DA2-A0BC-48C9-AA88-75C78721B420}" type="datetimeFigureOut">
               <a:rPr lang="zh-CN" altLang="en-US" smtClean="0"/>
-              <a:t>2018/5/7</a:t>
+              <a:t>2018/5/10</a:t>
             </a:fld>
             <a:endParaRPr lang="zh-CN" altLang="en-US"/>
           </a:p>
@@ -5616,7 +5616,7 @@
           <a:p>
             <a:fld id="{02E60DA2-A0BC-48C9-AA88-75C78721B420}" type="datetimeFigureOut">
               <a:rPr lang="zh-CN" altLang="en-US" smtClean="0"/>
-              <a:t>2018/5/7</a:t>
+              <a:t>2018/5/10</a:t>
             </a:fld>
             <a:endParaRPr lang="zh-CN" altLang="en-US"/>
           </a:p>
@@ -5928,7 +5928,7 @@
           <a:p>
             <a:fld id="{02E60DA2-A0BC-48C9-AA88-75C78721B420}" type="datetimeFigureOut">
               <a:rPr lang="zh-CN" altLang="en-US" smtClean="0"/>
-              <a:t>2018/5/7</a:t>
+              <a:t>2018/5/10</a:t>
             </a:fld>
             <a:endParaRPr lang="zh-CN" altLang="en-US"/>
           </a:p>
@@ -7333,13 +7333,14 @@
           <a:lstStyle/>
           <a:p>
             <a:r>
-              <a:rPr lang="en-US" altLang="zh-CN" dirty="0"/>
-              <a:t>CentOS</a:t>
-            </a:r>
-            <a:r>
-              <a:rPr lang="zh-CN" altLang="en-US" dirty="0"/>
+              <a:rPr lang="en-US" altLang="zh-CN"/>
+              <a:t>*CentOS</a:t>
+            </a:r>
+            <a:r>
+              <a:rPr lang="zh-CN" altLang="en-US"/>
               <a:t>网络配置</a:t>
             </a:r>
+            <a:endParaRPr lang="zh-CN" altLang="en-US" dirty="0"/>
           </a:p>
         </p:txBody>
       </p:sp>
@@ -9325,11 +9326,6 @@
               </a:rPr>
               <a:t>ip  address  help</a:t>
             </a:r>
-          </a:p>
-          <a:p>
-            <a:pPr marL="457200" lvl="1" indent="0">
-              <a:buNone/>
-            </a:pPr>
             <a:endParaRPr lang="en-US" altLang="zh-CN" dirty="0">
               <a:latin typeface="Roboto Mono Light" pitchFamily="2" charset="0"/>
             </a:endParaRPr>
@@ -9383,11 +9379,113 @@
               </a:rPr>
               <a:t>信息。</a:t>
             </a:r>
+            <a:endParaRPr lang="en-US" altLang="zh-CN" sz="2400" dirty="0">
+              <a:latin typeface="Roboto Mono Light" pitchFamily="2" charset="0"/>
+            </a:endParaRPr>
+          </a:p>
+          <a:p>
+            <a:r>
+              <a:rPr lang="zh-CN" altLang="en-US" sz="2400" dirty="0">
+                <a:latin typeface="Roboto Mono Light" pitchFamily="2" charset="0"/>
+              </a:rPr>
+              <a:t>为</a:t>
+            </a:r>
+            <a:r>
+              <a:rPr lang="en-US" altLang="zh-CN" sz="2400" dirty="0">
+                <a:latin typeface="Roboto Mono Light" pitchFamily="2" charset="0"/>
+              </a:rPr>
+              <a:t>eth0</a:t>
+            </a:r>
+            <a:r>
+              <a:rPr lang="zh-CN" altLang="en-US" sz="2400" dirty="0">
+                <a:latin typeface="Roboto Mono Light" pitchFamily="2" charset="0"/>
+              </a:rPr>
+              <a:t>网卡分配</a:t>
+            </a:r>
+            <a:r>
+              <a:rPr lang="en-US" altLang="zh-CN" sz="2400" dirty="0">
+                <a:latin typeface="Roboto Mono Light" pitchFamily="2" charset="0"/>
+              </a:rPr>
+              <a:t>IP</a:t>
+            </a:r>
+            <a:r>
+              <a:rPr lang="zh-CN" altLang="en-US" sz="2400">
+                <a:latin typeface="Roboto Mono Light" pitchFamily="2" charset="0"/>
+              </a:rPr>
+              <a:t>地址 ：</a:t>
+            </a:r>
             <a:endParaRPr lang="en-US" altLang="zh-CN" sz="2400">
               <a:latin typeface="Roboto Mono Light" pitchFamily="2" charset="0"/>
             </a:endParaRPr>
           </a:p>
           <a:p>
+            <a:pPr marL="457200" lvl="1" indent="0">
+              <a:buNone/>
+            </a:pPr>
+            <a:r>
+              <a:rPr lang="en-US" altLang="zh-CN">
+                <a:latin typeface="Roboto Mono Light" pitchFamily="2" charset="0"/>
+              </a:rPr>
+              <a:t>ip </a:t>
+            </a:r>
+            <a:r>
+              <a:rPr lang="en-US" altLang="zh-CN" dirty="0">
+                <a:latin typeface="Roboto Mono Light" pitchFamily="2" charset="0"/>
+              </a:rPr>
+              <a:t>address add 192.168.180.102/24  </a:t>
+            </a:r>
+            <a:r>
+              <a:rPr lang="en-US" altLang="zh-CN">
+                <a:latin typeface="Roboto Mono Light" pitchFamily="2" charset="0"/>
+              </a:rPr>
+              <a:t>dev  enp0s8</a:t>
+            </a:r>
+          </a:p>
+          <a:p>
+            <a:r>
+              <a:rPr lang="zh-CN" altLang="en-US" sz="2400">
+                <a:latin typeface="Roboto Mono Light" pitchFamily="2" charset="0"/>
+              </a:rPr>
+              <a:t>删除</a:t>
+            </a:r>
+            <a:r>
+              <a:rPr lang="en-US" altLang="zh-CN" sz="2400">
+                <a:latin typeface="Roboto Mono Light" pitchFamily="2" charset="0"/>
+              </a:rPr>
+              <a:t>eth0</a:t>
+            </a:r>
+            <a:r>
+              <a:rPr lang="zh-CN" altLang="en-US" sz="2400">
+                <a:latin typeface="Roboto Mono Light" pitchFamily="2" charset="0"/>
+              </a:rPr>
+              <a:t>的</a:t>
+            </a:r>
+            <a:r>
+              <a:rPr lang="en-US" altLang="zh-CN" sz="2400">
+                <a:latin typeface="Roboto Mono Light" pitchFamily="2" charset="0"/>
+              </a:rPr>
+              <a:t>IP</a:t>
+            </a:r>
+            <a:r>
+              <a:rPr lang="zh-CN" altLang="en-US" sz="2400">
+                <a:latin typeface="Roboto Mono Light" pitchFamily="2" charset="0"/>
+              </a:rPr>
+              <a:t>地址：</a:t>
+            </a:r>
+            <a:endParaRPr lang="en-US" altLang="zh-CN" sz="2400">
+              <a:latin typeface="Roboto Mono Light" pitchFamily="2" charset="0"/>
+            </a:endParaRPr>
+          </a:p>
+          <a:p>
+            <a:pPr marL="457200" lvl="1" indent="0">
+              <a:buNone/>
+            </a:pPr>
+            <a:r>
+              <a:rPr lang="en-US" altLang="zh-CN">
+                <a:latin typeface="Roboto Mono Light" pitchFamily="2" charset="0"/>
+              </a:rPr>
+              <a:t>ip address del 192.168.180.102/24  dev  enp0s8</a:t>
+            </a:r>
             <a:endParaRPr lang="en-US" altLang="zh-CN" sz="2400" dirty="0">
               <a:latin typeface="Roboto Mono Light" pitchFamily="2" charset="0"/>
             </a:endParaRPr>
@@ -9397,92 +9495,28 @@
               <a:rPr lang="zh-CN" altLang="en-US" sz="2400" dirty="0">
                 <a:latin typeface="Roboto Mono Light" pitchFamily="2" charset="0"/>
               </a:rPr>
-              <a:t>为</a:t>
+              <a:t>列出路由表：</a:t>
+            </a:r>
+            <a:r>
+              <a:rPr lang="en-US" altLang="zh-CN" sz="2400" dirty="0" err="1">
+                <a:latin typeface="Roboto Mono Light" pitchFamily="2" charset="0"/>
+              </a:rPr>
+              <a:t>ip</a:t>
             </a:r>
             <a:r>
               <a:rPr lang="en-US" altLang="zh-CN" sz="2400" dirty="0">
                 <a:latin typeface="Roboto Mono Light" pitchFamily="2" charset="0"/>
               </a:rPr>
-              <a:t>eth0</a:t>
-            </a:r>
-            <a:r>
-              <a:rPr lang="zh-CN" altLang="en-US" sz="2400" dirty="0">
-                <a:latin typeface="Roboto Mono Light" pitchFamily="2" charset="0"/>
-              </a:rPr>
-              <a:t>网卡分配</a:t>
-            </a:r>
-            <a:r>
-              <a:rPr lang="en-US" altLang="zh-CN" sz="2400" dirty="0">
-                <a:latin typeface="Roboto Mono Light" pitchFamily="2" charset="0"/>
-              </a:rPr>
-              <a:t>IP</a:t>
-            </a:r>
-            <a:r>
-              <a:rPr lang="zh-CN" altLang="en-US" sz="2400">
-                <a:latin typeface="Roboto Mono Light" pitchFamily="2" charset="0"/>
-              </a:rPr>
-              <a:t>地址 ：</a:t>
-            </a:r>
-            <a:endParaRPr lang="en-US" altLang="zh-CN" sz="2400">
-              <a:latin typeface="Roboto Mono Light" pitchFamily="2" charset="0"/>
-            </a:endParaRPr>
-          </a:p>
-          <a:p>
-            <a:pPr marL="457200" lvl="1" indent="0">
-              <a:buNone/>
-            </a:pPr>
-            <a:r>
-              <a:rPr lang="en-US" altLang="zh-CN">
-                <a:latin typeface="Roboto Mono Light" pitchFamily="2" charset="0"/>
-              </a:rPr>
-              <a:t>ip </a:t>
-            </a:r>
-            <a:r>
-              <a:rPr lang="en-US" altLang="zh-CN" dirty="0">
-                <a:latin typeface="Roboto Mono Light" pitchFamily="2" charset="0"/>
-              </a:rPr>
-              <a:t>address add 192.168.180.102/24  </a:t>
-            </a:r>
-            <a:r>
-              <a:rPr lang="en-US" altLang="zh-CN">
-                <a:latin typeface="Roboto Mono Light" pitchFamily="2" charset="0"/>
-              </a:rPr>
-              <a:t>dev  eth0</a:t>
-            </a:r>
-          </a:p>
-          <a:p>
-            <a:pPr marL="457200" lvl="1" indent="0">
-              <a:buNone/>
-            </a:pPr>
-            <a:endParaRPr lang="en-US" altLang="zh-CN" sz="2400" dirty="0">
-              <a:latin typeface="Roboto Mono Light" pitchFamily="2" charset="0"/>
-            </a:endParaRPr>
-          </a:p>
-          <a:p>
-            <a:r>
-              <a:rPr lang="zh-CN" altLang="en-US" sz="2400" dirty="0">
-                <a:latin typeface="Roboto Mono Light" pitchFamily="2" charset="0"/>
-              </a:rPr>
-              <a:t>列出路由表：</a:t>
-            </a:r>
-            <a:r>
-              <a:rPr lang="en-US" altLang="zh-CN" sz="2400" dirty="0" err="1">
-                <a:latin typeface="Roboto Mono Light" pitchFamily="2" charset="0"/>
-              </a:rPr>
-              <a:t>ip</a:t>
-            </a:r>
-            <a:r>
-              <a:rPr lang="en-US" altLang="zh-CN" sz="2400" dirty="0">
-                <a:latin typeface="Roboto Mono Light" pitchFamily="2" charset="0"/>
-              </a:rPr>
               <a:t>  </a:t>
             </a:r>
             <a:r>
               <a:rPr lang="en-US" altLang="zh-CN" sz="2400">
                 <a:latin typeface="Roboto Mono Light" pitchFamily="2" charset="0"/>
               </a:rPr>
-              <a:t>route  show</a:t>
-            </a:r>
+              <a:t>route  list</a:t>
+            </a:r>
+          </a:p>
+          <a:p>
             <a:endParaRPr lang="en-US" altLang="zh-CN" sz="2400" dirty="0">
               <a:latin typeface="Roboto Mono Light" pitchFamily="2" charset="0"/>
             </a:endParaRPr>
@@ -9668,30 +9702,41 @@
             </a:r>
             <a:r>
               <a:rPr lang="zh-CN" altLang="en-US" sz="2400" dirty="0"/>
-              <a:t>非常慢，而</a:t>
-            </a:r>
+              <a:t>非常慢，</a:t>
+            </a:r>
+            <a:r>
+              <a:rPr lang="zh-CN" altLang="en-US" sz="2400"/>
+              <a:t>而</a:t>
+            </a:r>
+            <a:r>
+              <a:rPr lang="en-US" altLang="zh-CN" sz="2400"/>
+              <a:t>ss</a:t>
+            </a:r>
+            <a:r>
+              <a:rPr lang="zh-CN" altLang="en-US" sz="2400"/>
+              <a:t>效率</a:t>
+            </a:r>
+            <a:r>
+              <a:rPr lang="zh-CN" altLang="en-US" sz="2400" dirty="0"/>
+              <a:t>很高。</a:t>
+            </a:r>
+            <a:endParaRPr lang="en-US" altLang="zh-CN" sz="2400" dirty="0"/>
+          </a:p>
+          <a:p>
             <a:r>
               <a:rPr lang="en-US" altLang="zh-CN" sz="2400" dirty="0" err="1"/>
               <a:t>ss</a:t>
             </a:r>
             <a:r>
               <a:rPr lang="zh-CN" altLang="en-US" sz="2400" dirty="0"/>
-              <a:t>很快，效率很高。</a:t>
+              <a:t>使用示例：</a:t>
             </a:r>
             <a:endParaRPr lang="en-US" altLang="zh-CN" sz="2400" dirty="0"/>
           </a:p>
           <a:p>
-            <a:r>
-              <a:rPr lang="en-US" altLang="zh-CN" sz="2400" dirty="0" err="1"/>
-              <a:t>ss</a:t>
-            </a:r>
-            <a:r>
-              <a:rPr lang="zh-CN" altLang="en-US" sz="2400" dirty="0"/>
-              <a:t>使用示例：</a:t>
-            </a:r>
-            <a:endParaRPr lang="en-US" altLang="zh-CN" sz="2400" dirty="0"/>
-          </a:p>
-          <a:p>
+            <a:pPr marL="0" indent="0">
+              <a:buNone/>
+            </a:pPr>
             <a:endParaRPr lang="en-US" altLang="zh-CN" sz="2000" dirty="0"/>
           </a:p>
           <a:p>
@@ -9714,14 +9759,14 @@
           <p:nvPr>
             <p:extLst>
               <p:ext uri="{D42A27DB-BD31-4B8C-83A1-F6EECF244321}">
-                <p14:modId xmlns:p14="http://schemas.microsoft.com/office/powerpoint/2010/main" val="3812518994"/>
+                <p14:modId xmlns:p14="http://schemas.microsoft.com/office/powerpoint/2010/main" val="3010946319"/>
               </p:ext>
             </p:extLst>
           </p:nvPr>
         </p:nvGraphicFramePr>
         <p:xfrm>
-          <a:off x="1514789" y="2999164"/>
-          <a:ext cx="9011822" cy="2281149"/>
+          <a:off x="1154305" y="2972787"/>
+          <a:ext cx="10029510" cy="3041532"/>
         </p:xfrm>
         <a:graphic>
           <a:graphicData uri="http://schemas.openxmlformats.org/drawingml/2006/table">
@@ -9730,14 +9775,14 @@
                 <a:tableStyleId>{2D5ABB26-0587-4C30-8999-92F81FD0307C}</a:tableStyleId>
               </a:tblPr>
               <a:tblGrid>
-                <a:gridCol w="2054888">
+                <a:gridCol w="2286943">
                   <a:extLst>
                     <a:ext uri="{9D8B030D-6E8A-4147-A177-3AD203B41FA5}">
                       <a16:colId xmlns:a16="http://schemas.microsoft.com/office/drawing/2014/main" val="1995618260"/>
                     </a:ext>
                   </a:extLst>
                 </a:gridCol>
-                <a:gridCol w="6956934">
+                <a:gridCol w="7742567">
                   <a:extLst>
                     <a:ext uri="{9D8B030D-6E8A-4147-A177-3AD203B41FA5}">
                       <a16:colId xmlns:a16="http://schemas.microsoft.com/office/drawing/2014/main" val="3732474542"/>
@@ -9827,7 +9872,7 @@
                         <a:rPr lang="en-US" altLang="zh-CN" sz="2400" baseline="0">
                           <a:latin typeface="Roboto Mono Light" pitchFamily="2" charset="0"/>
                         </a:rPr>
-                        <a:t> -a –p</a:t>
+                        <a:t> -ap</a:t>
                       </a:r>
                       <a:endParaRPr lang="zh-CN" altLang="en-US" sz="2400" baseline="0" dirty="0">
                         <a:latin typeface="Roboto Mono Light" pitchFamily="2" charset="0"/>
@@ -9868,7 +9913,7 @@
                         <a:rPr lang="en-US" altLang="zh-CN" sz="2400" baseline="0">
                           <a:latin typeface="Roboto Mono Light" pitchFamily="2" charset="0"/>
                         </a:rPr>
-                        <a:t>ss -altp</a:t>
+                        <a:t>ss -ltp</a:t>
                       </a:r>
                       <a:endParaRPr lang="zh-CN" altLang="en-US" sz="2400" baseline="0" dirty="0">
                         <a:latin typeface="Roboto Mono Light" pitchFamily="2" charset="0"/>
@@ -9913,6 +9958,74 @@
                   </a:ext>
                 </a:extLst>
               </a:tr>
+              <a:tr h="760383">
+                <a:tc>
+                  <a:txBody>
+                    <a:bodyPr/>
+                    <a:lstStyle/>
+                    <a:p>
+                      <a:pPr algn="l"/>
+                      <a:r>
+                        <a:rPr lang="en-US" altLang="zh-CN" sz="2400" baseline="0">
+                          <a:latin typeface="Roboto Mono Light" pitchFamily="2" charset="0"/>
+                        </a:rPr>
+                        <a:t>man  ss</a:t>
+                      </a:r>
+                      <a:endParaRPr lang="zh-CN" altLang="en-US" sz="2400" baseline="0" dirty="0">
+                        <a:latin typeface="Roboto Mono Light" pitchFamily="2" charset="0"/>
+                      </a:endParaRPr>
+                    </a:p>
+                  </a:txBody>
+                  <a:tcPr anchor="ctr"/>
+                </a:tc>
+                <a:tc>
+                  <a:txBody>
+                    <a:bodyPr/>
+                    <a:lstStyle/>
+                    <a:p>
+                      <a:r>
+                        <a:rPr lang="zh-CN" altLang="en-US" sz="2400" baseline="0">
+                          <a:latin typeface="Roboto Mono Light" pitchFamily="2" charset="0"/>
+                        </a:rPr>
+                        <a:t>查看</a:t>
+                      </a:r>
+                      <a:r>
+                        <a:rPr lang="en-US" altLang="zh-CN" sz="2400" baseline="0">
+                          <a:latin typeface="Roboto Mono Light" pitchFamily="2" charset="0"/>
+                        </a:rPr>
+                        <a:t>ss</a:t>
+                      </a:r>
+                      <a:r>
+                        <a:rPr lang="zh-CN" altLang="en-US" sz="2400" baseline="0">
+                          <a:latin typeface="Roboto Mono Light" pitchFamily="2" charset="0"/>
+                        </a:rPr>
+                        <a:t>手册，</a:t>
+                      </a:r>
+                      <a:r>
+                        <a:rPr lang="en-US" altLang="zh-CN" sz="2400" baseline="0">
+                          <a:latin typeface="Roboto Mono Light" pitchFamily="2" charset="0"/>
+                        </a:rPr>
+                        <a:t>ss</a:t>
+                      </a:r>
+                      <a:r>
+                        <a:rPr lang="zh-CN" altLang="en-US" sz="2400" baseline="0">
+                          <a:latin typeface="Roboto Mono Light" pitchFamily="2" charset="0"/>
+                        </a:rPr>
+                        <a:t>参数非常多，要经常查看手册作为参考</a:t>
+                      </a:r>
+                      <a:endParaRPr lang="zh-CN" altLang="en-US" sz="2400" baseline="0" dirty="0">
+                        <a:latin typeface="Roboto Mono Light" pitchFamily="2" charset="0"/>
+                      </a:endParaRPr>
+                    </a:p>
+                  </a:txBody>
+                  <a:tcPr anchor="ctr"/>
+                </a:tc>
+                <a:extLst>
+                  <a:ext uri="{0D108BD9-81ED-4DB2-BD59-A6C34878D82A}">
+                    <a16:rowId xmlns:a16="http://schemas.microsoft.com/office/drawing/2014/main" val="376439935"/>
+                  </a:ext>
+                </a:extLst>
+              </a:tr>
             </a:tbl>
           </a:graphicData>
         </a:graphic>
@@ -10289,8 +10402,12 @@
               <a:t>etc</a:t>
             </a:r>
             <a:r>
+              <a:rPr lang="en-US" altLang="zh-CN" sz="2400"/>
+              <a:t>/network/</a:t>
+            </a:r>
+            <a:r>
               <a:rPr lang="en-US" altLang="zh-CN" sz="2400" dirty="0"/>
-              <a:t>/networks/interfaces</a:t>
+              <a:t>interfaces</a:t>
             </a:r>
             <a:r>
               <a:rPr lang="zh-CN" altLang="en-US" sz="2400" dirty="0"/>
